--- a/EV3 Loom/EV3_Loom_Topology_V2_RCH.pptx
+++ b/EV3 Loom/EV3_Loom_Topology_V2_RCH.pptx
@@ -104,6 +104,11 @@
       </a:defRPr>
     </a:lvl9pPr>
   </p:defaultTextStyle>
+  <p:extLst>
+    <p:ext uri="{EFAFB233-063F-42B5-8137-9DF3F51BA10A}">
+      <p15:sldGuideLst xmlns:p15="http://schemas.microsoft.com/office/powerpoint/2012/main"/>
+    </p:ext>
+  </p:extLst>
 </p:presentation>
 </file>
 

--- a/EV3 Loom/EV3_Loom_Topology_V2_RCH.pptx
+++ b/EV3 Loom/EV3_Loom_Topology_V2_RCH.pptx
@@ -243,7 +243,7 @@
           <a:p>
             <a:fld id="{1102291F-AE0F-41BE-B119-27851E3C0948}" type="datetimeFigureOut">
               <a:rPr lang="en-AU" smtClean="0"/>
-              <a:t>4/02/2021</a:t>
+              <a:t>9/02/2021</a:t>
             </a:fld>
             <a:endParaRPr lang="en-AU"/>
           </a:p>
@@ -413,7 +413,7 @@
           <a:p>
             <a:fld id="{1102291F-AE0F-41BE-B119-27851E3C0948}" type="datetimeFigureOut">
               <a:rPr lang="en-AU" smtClean="0"/>
-              <a:t>4/02/2021</a:t>
+              <a:t>9/02/2021</a:t>
             </a:fld>
             <a:endParaRPr lang="en-AU"/>
           </a:p>
@@ -593,7 +593,7 @@
           <a:p>
             <a:fld id="{1102291F-AE0F-41BE-B119-27851E3C0948}" type="datetimeFigureOut">
               <a:rPr lang="en-AU" smtClean="0"/>
-              <a:t>4/02/2021</a:t>
+              <a:t>9/02/2021</a:t>
             </a:fld>
             <a:endParaRPr lang="en-AU"/>
           </a:p>
@@ -763,7 +763,7 @@
           <a:p>
             <a:fld id="{1102291F-AE0F-41BE-B119-27851E3C0948}" type="datetimeFigureOut">
               <a:rPr lang="en-AU" smtClean="0"/>
-              <a:t>4/02/2021</a:t>
+              <a:t>9/02/2021</a:t>
             </a:fld>
             <a:endParaRPr lang="en-AU"/>
           </a:p>
@@ -1007,7 +1007,7 @@
           <a:p>
             <a:fld id="{1102291F-AE0F-41BE-B119-27851E3C0948}" type="datetimeFigureOut">
               <a:rPr lang="en-AU" smtClean="0"/>
-              <a:t>4/02/2021</a:t>
+              <a:t>9/02/2021</a:t>
             </a:fld>
             <a:endParaRPr lang="en-AU"/>
           </a:p>
@@ -1239,7 +1239,7 @@
           <a:p>
             <a:fld id="{1102291F-AE0F-41BE-B119-27851E3C0948}" type="datetimeFigureOut">
               <a:rPr lang="en-AU" smtClean="0"/>
-              <a:t>4/02/2021</a:t>
+              <a:t>9/02/2021</a:t>
             </a:fld>
             <a:endParaRPr lang="en-AU"/>
           </a:p>
@@ -1606,7 +1606,7 @@
           <a:p>
             <a:fld id="{1102291F-AE0F-41BE-B119-27851E3C0948}" type="datetimeFigureOut">
               <a:rPr lang="en-AU" smtClean="0"/>
-              <a:t>4/02/2021</a:t>
+              <a:t>9/02/2021</a:t>
             </a:fld>
             <a:endParaRPr lang="en-AU"/>
           </a:p>
@@ -1724,7 +1724,7 @@
           <a:p>
             <a:fld id="{1102291F-AE0F-41BE-B119-27851E3C0948}" type="datetimeFigureOut">
               <a:rPr lang="en-AU" smtClean="0"/>
-              <a:t>4/02/2021</a:t>
+              <a:t>9/02/2021</a:t>
             </a:fld>
             <a:endParaRPr lang="en-AU"/>
           </a:p>
@@ -1819,7 +1819,7 @@
           <a:p>
             <a:fld id="{1102291F-AE0F-41BE-B119-27851E3C0948}" type="datetimeFigureOut">
               <a:rPr lang="en-AU" smtClean="0"/>
-              <a:t>4/02/2021</a:t>
+              <a:t>9/02/2021</a:t>
             </a:fld>
             <a:endParaRPr lang="en-AU"/>
           </a:p>
@@ -2096,7 +2096,7 @@
           <a:p>
             <a:fld id="{1102291F-AE0F-41BE-B119-27851E3C0948}" type="datetimeFigureOut">
               <a:rPr lang="en-AU" smtClean="0"/>
-              <a:t>4/02/2021</a:t>
+              <a:t>9/02/2021</a:t>
             </a:fld>
             <a:endParaRPr lang="en-AU"/>
           </a:p>
@@ -2353,7 +2353,7 @@
           <a:p>
             <a:fld id="{1102291F-AE0F-41BE-B119-27851E3C0948}" type="datetimeFigureOut">
               <a:rPr lang="en-AU" smtClean="0"/>
-              <a:t>4/02/2021</a:t>
+              <a:t>9/02/2021</a:t>
             </a:fld>
             <a:endParaRPr lang="en-AU"/>
           </a:p>
@@ -2566,7 +2566,7 @@
           <a:p>
             <a:fld id="{1102291F-AE0F-41BE-B119-27851E3C0948}" type="datetimeFigureOut">
               <a:rPr lang="en-AU" smtClean="0"/>
-              <a:t>4/02/2021</a:t>
+              <a:t>9/02/2021</a:t>
             </a:fld>
             <a:endParaRPr lang="en-AU"/>
           </a:p>
@@ -3729,53 +3729,6 @@
       </p:sp>
       <p:sp>
         <p:nvSpPr>
-          <p:cNvPr id="32" name="Oval 31">
-            <a:extLst>
-              <a:ext uri="{FF2B5EF4-FFF2-40B4-BE49-F238E27FC236}">
-                <a16:creationId xmlns:a16="http://schemas.microsoft.com/office/drawing/2014/main" id="{059A4BD9-0CBF-4330-AF85-03D21EAD4D0D}"/>
-              </a:ext>
-            </a:extLst>
-          </p:cNvPr>
-          <p:cNvSpPr/>
-          <p:nvPr/>
-        </p:nvSpPr>
-        <p:spPr>
-          <a:xfrm>
-            <a:off x="10051037" y="1122218"/>
-            <a:ext cx="1565564" cy="1011382"/>
-          </a:xfrm>
-          <a:prstGeom prst="ellipse">
-            <a:avLst/>
-          </a:prstGeom>
-        </p:spPr>
-        <p:style>
-          <a:lnRef idx="2">
-            <a:schemeClr val="dk1"/>
-          </a:lnRef>
-          <a:fillRef idx="1">
-            <a:schemeClr val="lt1"/>
-          </a:fillRef>
-          <a:effectRef idx="0">
-            <a:schemeClr val="dk1"/>
-          </a:effectRef>
-          <a:fontRef idx="minor">
-            <a:schemeClr val="dk1"/>
-          </a:fontRef>
-        </p:style>
-        <p:txBody>
-          <a:bodyPr rtlCol="0" anchor="ctr"/>
-          <a:lstStyle/>
-          <a:p>
-            <a:pPr algn="ctr"/>
-            <a:r>
-              <a:rPr lang="en-AU" sz="1600" dirty="0"/>
-              <a:t>Brake Light</a:t>
-            </a:r>
-          </a:p>
-        </p:txBody>
-      </p:sp>
-      <p:sp>
-        <p:nvSpPr>
           <p:cNvPr id="37" name="Oval 36">
             <a:extLst>
               <a:ext uri="{FF2B5EF4-FFF2-40B4-BE49-F238E27FC236}">
@@ -4064,44 +4017,6 @@
           <a:xfrm>
             <a:off x="8334519" y="2133600"/>
             <a:ext cx="924502" cy="1295400"/>
-          </a:xfrm>
-          <a:prstGeom prst="line">
-            <a:avLst/>
-          </a:prstGeom>
-        </p:spPr>
-        <p:style>
-          <a:lnRef idx="1">
-            <a:schemeClr val="dk1"/>
-          </a:lnRef>
-          <a:fillRef idx="0">
-            <a:schemeClr val="dk1"/>
-          </a:fillRef>
-          <a:effectRef idx="0">
-            <a:schemeClr val="dk1"/>
-          </a:effectRef>
-          <a:fontRef idx="minor">
-            <a:schemeClr val="tx1"/>
-          </a:fontRef>
-        </p:style>
-      </p:cxnSp>
-      <p:cxnSp>
-        <p:nvCxnSpPr>
-          <p:cNvPr id="48" name="Straight Connector 47">
-            <a:extLst>
-              <a:ext uri="{FF2B5EF4-FFF2-40B4-BE49-F238E27FC236}">
-                <a16:creationId xmlns:a16="http://schemas.microsoft.com/office/drawing/2014/main" id="{C4B8EF8E-605B-4D10-9350-CEDC1FBB5D1D}"/>
-              </a:ext>
-            </a:extLst>
-          </p:cNvPr>
-          <p:cNvCxnSpPr>
-            <a:stCxn id="32" idx="4"/>
-          </p:cNvCxnSpPr>
-          <p:nvPr/>
-        </p:nvCxnSpPr>
-        <p:spPr>
-          <a:xfrm flipH="1">
-            <a:off x="10041803" y="2133600"/>
-            <a:ext cx="792016" cy="1288471"/>
           </a:xfrm>
           <a:prstGeom prst="line">
             <a:avLst/>

--- a/EV3 Loom/EV3_Loom_Topology_V2_RCH.pptx
+++ b/EV3 Loom/EV3_Loom_Topology_V2_RCH.pptx
@@ -243,7 +243,7 @@
           <a:p>
             <a:fld id="{1102291F-AE0F-41BE-B119-27851E3C0948}" type="datetimeFigureOut">
               <a:rPr lang="en-AU" smtClean="0"/>
-              <a:t>9/02/2021</a:t>
+              <a:t>15/02/2021</a:t>
             </a:fld>
             <a:endParaRPr lang="en-AU"/>
           </a:p>
@@ -413,7 +413,7 @@
           <a:p>
             <a:fld id="{1102291F-AE0F-41BE-B119-27851E3C0948}" type="datetimeFigureOut">
               <a:rPr lang="en-AU" smtClean="0"/>
-              <a:t>9/02/2021</a:t>
+              <a:t>15/02/2021</a:t>
             </a:fld>
             <a:endParaRPr lang="en-AU"/>
           </a:p>
@@ -593,7 +593,7 @@
           <a:p>
             <a:fld id="{1102291F-AE0F-41BE-B119-27851E3C0948}" type="datetimeFigureOut">
               <a:rPr lang="en-AU" smtClean="0"/>
-              <a:t>9/02/2021</a:t>
+              <a:t>15/02/2021</a:t>
             </a:fld>
             <a:endParaRPr lang="en-AU"/>
           </a:p>
@@ -763,7 +763,7 @@
           <a:p>
             <a:fld id="{1102291F-AE0F-41BE-B119-27851E3C0948}" type="datetimeFigureOut">
               <a:rPr lang="en-AU" smtClean="0"/>
-              <a:t>9/02/2021</a:t>
+              <a:t>15/02/2021</a:t>
             </a:fld>
             <a:endParaRPr lang="en-AU"/>
           </a:p>
@@ -1007,7 +1007,7 @@
           <a:p>
             <a:fld id="{1102291F-AE0F-41BE-B119-27851E3C0948}" type="datetimeFigureOut">
               <a:rPr lang="en-AU" smtClean="0"/>
-              <a:t>9/02/2021</a:t>
+              <a:t>15/02/2021</a:t>
             </a:fld>
             <a:endParaRPr lang="en-AU"/>
           </a:p>
@@ -1239,7 +1239,7 @@
           <a:p>
             <a:fld id="{1102291F-AE0F-41BE-B119-27851E3C0948}" type="datetimeFigureOut">
               <a:rPr lang="en-AU" smtClean="0"/>
-              <a:t>9/02/2021</a:t>
+              <a:t>15/02/2021</a:t>
             </a:fld>
             <a:endParaRPr lang="en-AU"/>
           </a:p>
@@ -1606,7 +1606,7 @@
           <a:p>
             <a:fld id="{1102291F-AE0F-41BE-B119-27851E3C0948}" type="datetimeFigureOut">
               <a:rPr lang="en-AU" smtClean="0"/>
-              <a:t>9/02/2021</a:t>
+              <a:t>15/02/2021</a:t>
             </a:fld>
             <a:endParaRPr lang="en-AU"/>
           </a:p>
@@ -1724,7 +1724,7 @@
           <a:p>
             <a:fld id="{1102291F-AE0F-41BE-B119-27851E3C0948}" type="datetimeFigureOut">
               <a:rPr lang="en-AU" smtClean="0"/>
-              <a:t>9/02/2021</a:t>
+              <a:t>15/02/2021</a:t>
             </a:fld>
             <a:endParaRPr lang="en-AU"/>
           </a:p>
@@ -1819,7 +1819,7 @@
           <a:p>
             <a:fld id="{1102291F-AE0F-41BE-B119-27851E3C0948}" type="datetimeFigureOut">
               <a:rPr lang="en-AU" smtClean="0"/>
-              <a:t>9/02/2021</a:t>
+              <a:t>15/02/2021</a:t>
             </a:fld>
             <a:endParaRPr lang="en-AU"/>
           </a:p>
@@ -2096,7 +2096,7 @@
           <a:p>
             <a:fld id="{1102291F-AE0F-41BE-B119-27851E3C0948}" type="datetimeFigureOut">
               <a:rPr lang="en-AU" smtClean="0"/>
-              <a:t>9/02/2021</a:t>
+              <a:t>15/02/2021</a:t>
             </a:fld>
             <a:endParaRPr lang="en-AU"/>
           </a:p>
@@ -2353,7 +2353,7 @@
           <a:p>
             <a:fld id="{1102291F-AE0F-41BE-B119-27851E3C0948}" type="datetimeFigureOut">
               <a:rPr lang="en-AU" smtClean="0"/>
-              <a:t>9/02/2021</a:t>
+              <a:t>15/02/2021</a:t>
             </a:fld>
             <a:endParaRPr lang="en-AU"/>
           </a:p>
@@ -2566,7 +2566,7 @@
           <a:p>
             <a:fld id="{1102291F-AE0F-41BE-B119-27851E3C0948}" type="datetimeFigureOut">
               <a:rPr lang="en-AU" smtClean="0"/>
-              <a:t>9/02/2021</a:t>
+              <a:t>15/02/2021</a:t>
             </a:fld>
             <a:endParaRPr lang="en-AU"/>
           </a:p>
@@ -3250,6 +3250,9 @@
           <a:prstGeom prst="ellipse">
             <a:avLst/>
           </a:prstGeom>
+          <a:solidFill>
+            <a:schemeClr val="bg2"/>
+          </a:solidFill>
         </p:spPr>
         <p:style>
           <a:lnRef idx="2">
@@ -3416,6 +3419,9 @@
           <a:prstGeom prst="ellipse">
             <a:avLst/>
           </a:prstGeom>
+          <a:solidFill>
+            <a:schemeClr val="bg2"/>
+          </a:solidFill>
         </p:spPr>
         <p:style>
           <a:lnRef idx="2">
@@ -3463,6 +3469,9 @@
           <a:prstGeom prst="ellipse">
             <a:avLst/>
           </a:prstGeom>
+          <a:solidFill>
+            <a:schemeClr val="bg2"/>
+          </a:solidFill>
         </p:spPr>
         <p:style>
           <a:lnRef idx="2">
@@ -3700,6 +3709,9 @@
           <a:prstGeom prst="ellipse">
             <a:avLst/>
           </a:prstGeom>
+          <a:solidFill>
+            <a:schemeClr val="bg2"/>
+          </a:solidFill>
         </p:spPr>
         <p:style>
           <a:lnRef idx="2">
@@ -4133,6 +4145,9 @@
           <a:prstGeom prst="ellipse">
             <a:avLst/>
           </a:prstGeom>
+          <a:solidFill>
+            <a:schemeClr val="bg2"/>
+          </a:solidFill>
         </p:spPr>
         <p:style>
           <a:lnRef idx="2">
@@ -4180,6 +4195,9 @@
           <a:prstGeom prst="ellipse">
             <a:avLst/>
           </a:prstGeom>
+          <a:solidFill>
+            <a:schemeClr val="bg2"/>
+          </a:solidFill>
         </p:spPr>
         <p:style>
           <a:lnRef idx="2">

--- a/EV3 Loom/EV3_Loom_Topology_V2_RCH.pptx
+++ b/EV3 Loom/EV3_Loom_Topology_V2_RCH.pptx
@@ -243,7 +243,7 @@
           <a:p>
             <a:fld id="{1102291F-AE0F-41BE-B119-27851E3C0948}" type="datetimeFigureOut">
               <a:rPr lang="en-AU" smtClean="0"/>
-              <a:t>15/02/2021</a:t>
+              <a:t>17/02/2021</a:t>
             </a:fld>
             <a:endParaRPr lang="en-AU"/>
           </a:p>
@@ -413,7 +413,7 @@
           <a:p>
             <a:fld id="{1102291F-AE0F-41BE-B119-27851E3C0948}" type="datetimeFigureOut">
               <a:rPr lang="en-AU" smtClean="0"/>
-              <a:t>15/02/2021</a:t>
+              <a:t>17/02/2021</a:t>
             </a:fld>
             <a:endParaRPr lang="en-AU"/>
           </a:p>
@@ -593,7 +593,7 @@
           <a:p>
             <a:fld id="{1102291F-AE0F-41BE-B119-27851E3C0948}" type="datetimeFigureOut">
               <a:rPr lang="en-AU" smtClean="0"/>
-              <a:t>15/02/2021</a:t>
+              <a:t>17/02/2021</a:t>
             </a:fld>
             <a:endParaRPr lang="en-AU"/>
           </a:p>
@@ -763,7 +763,7 @@
           <a:p>
             <a:fld id="{1102291F-AE0F-41BE-B119-27851E3C0948}" type="datetimeFigureOut">
               <a:rPr lang="en-AU" smtClean="0"/>
-              <a:t>15/02/2021</a:t>
+              <a:t>17/02/2021</a:t>
             </a:fld>
             <a:endParaRPr lang="en-AU"/>
           </a:p>
@@ -1007,7 +1007,7 @@
           <a:p>
             <a:fld id="{1102291F-AE0F-41BE-B119-27851E3C0948}" type="datetimeFigureOut">
               <a:rPr lang="en-AU" smtClean="0"/>
-              <a:t>15/02/2021</a:t>
+              <a:t>17/02/2021</a:t>
             </a:fld>
             <a:endParaRPr lang="en-AU"/>
           </a:p>
@@ -1239,7 +1239,7 @@
           <a:p>
             <a:fld id="{1102291F-AE0F-41BE-B119-27851E3C0948}" type="datetimeFigureOut">
               <a:rPr lang="en-AU" smtClean="0"/>
-              <a:t>15/02/2021</a:t>
+              <a:t>17/02/2021</a:t>
             </a:fld>
             <a:endParaRPr lang="en-AU"/>
           </a:p>
@@ -1606,7 +1606,7 @@
           <a:p>
             <a:fld id="{1102291F-AE0F-41BE-B119-27851E3C0948}" type="datetimeFigureOut">
               <a:rPr lang="en-AU" smtClean="0"/>
-              <a:t>15/02/2021</a:t>
+              <a:t>17/02/2021</a:t>
             </a:fld>
             <a:endParaRPr lang="en-AU"/>
           </a:p>
@@ -1724,7 +1724,7 @@
           <a:p>
             <a:fld id="{1102291F-AE0F-41BE-B119-27851E3C0948}" type="datetimeFigureOut">
               <a:rPr lang="en-AU" smtClean="0"/>
-              <a:t>15/02/2021</a:t>
+              <a:t>17/02/2021</a:t>
             </a:fld>
             <a:endParaRPr lang="en-AU"/>
           </a:p>
@@ -1819,7 +1819,7 @@
           <a:p>
             <a:fld id="{1102291F-AE0F-41BE-B119-27851E3C0948}" type="datetimeFigureOut">
               <a:rPr lang="en-AU" smtClean="0"/>
-              <a:t>15/02/2021</a:t>
+              <a:t>17/02/2021</a:t>
             </a:fld>
             <a:endParaRPr lang="en-AU"/>
           </a:p>
@@ -2096,7 +2096,7 @@
           <a:p>
             <a:fld id="{1102291F-AE0F-41BE-B119-27851E3C0948}" type="datetimeFigureOut">
               <a:rPr lang="en-AU" smtClean="0"/>
-              <a:t>15/02/2021</a:t>
+              <a:t>17/02/2021</a:t>
             </a:fld>
             <a:endParaRPr lang="en-AU"/>
           </a:p>
@@ -2353,7 +2353,7 @@
           <a:p>
             <a:fld id="{1102291F-AE0F-41BE-B119-27851E3C0948}" type="datetimeFigureOut">
               <a:rPr lang="en-AU" smtClean="0"/>
-              <a:t>15/02/2021</a:t>
+              <a:t>17/02/2021</a:t>
             </a:fld>
             <a:endParaRPr lang="en-AU"/>
           </a:p>
@@ -2566,7 +2566,7 @@
           <a:p>
             <a:fld id="{1102291F-AE0F-41BE-B119-27851E3C0948}" type="datetimeFigureOut">
               <a:rPr lang="en-AU" smtClean="0"/>
-              <a:t>15/02/2021</a:t>
+              <a:t>17/02/2021</a:t>
             </a:fld>
             <a:endParaRPr lang="en-AU"/>
           </a:p>

--- a/EV3 Loom/EV3_Loom_Topology_V2_RCH.pptx
+++ b/EV3 Loom/EV3_Loom_Topology_V2_RCH.pptx
@@ -243,7 +243,7 @@
           <a:p>
             <a:fld id="{1102291F-AE0F-41BE-B119-27851E3C0948}" type="datetimeFigureOut">
               <a:rPr lang="en-AU" smtClean="0"/>
-              <a:t>17/02/2021</a:t>
+              <a:t>24/02/2021</a:t>
             </a:fld>
             <a:endParaRPr lang="en-AU"/>
           </a:p>
@@ -413,7 +413,7 @@
           <a:p>
             <a:fld id="{1102291F-AE0F-41BE-B119-27851E3C0948}" type="datetimeFigureOut">
               <a:rPr lang="en-AU" smtClean="0"/>
-              <a:t>17/02/2021</a:t>
+              <a:t>24/02/2021</a:t>
             </a:fld>
             <a:endParaRPr lang="en-AU"/>
           </a:p>
@@ -593,7 +593,7 @@
           <a:p>
             <a:fld id="{1102291F-AE0F-41BE-B119-27851E3C0948}" type="datetimeFigureOut">
               <a:rPr lang="en-AU" smtClean="0"/>
-              <a:t>17/02/2021</a:t>
+              <a:t>24/02/2021</a:t>
             </a:fld>
             <a:endParaRPr lang="en-AU"/>
           </a:p>
@@ -763,7 +763,7 @@
           <a:p>
             <a:fld id="{1102291F-AE0F-41BE-B119-27851E3C0948}" type="datetimeFigureOut">
               <a:rPr lang="en-AU" smtClean="0"/>
-              <a:t>17/02/2021</a:t>
+              <a:t>24/02/2021</a:t>
             </a:fld>
             <a:endParaRPr lang="en-AU"/>
           </a:p>
@@ -1007,7 +1007,7 @@
           <a:p>
             <a:fld id="{1102291F-AE0F-41BE-B119-27851E3C0948}" type="datetimeFigureOut">
               <a:rPr lang="en-AU" smtClean="0"/>
-              <a:t>17/02/2021</a:t>
+              <a:t>24/02/2021</a:t>
             </a:fld>
             <a:endParaRPr lang="en-AU"/>
           </a:p>
@@ -1239,7 +1239,7 @@
           <a:p>
             <a:fld id="{1102291F-AE0F-41BE-B119-27851E3C0948}" type="datetimeFigureOut">
               <a:rPr lang="en-AU" smtClean="0"/>
-              <a:t>17/02/2021</a:t>
+              <a:t>24/02/2021</a:t>
             </a:fld>
             <a:endParaRPr lang="en-AU"/>
           </a:p>
@@ -1606,7 +1606,7 @@
           <a:p>
             <a:fld id="{1102291F-AE0F-41BE-B119-27851E3C0948}" type="datetimeFigureOut">
               <a:rPr lang="en-AU" smtClean="0"/>
-              <a:t>17/02/2021</a:t>
+              <a:t>24/02/2021</a:t>
             </a:fld>
             <a:endParaRPr lang="en-AU"/>
           </a:p>
@@ -1724,7 +1724,7 @@
           <a:p>
             <a:fld id="{1102291F-AE0F-41BE-B119-27851E3C0948}" type="datetimeFigureOut">
               <a:rPr lang="en-AU" smtClean="0"/>
-              <a:t>17/02/2021</a:t>
+              <a:t>24/02/2021</a:t>
             </a:fld>
             <a:endParaRPr lang="en-AU"/>
           </a:p>
@@ -1819,7 +1819,7 @@
           <a:p>
             <a:fld id="{1102291F-AE0F-41BE-B119-27851E3C0948}" type="datetimeFigureOut">
               <a:rPr lang="en-AU" smtClean="0"/>
-              <a:t>17/02/2021</a:t>
+              <a:t>24/02/2021</a:t>
             </a:fld>
             <a:endParaRPr lang="en-AU"/>
           </a:p>
@@ -2096,7 +2096,7 @@
           <a:p>
             <a:fld id="{1102291F-AE0F-41BE-B119-27851E3C0948}" type="datetimeFigureOut">
               <a:rPr lang="en-AU" smtClean="0"/>
-              <a:t>17/02/2021</a:t>
+              <a:t>24/02/2021</a:t>
             </a:fld>
             <a:endParaRPr lang="en-AU"/>
           </a:p>
@@ -2353,7 +2353,7 @@
           <a:p>
             <a:fld id="{1102291F-AE0F-41BE-B119-27851E3C0948}" type="datetimeFigureOut">
               <a:rPr lang="en-AU" smtClean="0"/>
-              <a:t>17/02/2021</a:t>
+              <a:t>24/02/2021</a:t>
             </a:fld>
             <a:endParaRPr lang="en-AU"/>
           </a:p>
@@ -2566,7 +2566,7 @@
           <a:p>
             <a:fld id="{1102291F-AE0F-41BE-B119-27851E3C0948}" type="datetimeFigureOut">
               <a:rPr lang="en-AU" smtClean="0"/>
-              <a:t>17/02/2021</a:t>
+              <a:t>24/02/2021</a:t>
             </a:fld>
             <a:endParaRPr lang="en-AU"/>
           </a:p>
@@ -3019,7 +3019,7 @@
                   <a:schemeClr val="tx1"/>
                 </a:solidFill>
               </a:rPr>
-              <a:t>Dash</a:t>
+              <a:t>Forward Electrical Node (Dash)</a:t>
             </a:r>
           </a:p>
         </p:txBody>
@@ -3038,7 +3038,7 @@
         </p:nvSpPr>
         <p:spPr>
           <a:xfrm>
-            <a:off x="8765019" y="3422072"/>
+            <a:off x="7114678" y="3422072"/>
             <a:ext cx="1690255" cy="1219200"/>
           </a:xfrm>
           <a:prstGeom prst="rect">
@@ -3072,7 +3072,7 @@
                   <a:schemeClr val="tx1"/>
                 </a:solidFill>
               </a:rPr>
-              <a:t>Rear Control Hub</a:t>
+              <a:t>Rear Electrical Node</a:t>
             </a:r>
           </a:p>
         </p:txBody>
@@ -3091,7 +3091,7 @@
         </p:nvSpPr>
         <p:spPr>
           <a:xfrm>
-            <a:off x="8747556" y="6698670"/>
+            <a:off x="7097215" y="6698670"/>
             <a:ext cx="1690255" cy="1219200"/>
           </a:xfrm>
           <a:prstGeom prst="rect">
@@ -3125,7 +3125,7 @@
                   <a:schemeClr val="tx1"/>
                 </a:solidFill>
               </a:rPr>
-              <a:t>HVD</a:t>
+              <a:t>Centre Electrical Node (HVD)</a:t>
             </a:r>
           </a:p>
         </p:txBody>
@@ -3144,7 +3144,7 @@
         </p:nvSpPr>
         <p:spPr>
           <a:xfrm>
-            <a:off x="12760466" y="6698670"/>
+            <a:off x="10320933" y="6698670"/>
             <a:ext cx="1690255" cy="1219200"/>
           </a:xfrm>
           <a:prstGeom prst="rect">
@@ -3298,87 +3298,8 @@
         </p:nvCxnSpPr>
         <p:spPr>
           <a:xfrm flipH="1">
-            <a:off x="9592684" y="4641272"/>
+            <a:off x="7942343" y="4641272"/>
             <a:ext cx="17463" cy="2057398"/>
-          </a:xfrm>
-          <a:prstGeom prst="line">
-            <a:avLst/>
-          </a:prstGeom>
-        </p:spPr>
-        <p:style>
-          <a:lnRef idx="1">
-            <a:schemeClr val="dk1"/>
-          </a:lnRef>
-          <a:fillRef idx="0">
-            <a:schemeClr val="dk1"/>
-          </a:fillRef>
-          <a:effectRef idx="0">
-            <a:schemeClr val="dk1"/>
-          </a:effectRef>
-          <a:fontRef idx="minor">
-            <a:schemeClr val="tx1"/>
-          </a:fontRef>
-        </p:style>
-      </p:cxnSp>
-      <p:cxnSp>
-        <p:nvCxnSpPr>
-          <p:cNvPr id="13" name="Straight Connector 12">
-            <a:extLst>
-              <a:ext uri="{FF2B5EF4-FFF2-40B4-BE49-F238E27FC236}">
-                <a16:creationId xmlns:a16="http://schemas.microsoft.com/office/drawing/2014/main" id="{260C2408-0C72-4920-9B51-909E67543C3A}"/>
-              </a:ext>
-            </a:extLst>
-          </p:cNvPr>
-          <p:cNvCxnSpPr>
-            <a:cxnSpLocks/>
-            <a:stCxn id="4" idx="3"/>
-            <a:endCxn id="5" idx="1"/>
-          </p:cNvCxnSpPr>
-          <p:nvPr/>
-        </p:nvCxnSpPr>
-        <p:spPr>
-          <a:xfrm>
-            <a:off x="4447309" y="4031672"/>
-            <a:ext cx="4317710" cy="0"/>
-          </a:xfrm>
-          <a:prstGeom prst="line">
-            <a:avLst/>
-          </a:prstGeom>
-        </p:spPr>
-        <p:style>
-          <a:lnRef idx="1">
-            <a:schemeClr val="dk1"/>
-          </a:lnRef>
-          <a:fillRef idx="0">
-            <a:schemeClr val="dk1"/>
-          </a:fillRef>
-          <a:effectRef idx="0">
-            <a:schemeClr val="dk1"/>
-          </a:effectRef>
-          <a:fontRef idx="minor">
-            <a:schemeClr val="tx1"/>
-          </a:fontRef>
-        </p:style>
-      </p:cxnSp>
-      <p:cxnSp>
-        <p:nvCxnSpPr>
-          <p:cNvPr id="15" name="Straight Connector 14">
-            <a:extLst>
-              <a:ext uri="{FF2B5EF4-FFF2-40B4-BE49-F238E27FC236}">
-                <a16:creationId xmlns:a16="http://schemas.microsoft.com/office/drawing/2014/main" id="{8B9F4C32-EAE3-4423-915E-19A3F1096680}"/>
-              </a:ext>
-            </a:extLst>
-          </p:cNvPr>
-          <p:cNvCxnSpPr>
-            <a:stCxn id="6" idx="3"/>
-            <a:endCxn id="7" idx="1"/>
-          </p:cNvCxnSpPr>
-          <p:nvPr/>
-        </p:nvCxnSpPr>
-        <p:spPr>
-          <a:xfrm>
-            <a:off x="10437811" y="7308270"/>
-            <a:ext cx="2322655" cy="0"/>
           </a:xfrm>
           <a:prstGeom prst="line">
             <a:avLst/>
@@ -3413,7 +3334,7 @@
         </p:nvSpPr>
         <p:spPr>
           <a:xfrm>
-            <a:off x="9816378" y="9026234"/>
+            <a:off x="8166037" y="9026234"/>
             <a:ext cx="1565564" cy="1011382"/>
           </a:xfrm>
           <a:prstGeom prst="ellipse">
@@ -3463,7 +3384,7 @@
         </p:nvSpPr>
         <p:spPr>
           <a:xfrm>
-            <a:off x="7824210" y="9026234"/>
+            <a:off x="6173869" y="9026234"/>
             <a:ext cx="1565564" cy="1011382"/>
           </a:xfrm>
           <a:prstGeom prst="ellipse">
@@ -3515,7 +3436,7 @@
         </p:nvCxnSpPr>
         <p:spPr>
           <a:xfrm flipH="1">
-            <a:off x="9592683" y="7917870"/>
+            <a:off x="7942342" y="7917870"/>
             <a:ext cx="1" cy="609600"/>
           </a:xfrm>
           <a:prstGeom prst="line">
@@ -3553,7 +3474,7 @@
         </p:nvCxnSpPr>
         <p:spPr>
           <a:xfrm flipV="1">
-            <a:off x="8606992" y="8527470"/>
+            <a:off x="6956651" y="8527470"/>
             <a:ext cx="0" cy="498764"/>
           </a:xfrm>
           <a:prstGeom prst="line">
@@ -3591,7 +3512,7 @@
         </p:nvCxnSpPr>
         <p:spPr>
           <a:xfrm flipH="1">
-            <a:off x="8606992" y="8527470"/>
+            <a:off x="6956651" y="8527470"/>
             <a:ext cx="985692" cy="0"/>
           </a:xfrm>
           <a:prstGeom prst="line">
@@ -3629,7 +3550,7 @@
         </p:nvCxnSpPr>
         <p:spPr>
           <a:xfrm>
-            <a:off x="9592683" y="8527470"/>
+            <a:off x="7942342" y="8527470"/>
             <a:ext cx="1006477" cy="0"/>
           </a:xfrm>
           <a:prstGeom prst="line">
@@ -3667,7 +3588,7 @@
         </p:nvCxnSpPr>
         <p:spPr>
           <a:xfrm flipV="1">
-            <a:off x="10599160" y="8527470"/>
+            <a:off x="8948819" y="8527470"/>
             <a:ext cx="0" cy="498764"/>
           </a:xfrm>
           <a:prstGeom prst="line">
@@ -3703,8 +3624,8 @@
         </p:nvSpPr>
         <p:spPr>
           <a:xfrm>
-            <a:off x="7551737" y="1122218"/>
-            <a:ext cx="1565564" cy="1011382"/>
+            <a:off x="7060816" y="1038744"/>
+            <a:ext cx="1780515" cy="1330730"/>
           </a:xfrm>
           <a:prstGeom prst="ellipse">
             <a:avLst/>
@@ -3734,7 +3655,7 @@
             <a:pPr algn="ctr"/>
             <a:r>
               <a:rPr lang="en-AU" sz="1600" dirty="0"/>
-              <a:t>Toblerone</a:t>
+              <a:t>Upper Electrical Node (Toblerone)</a:t>
             </a:r>
           </a:p>
         </p:txBody>
@@ -3847,7 +3768,7 @@
         </p:nvSpPr>
         <p:spPr>
           <a:xfrm>
-            <a:off x="11937710" y="4592781"/>
+            <a:off x="11937710" y="3865415"/>
             <a:ext cx="1565564" cy="1011382"/>
           </a:xfrm>
           <a:prstGeom prst="ellipse">
@@ -3894,7 +3815,7 @@
         </p:nvSpPr>
         <p:spPr>
           <a:xfrm>
-            <a:off x="11937710" y="2486890"/>
+            <a:off x="11937710" y="2362546"/>
             <a:ext cx="1565564" cy="1011382"/>
           </a:xfrm>
           <a:prstGeom prst="ellipse">
@@ -4010,121 +3931,6 @@
           </a:p>
         </p:txBody>
       </p:sp>
-      <p:cxnSp>
-        <p:nvCxnSpPr>
-          <p:cNvPr id="46" name="Straight Connector 45">
-            <a:extLst>
-              <a:ext uri="{FF2B5EF4-FFF2-40B4-BE49-F238E27FC236}">
-                <a16:creationId xmlns:a16="http://schemas.microsoft.com/office/drawing/2014/main" id="{90F53B9D-45BA-43C2-BC16-DCE4CF0C265B}"/>
-              </a:ext>
-            </a:extLst>
-          </p:cNvPr>
-          <p:cNvCxnSpPr>
-            <a:cxnSpLocks/>
-            <a:stCxn id="31" idx="4"/>
-          </p:cNvCxnSpPr>
-          <p:nvPr/>
-        </p:nvCxnSpPr>
-        <p:spPr>
-          <a:xfrm>
-            <a:off x="8334519" y="2133600"/>
-            <a:ext cx="924502" cy="1295400"/>
-          </a:xfrm>
-          <a:prstGeom prst="line">
-            <a:avLst/>
-          </a:prstGeom>
-        </p:spPr>
-        <p:style>
-          <a:lnRef idx="1">
-            <a:schemeClr val="dk1"/>
-          </a:lnRef>
-          <a:fillRef idx="0">
-            <a:schemeClr val="dk1"/>
-          </a:fillRef>
-          <a:effectRef idx="0">
-            <a:schemeClr val="dk1"/>
-          </a:effectRef>
-          <a:fontRef idx="minor">
-            <a:schemeClr val="tx1"/>
-          </a:fontRef>
-        </p:style>
-      </p:cxnSp>
-      <p:cxnSp>
-        <p:nvCxnSpPr>
-          <p:cNvPr id="52" name="Straight Connector 51">
-            <a:extLst>
-              <a:ext uri="{FF2B5EF4-FFF2-40B4-BE49-F238E27FC236}">
-                <a16:creationId xmlns:a16="http://schemas.microsoft.com/office/drawing/2014/main" id="{B3B43902-9D6E-4817-B895-41F43F6C7C3D}"/>
-              </a:ext>
-            </a:extLst>
-          </p:cNvPr>
-          <p:cNvCxnSpPr>
-            <a:stCxn id="40" idx="2"/>
-          </p:cNvCxnSpPr>
-          <p:nvPr/>
-        </p:nvCxnSpPr>
-        <p:spPr>
-          <a:xfrm flipH="1">
-            <a:off x="10437811" y="2992581"/>
-            <a:ext cx="1499899" cy="768927"/>
-          </a:xfrm>
-          <a:prstGeom prst="line">
-            <a:avLst/>
-          </a:prstGeom>
-        </p:spPr>
-        <p:style>
-          <a:lnRef idx="1">
-            <a:schemeClr val="dk1"/>
-          </a:lnRef>
-          <a:fillRef idx="0">
-            <a:schemeClr val="dk1"/>
-          </a:fillRef>
-          <a:effectRef idx="0">
-            <a:schemeClr val="dk1"/>
-          </a:effectRef>
-          <a:fontRef idx="minor">
-            <a:schemeClr val="tx1"/>
-          </a:fontRef>
-        </p:style>
-      </p:cxnSp>
-      <p:cxnSp>
-        <p:nvCxnSpPr>
-          <p:cNvPr id="54" name="Straight Connector 53">
-            <a:extLst>
-              <a:ext uri="{FF2B5EF4-FFF2-40B4-BE49-F238E27FC236}">
-                <a16:creationId xmlns:a16="http://schemas.microsoft.com/office/drawing/2014/main" id="{E97F0E99-0A9B-49E6-A33B-9AA94919DBEA}"/>
-              </a:ext>
-            </a:extLst>
-          </p:cNvPr>
-          <p:cNvCxnSpPr>
-            <a:stCxn id="39" idx="2"/>
-          </p:cNvCxnSpPr>
-          <p:nvPr/>
-        </p:nvCxnSpPr>
-        <p:spPr>
-          <a:xfrm flipH="1" flipV="1">
-            <a:off x="10475261" y="4256809"/>
-            <a:ext cx="1462449" cy="841663"/>
-          </a:xfrm>
-          <a:prstGeom prst="line">
-            <a:avLst/>
-          </a:prstGeom>
-        </p:spPr>
-        <p:style>
-          <a:lnRef idx="1">
-            <a:schemeClr val="dk1"/>
-          </a:lnRef>
-          <a:fillRef idx="0">
-            <a:schemeClr val="dk1"/>
-          </a:fillRef>
-          <a:effectRef idx="0">
-            <a:schemeClr val="dk1"/>
-          </a:effectRef>
-          <a:fontRef idx="minor">
-            <a:schemeClr val="tx1"/>
-          </a:fontRef>
-        </p:style>
-      </p:cxnSp>
       <p:sp>
         <p:nvSpPr>
           <p:cNvPr id="55" name="Oval 54">
@@ -4139,7 +3945,7 @@
         </p:nvSpPr>
         <p:spPr>
           <a:xfrm>
-            <a:off x="6054436" y="4447309"/>
+            <a:off x="10320931" y="4876797"/>
             <a:ext cx="1565564" cy="1011382"/>
           </a:xfrm>
           <a:prstGeom prst="ellipse">
@@ -4189,7 +3995,7 @@
         </p:nvSpPr>
         <p:spPr>
           <a:xfrm>
-            <a:off x="7187620" y="5581433"/>
+            <a:off x="10320931" y="1351165"/>
             <a:ext cx="1565564" cy="1011382"/>
           </a:xfrm>
           <a:prstGeom prst="ellipse">
@@ -4225,82 +4031,6 @@
           </a:p>
         </p:txBody>
       </p:sp>
-      <p:cxnSp>
-        <p:nvCxnSpPr>
-          <p:cNvPr id="59" name="Straight Connector 58">
-            <a:extLst>
-              <a:ext uri="{FF2B5EF4-FFF2-40B4-BE49-F238E27FC236}">
-                <a16:creationId xmlns:a16="http://schemas.microsoft.com/office/drawing/2014/main" id="{BDD850CA-F78B-45FE-B624-8AD25E39EFC3}"/>
-              </a:ext>
-            </a:extLst>
-          </p:cNvPr>
-          <p:cNvCxnSpPr>
-            <a:stCxn id="55" idx="7"/>
-          </p:cNvCxnSpPr>
-          <p:nvPr/>
-        </p:nvCxnSpPr>
-        <p:spPr>
-          <a:xfrm flipV="1">
-            <a:off x="7390728" y="4256809"/>
-            <a:ext cx="1374291" cy="338613"/>
-          </a:xfrm>
-          <a:prstGeom prst="line">
-            <a:avLst/>
-          </a:prstGeom>
-        </p:spPr>
-        <p:style>
-          <a:lnRef idx="1">
-            <a:schemeClr val="dk1"/>
-          </a:lnRef>
-          <a:fillRef idx="0">
-            <a:schemeClr val="dk1"/>
-          </a:fillRef>
-          <a:effectRef idx="0">
-            <a:schemeClr val="dk1"/>
-          </a:effectRef>
-          <a:fontRef idx="minor">
-            <a:schemeClr val="tx1"/>
-          </a:fontRef>
-        </p:style>
-      </p:cxnSp>
-      <p:cxnSp>
-        <p:nvCxnSpPr>
-          <p:cNvPr id="61" name="Straight Connector 60">
-            <a:extLst>
-              <a:ext uri="{FF2B5EF4-FFF2-40B4-BE49-F238E27FC236}">
-                <a16:creationId xmlns:a16="http://schemas.microsoft.com/office/drawing/2014/main" id="{9F166677-BFC7-4C3C-8422-761A1A070E31}"/>
-              </a:ext>
-            </a:extLst>
-          </p:cNvPr>
-          <p:cNvCxnSpPr>
-            <a:stCxn id="56" idx="7"/>
-          </p:cNvCxnSpPr>
-          <p:nvPr/>
-        </p:nvCxnSpPr>
-        <p:spPr>
-          <a:xfrm flipV="1">
-            <a:off x="8523912" y="4641272"/>
-            <a:ext cx="613014" cy="1088274"/>
-          </a:xfrm>
-          <a:prstGeom prst="line">
-            <a:avLst/>
-          </a:prstGeom>
-        </p:spPr>
-        <p:style>
-          <a:lnRef idx="1">
-            <a:schemeClr val="dk1"/>
-          </a:lnRef>
-          <a:fillRef idx="0">
-            <a:schemeClr val="dk1"/>
-          </a:fillRef>
-          <a:effectRef idx="0">
-            <a:schemeClr val="dk1"/>
-          </a:effectRef>
-          <a:fontRef idx="minor">
-            <a:schemeClr val="tx1"/>
-          </a:fontRef>
-        </p:style>
-      </p:cxnSp>
       <p:cxnSp>
         <p:nvCxnSpPr>
           <p:cNvPr id="63" name="Straight Connector 62">
@@ -4488,6 +4218,440 @@
             <a:r>
               <a:rPr lang="en-AU" dirty="0"/>
               <a:t>Firewall</a:t>
+            </a:r>
+          </a:p>
+        </p:txBody>
+      </p:sp>
+      <p:cxnSp>
+        <p:nvCxnSpPr>
+          <p:cNvPr id="3" name="Straight Connector 2">
+            <a:extLst>
+              <a:ext uri="{FF2B5EF4-FFF2-40B4-BE49-F238E27FC236}">
+                <a16:creationId xmlns:a16="http://schemas.microsoft.com/office/drawing/2014/main" id="{1215F3F2-DC80-4D9E-9F5C-E1AE0B16B060}"/>
+              </a:ext>
+            </a:extLst>
+          </p:cNvPr>
+          <p:cNvCxnSpPr>
+            <a:cxnSpLocks/>
+            <a:stCxn id="31" idx="4"/>
+            <a:endCxn id="5" idx="0"/>
+          </p:cNvCxnSpPr>
+          <p:nvPr/>
+        </p:nvCxnSpPr>
+        <p:spPr>
+          <a:xfrm>
+            <a:off x="7951074" y="2369474"/>
+            <a:ext cx="8732" cy="1052598"/>
+          </a:xfrm>
+          <a:prstGeom prst="line">
+            <a:avLst/>
+          </a:prstGeom>
+        </p:spPr>
+        <p:style>
+          <a:lnRef idx="1">
+            <a:schemeClr val="dk1"/>
+          </a:lnRef>
+          <a:fillRef idx="0">
+            <a:schemeClr val="dk1"/>
+          </a:fillRef>
+          <a:effectRef idx="0">
+            <a:schemeClr val="dk1"/>
+          </a:effectRef>
+          <a:fontRef idx="minor">
+            <a:schemeClr val="tx1"/>
+          </a:fontRef>
+        </p:style>
+      </p:cxnSp>
+      <p:cxnSp>
+        <p:nvCxnSpPr>
+          <p:cNvPr id="21" name="Straight Connector 20">
+            <a:extLst>
+              <a:ext uri="{FF2B5EF4-FFF2-40B4-BE49-F238E27FC236}">
+                <a16:creationId xmlns:a16="http://schemas.microsoft.com/office/drawing/2014/main" id="{FE38B439-21FB-4397-961C-9A55B9CD9AA2}"/>
+              </a:ext>
+            </a:extLst>
+          </p:cNvPr>
+          <p:cNvCxnSpPr>
+            <a:stCxn id="5" idx="1"/>
+            <a:endCxn id="4" idx="3"/>
+          </p:cNvCxnSpPr>
+          <p:nvPr/>
+        </p:nvCxnSpPr>
+        <p:spPr>
+          <a:xfrm flipH="1">
+            <a:off x="4447309" y="4031672"/>
+            <a:ext cx="2667369" cy="0"/>
+          </a:xfrm>
+          <a:prstGeom prst="line">
+            <a:avLst/>
+          </a:prstGeom>
+        </p:spPr>
+        <p:style>
+          <a:lnRef idx="1">
+            <a:schemeClr val="dk1"/>
+          </a:lnRef>
+          <a:fillRef idx="0">
+            <a:schemeClr val="dk1"/>
+          </a:fillRef>
+          <a:effectRef idx="0">
+            <a:schemeClr val="dk1"/>
+          </a:effectRef>
+          <a:fontRef idx="minor">
+            <a:schemeClr val="tx1"/>
+          </a:fontRef>
+        </p:style>
+      </p:cxnSp>
+      <p:cxnSp>
+        <p:nvCxnSpPr>
+          <p:cNvPr id="26" name="Straight Connector 25">
+            <a:extLst>
+              <a:ext uri="{FF2B5EF4-FFF2-40B4-BE49-F238E27FC236}">
+                <a16:creationId xmlns:a16="http://schemas.microsoft.com/office/drawing/2014/main" id="{8BBE1558-8338-4E85-A045-8DC9EF9D1A80}"/>
+              </a:ext>
+            </a:extLst>
+          </p:cNvPr>
+          <p:cNvCxnSpPr>
+            <a:stCxn id="7" idx="1"/>
+            <a:endCxn id="6" idx="3"/>
+          </p:cNvCxnSpPr>
+          <p:nvPr/>
+        </p:nvCxnSpPr>
+        <p:spPr>
+          <a:xfrm flipH="1">
+            <a:off x="8787470" y="7308270"/>
+            <a:ext cx="1533463" cy="0"/>
+          </a:xfrm>
+          <a:prstGeom prst="line">
+            <a:avLst/>
+          </a:prstGeom>
+        </p:spPr>
+        <p:style>
+          <a:lnRef idx="1">
+            <a:schemeClr val="dk1"/>
+          </a:lnRef>
+          <a:fillRef idx="0">
+            <a:schemeClr val="dk1"/>
+          </a:fillRef>
+          <a:effectRef idx="0">
+            <a:schemeClr val="dk1"/>
+          </a:effectRef>
+          <a:fontRef idx="minor">
+            <a:schemeClr val="tx1"/>
+          </a:fontRef>
+        </p:style>
+      </p:cxnSp>
+      <p:cxnSp>
+        <p:nvCxnSpPr>
+          <p:cNvPr id="30" name="Straight Connector 29">
+            <a:extLst>
+              <a:ext uri="{FF2B5EF4-FFF2-40B4-BE49-F238E27FC236}">
+                <a16:creationId xmlns:a16="http://schemas.microsoft.com/office/drawing/2014/main" id="{61697329-EC03-4720-968E-D1DF5BCC7FF9}"/>
+              </a:ext>
+            </a:extLst>
+          </p:cNvPr>
+          <p:cNvCxnSpPr>
+            <a:stCxn id="56" idx="3"/>
+          </p:cNvCxnSpPr>
+          <p:nvPr/>
+        </p:nvCxnSpPr>
+        <p:spPr>
+          <a:xfrm flipH="1">
+            <a:off x="8841331" y="2214434"/>
+            <a:ext cx="1708872" cy="1411581"/>
+          </a:xfrm>
+          <a:prstGeom prst="line">
+            <a:avLst/>
+          </a:prstGeom>
+        </p:spPr>
+        <p:style>
+          <a:lnRef idx="1">
+            <a:schemeClr val="dk1"/>
+          </a:lnRef>
+          <a:fillRef idx="0">
+            <a:schemeClr val="dk1"/>
+          </a:fillRef>
+          <a:effectRef idx="0">
+            <a:schemeClr val="dk1"/>
+          </a:effectRef>
+          <a:fontRef idx="minor">
+            <a:schemeClr val="tx1"/>
+          </a:fontRef>
+        </p:style>
+      </p:cxnSp>
+      <p:cxnSp>
+        <p:nvCxnSpPr>
+          <p:cNvPr id="33" name="Straight Connector 32">
+            <a:extLst>
+              <a:ext uri="{FF2B5EF4-FFF2-40B4-BE49-F238E27FC236}">
+                <a16:creationId xmlns:a16="http://schemas.microsoft.com/office/drawing/2014/main" id="{91EA6C7F-5703-4F3F-91B2-20729F34D968}"/>
+              </a:ext>
+            </a:extLst>
+          </p:cNvPr>
+          <p:cNvCxnSpPr>
+            <a:stCxn id="40" idx="2"/>
+          </p:cNvCxnSpPr>
+          <p:nvPr/>
+        </p:nvCxnSpPr>
+        <p:spPr>
+          <a:xfrm flipH="1">
+            <a:off x="8796202" y="2868237"/>
+            <a:ext cx="3141508" cy="997178"/>
+          </a:xfrm>
+          <a:prstGeom prst="line">
+            <a:avLst/>
+          </a:prstGeom>
+        </p:spPr>
+        <p:style>
+          <a:lnRef idx="1">
+            <a:schemeClr val="dk1"/>
+          </a:lnRef>
+          <a:fillRef idx="0">
+            <a:schemeClr val="dk1"/>
+          </a:fillRef>
+          <a:effectRef idx="0">
+            <a:schemeClr val="dk1"/>
+          </a:effectRef>
+          <a:fontRef idx="minor">
+            <a:schemeClr val="tx1"/>
+          </a:fontRef>
+        </p:style>
+      </p:cxnSp>
+      <p:cxnSp>
+        <p:nvCxnSpPr>
+          <p:cNvPr id="35" name="Straight Connector 34">
+            <a:extLst>
+              <a:ext uri="{FF2B5EF4-FFF2-40B4-BE49-F238E27FC236}">
+                <a16:creationId xmlns:a16="http://schemas.microsoft.com/office/drawing/2014/main" id="{DC0ED78B-D62F-4220-B368-570BA1CCDD4E}"/>
+              </a:ext>
+            </a:extLst>
+          </p:cNvPr>
+          <p:cNvCxnSpPr>
+            <a:cxnSpLocks/>
+            <a:stCxn id="55" idx="1"/>
+          </p:cNvCxnSpPr>
+          <p:nvPr/>
+        </p:nvCxnSpPr>
+        <p:spPr>
+          <a:xfrm flipH="1" flipV="1">
+            <a:off x="8796202" y="4242482"/>
+            <a:ext cx="1754001" cy="782428"/>
+          </a:xfrm>
+          <a:prstGeom prst="line">
+            <a:avLst/>
+          </a:prstGeom>
+        </p:spPr>
+        <p:style>
+          <a:lnRef idx="1">
+            <a:schemeClr val="dk1"/>
+          </a:lnRef>
+          <a:fillRef idx="0">
+            <a:schemeClr val="dk1"/>
+          </a:fillRef>
+          <a:effectRef idx="0">
+            <a:schemeClr val="dk1"/>
+          </a:effectRef>
+          <a:fontRef idx="minor">
+            <a:schemeClr val="tx1"/>
+          </a:fontRef>
+        </p:style>
+      </p:cxnSp>
+      <p:cxnSp>
+        <p:nvCxnSpPr>
+          <p:cNvPr id="41" name="Straight Connector 40">
+            <a:extLst>
+              <a:ext uri="{FF2B5EF4-FFF2-40B4-BE49-F238E27FC236}">
+                <a16:creationId xmlns:a16="http://schemas.microsoft.com/office/drawing/2014/main" id="{271B240C-F7E6-4161-8BEC-CDF0EFEDC339}"/>
+              </a:ext>
+            </a:extLst>
+          </p:cNvPr>
+          <p:cNvCxnSpPr>
+            <a:cxnSpLocks/>
+            <a:stCxn id="39" idx="2"/>
+            <a:endCxn id="5" idx="3"/>
+          </p:cNvCxnSpPr>
+          <p:nvPr/>
+        </p:nvCxnSpPr>
+        <p:spPr>
+          <a:xfrm flipH="1" flipV="1">
+            <a:off x="8804933" y="4031672"/>
+            <a:ext cx="3132777" cy="339434"/>
+          </a:xfrm>
+          <a:prstGeom prst="line">
+            <a:avLst/>
+          </a:prstGeom>
+        </p:spPr>
+        <p:style>
+          <a:lnRef idx="1">
+            <a:schemeClr val="dk1"/>
+          </a:lnRef>
+          <a:fillRef idx="0">
+            <a:schemeClr val="dk1"/>
+          </a:fillRef>
+          <a:effectRef idx="0">
+            <a:schemeClr val="dk1"/>
+          </a:effectRef>
+          <a:fontRef idx="minor">
+            <a:schemeClr val="tx1"/>
+          </a:fontRef>
+        </p:style>
+      </p:cxnSp>
+      <p:sp>
+        <p:nvSpPr>
+          <p:cNvPr id="47" name="Oval 46">
+            <a:extLst>
+              <a:ext uri="{FF2B5EF4-FFF2-40B4-BE49-F238E27FC236}">
+                <a16:creationId xmlns:a16="http://schemas.microsoft.com/office/drawing/2014/main" id="{3C63BE19-47DC-49D4-BBD6-18F8BA11FDF0}"/>
+              </a:ext>
+            </a:extLst>
+          </p:cNvPr>
+          <p:cNvSpPr/>
+          <p:nvPr/>
+        </p:nvSpPr>
+        <p:spPr>
+          <a:xfrm>
+            <a:off x="1080655" y="9337963"/>
+            <a:ext cx="1288465" cy="863269"/>
+          </a:xfrm>
+          <a:prstGeom prst="ellipse">
+            <a:avLst/>
+          </a:prstGeom>
+        </p:spPr>
+        <p:style>
+          <a:lnRef idx="2">
+            <a:schemeClr val="dk1"/>
+          </a:lnRef>
+          <a:fillRef idx="1">
+            <a:schemeClr val="lt1"/>
+          </a:fillRef>
+          <a:effectRef idx="0">
+            <a:schemeClr val="dk1"/>
+          </a:effectRef>
+          <a:fontRef idx="minor">
+            <a:schemeClr val="dk1"/>
+          </a:fontRef>
+        </p:style>
+        <p:txBody>
+          <a:bodyPr rtlCol="0" anchor="ctr"/>
+          <a:lstStyle/>
+          <a:p>
+            <a:pPr algn="ctr"/>
+            <a:r>
+              <a:rPr lang="en-AU" dirty="0"/>
+              <a:t>Non-Critical</a:t>
+            </a:r>
+          </a:p>
+        </p:txBody>
+      </p:sp>
+      <p:sp>
+        <p:nvSpPr>
+          <p:cNvPr id="60" name="Oval 59">
+            <a:extLst>
+              <a:ext uri="{FF2B5EF4-FFF2-40B4-BE49-F238E27FC236}">
+                <a16:creationId xmlns:a16="http://schemas.microsoft.com/office/drawing/2014/main" id="{69580E7C-EC1B-4289-B4A8-B9B20837FBA2}"/>
+              </a:ext>
+            </a:extLst>
+          </p:cNvPr>
+          <p:cNvSpPr/>
+          <p:nvPr/>
+        </p:nvSpPr>
+        <p:spPr>
+          <a:xfrm>
+            <a:off x="1080654" y="8345217"/>
+            <a:ext cx="1288465" cy="863269"/>
+          </a:xfrm>
+          <a:prstGeom prst="ellipse">
+            <a:avLst/>
+          </a:prstGeom>
+          <a:solidFill>
+            <a:schemeClr val="bg2"/>
+          </a:solidFill>
+        </p:spPr>
+        <p:style>
+          <a:lnRef idx="2">
+            <a:schemeClr val="dk1"/>
+          </a:lnRef>
+          <a:fillRef idx="1">
+            <a:schemeClr val="lt1"/>
+          </a:fillRef>
+          <a:effectRef idx="0">
+            <a:schemeClr val="dk1"/>
+          </a:effectRef>
+          <a:fontRef idx="minor">
+            <a:schemeClr val="dk1"/>
+          </a:fontRef>
+        </p:style>
+        <p:txBody>
+          <a:bodyPr rtlCol="0" anchor="ctr"/>
+          <a:lstStyle/>
+          <a:p>
+            <a:pPr algn="ctr"/>
+            <a:r>
+              <a:rPr lang="en-AU" dirty="0"/>
+              <a:t>Critical</a:t>
+            </a:r>
+          </a:p>
+        </p:txBody>
+      </p:sp>
+      <p:sp>
+        <p:nvSpPr>
+          <p:cNvPr id="48" name="Rectangle 47">
+            <a:extLst>
+              <a:ext uri="{FF2B5EF4-FFF2-40B4-BE49-F238E27FC236}">
+                <a16:creationId xmlns:a16="http://schemas.microsoft.com/office/drawing/2014/main" id="{3C1B1132-84FD-44F1-A8F8-5D009B19C743}"/>
+              </a:ext>
+            </a:extLst>
+          </p:cNvPr>
+          <p:cNvSpPr/>
+          <p:nvPr/>
+        </p:nvSpPr>
+        <p:spPr>
+          <a:xfrm>
+            <a:off x="1034895" y="7257139"/>
+            <a:ext cx="1389634" cy="907470"/>
+          </a:xfrm>
+          <a:prstGeom prst="rect">
+            <a:avLst/>
+          </a:prstGeom>
+        </p:spPr>
+        <p:style>
+          <a:lnRef idx="2">
+            <a:schemeClr val="accent3">
+              <a:shade val="50000"/>
+            </a:schemeClr>
+          </a:lnRef>
+          <a:fillRef idx="1">
+            <a:schemeClr val="accent3"/>
+          </a:fillRef>
+          <a:effectRef idx="0">
+            <a:schemeClr val="accent3"/>
+          </a:effectRef>
+          <a:fontRef idx="minor">
+            <a:schemeClr val="lt1"/>
+          </a:fontRef>
+        </p:style>
+        <p:txBody>
+          <a:bodyPr rtlCol="0" anchor="ctr"/>
+          <a:lstStyle/>
+          <a:p>
+            <a:pPr algn="ctr"/>
+            <a:r>
+              <a:rPr lang="en-AU" dirty="0">
+                <a:solidFill>
+                  <a:schemeClr val="tx1"/>
+                </a:solidFill>
+              </a:rPr>
+              <a:t>Critical,</a:t>
+            </a:r>
+          </a:p>
+          <a:p>
+            <a:pPr algn="ctr"/>
+            <a:r>
+              <a:rPr lang="en-AU" dirty="0">
+                <a:solidFill>
+                  <a:schemeClr val="tx1"/>
+                </a:solidFill>
+              </a:rPr>
+              <a:t>Contains Circuits</a:t>
             </a:r>
           </a:p>
         </p:txBody>

--- a/EV3 Loom/EV3_Loom_Topology_V2_RCH.pptx
+++ b/EV3 Loom/EV3_Loom_Topology_V2_RCH.pptx
@@ -2,10 +2,11 @@
 <file path=ppt/presentation.xml><?xml version="1.0" encoding="utf-8"?>
 <p:presentation xmlns:a="http://schemas.openxmlformats.org/drawingml/2006/main" xmlns:r="http://schemas.openxmlformats.org/officeDocument/2006/relationships" xmlns:p="http://schemas.openxmlformats.org/presentationml/2006/main" saveSubsetFonts="1">
   <p:sldMasterIdLst>
-    <p:sldMasterId id="2147483660" r:id="rId1"/>
+    <p:sldMasterId id="2147483660" r:id="rId4"/>
   </p:sldMasterIdLst>
   <p:sldIdLst>
-    <p:sldId id="256" r:id="rId2"/>
+    <p:sldId id="257" r:id="rId5"/>
+    <p:sldId id="256" r:id="rId6"/>
   </p:sldIdLst>
   <p:sldSz cx="15119350" cy="10691813"/>
   <p:notesSz cx="6858000" cy="9144000"/>
@@ -112,6 +113,14 @@
 </p:presentation>
 </file>
 
+<file path=ppt/revisionInfo.xml><?xml version="1.0" encoding="utf-8"?>
+<p1510:revInfo xmlns:a="http://schemas.openxmlformats.org/drawingml/2006/main" xmlns:r="http://schemas.openxmlformats.org/officeDocument/2006/relationships" xmlns:p1510="http://schemas.microsoft.com/office/powerpoint/2015/10/main">
+  <p1510:revLst>
+    <p1510:client id="{19BB8120-CE28-4A4F-B4A2-880920BD8D18}" v="3" dt="2021-03-12T00:38:33.376"/>
+  </p1510:revLst>
+</p1510:revInfo>
+</file>
+
 <file path=ppt/slideLayouts/slideLayout1.xml><?xml version="1.0" encoding="utf-8"?>
 <p:sldLayout xmlns:a="http://schemas.openxmlformats.org/drawingml/2006/main" xmlns:r="http://schemas.openxmlformats.org/officeDocument/2006/relationships" xmlns:p="http://schemas.openxmlformats.org/presentationml/2006/main" type="title" preserve="1">
   <p:cSld name="Title Slide">
@@ -243,7 +252,7 @@
           <a:p>
             <a:fld id="{1102291F-AE0F-41BE-B119-27851E3C0948}" type="datetimeFigureOut">
               <a:rPr lang="en-AU" smtClean="0"/>
-              <a:t>24/02/2021</a:t>
+              <a:t>15/03/2021</a:t>
             </a:fld>
             <a:endParaRPr lang="en-AU"/>
           </a:p>
@@ -413,7 +422,7 @@
           <a:p>
             <a:fld id="{1102291F-AE0F-41BE-B119-27851E3C0948}" type="datetimeFigureOut">
               <a:rPr lang="en-AU" smtClean="0"/>
-              <a:t>24/02/2021</a:t>
+              <a:t>15/03/2021</a:t>
             </a:fld>
             <a:endParaRPr lang="en-AU"/>
           </a:p>
@@ -593,7 +602,7 @@
           <a:p>
             <a:fld id="{1102291F-AE0F-41BE-B119-27851E3C0948}" type="datetimeFigureOut">
               <a:rPr lang="en-AU" smtClean="0"/>
-              <a:t>24/02/2021</a:t>
+              <a:t>15/03/2021</a:t>
             </a:fld>
             <a:endParaRPr lang="en-AU"/>
           </a:p>
@@ -763,7 +772,7 @@
           <a:p>
             <a:fld id="{1102291F-AE0F-41BE-B119-27851E3C0948}" type="datetimeFigureOut">
               <a:rPr lang="en-AU" smtClean="0"/>
-              <a:t>24/02/2021</a:t>
+              <a:t>15/03/2021</a:t>
             </a:fld>
             <a:endParaRPr lang="en-AU"/>
           </a:p>
@@ -1007,7 +1016,7 @@
           <a:p>
             <a:fld id="{1102291F-AE0F-41BE-B119-27851E3C0948}" type="datetimeFigureOut">
               <a:rPr lang="en-AU" smtClean="0"/>
-              <a:t>24/02/2021</a:t>
+              <a:t>15/03/2021</a:t>
             </a:fld>
             <a:endParaRPr lang="en-AU"/>
           </a:p>
@@ -1239,7 +1248,7 @@
           <a:p>
             <a:fld id="{1102291F-AE0F-41BE-B119-27851E3C0948}" type="datetimeFigureOut">
               <a:rPr lang="en-AU" smtClean="0"/>
-              <a:t>24/02/2021</a:t>
+              <a:t>15/03/2021</a:t>
             </a:fld>
             <a:endParaRPr lang="en-AU"/>
           </a:p>
@@ -1606,7 +1615,7 @@
           <a:p>
             <a:fld id="{1102291F-AE0F-41BE-B119-27851E3C0948}" type="datetimeFigureOut">
               <a:rPr lang="en-AU" smtClean="0"/>
-              <a:t>24/02/2021</a:t>
+              <a:t>15/03/2021</a:t>
             </a:fld>
             <a:endParaRPr lang="en-AU"/>
           </a:p>
@@ -1724,7 +1733,7 @@
           <a:p>
             <a:fld id="{1102291F-AE0F-41BE-B119-27851E3C0948}" type="datetimeFigureOut">
               <a:rPr lang="en-AU" smtClean="0"/>
-              <a:t>24/02/2021</a:t>
+              <a:t>15/03/2021</a:t>
             </a:fld>
             <a:endParaRPr lang="en-AU"/>
           </a:p>
@@ -1819,7 +1828,7 @@
           <a:p>
             <a:fld id="{1102291F-AE0F-41BE-B119-27851E3C0948}" type="datetimeFigureOut">
               <a:rPr lang="en-AU" smtClean="0"/>
-              <a:t>24/02/2021</a:t>
+              <a:t>15/03/2021</a:t>
             </a:fld>
             <a:endParaRPr lang="en-AU"/>
           </a:p>
@@ -2096,7 +2105,7 @@
           <a:p>
             <a:fld id="{1102291F-AE0F-41BE-B119-27851E3C0948}" type="datetimeFigureOut">
               <a:rPr lang="en-AU" smtClean="0"/>
-              <a:t>24/02/2021</a:t>
+              <a:t>15/03/2021</a:t>
             </a:fld>
             <a:endParaRPr lang="en-AU"/>
           </a:p>
@@ -2353,7 +2362,7 @@
           <a:p>
             <a:fld id="{1102291F-AE0F-41BE-B119-27851E3C0948}" type="datetimeFigureOut">
               <a:rPr lang="en-AU" smtClean="0"/>
-              <a:t>24/02/2021</a:t>
+              <a:t>15/03/2021</a:t>
             </a:fld>
             <a:endParaRPr lang="en-AU"/>
           </a:p>
@@ -2566,7 +2575,7 @@
           <a:p>
             <a:fld id="{1102291F-AE0F-41BE-B119-27851E3C0948}" type="datetimeFigureOut">
               <a:rPr lang="en-AU" smtClean="0"/>
-              <a:t>24/02/2021</a:t>
+              <a:t>15/03/2021</a:t>
             </a:fld>
             <a:endParaRPr lang="en-AU"/>
           </a:p>
@@ -2985,7 +2994,7 @@
         </p:nvSpPr>
         <p:spPr>
           <a:xfrm>
-            <a:off x="2757054" y="3422072"/>
+            <a:off x="2534317" y="2978726"/>
             <a:ext cx="1690255" cy="1219200"/>
           </a:xfrm>
           <a:prstGeom prst="rect">
@@ -3019,7 +3028,7 @@
                   <a:schemeClr val="tx1"/>
                 </a:solidFill>
               </a:rPr>
-              <a:t>Forward Electrical Node (Dash)</a:t>
+              <a:t>Dash</a:t>
             </a:r>
           </a:p>
         </p:txBody>
@@ -3038,7 +3047,7 @@
         </p:nvSpPr>
         <p:spPr>
           <a:xfrm>
-            <a:off x="7114678" y="3422072"/>
+            <a:off x="8765019" y="3422072"/>
             <a:ext cx="1690255" cy="1219200"/>
           </a:xfrm>
           <a:prstGeom prst="rect">
@@ -3072,7 +3081,7 @@
                   <a:schemeClr val="tx1"/>
                 </a:solidFill>
               </a:rPr>
-              <a:t>Rear Electrical Node</a:t>
+              <a:t>Rear Control Hub</a:t>
             </a:r>
           </a:p>
         </p:txBody>
@@ -3091,7 +3100,7 @@
         </p:nvSpPr>
         <p:spPr>
           <a:xfrm>
-            <a:off x="7097215" y="6698670"/>
+            <a:off x="8902467" y="6698670"/>
             <a:ext cx="1690255" cy="1219200"/>
           </a:xfrm>
           <a:prstGeom prst="rect">
@@ -3125,7 +3134,7 @@
                   <a:schemeClr val="tx1"/>
                 </a:solidFill>
               </a:rPr>
-              <a:t>Centre Electrical Node (HVD)</a:t>
+              <a:t>HVD</a:t>
             </a:r>
           </a:p>
         </p:txBody>
@@ -3144,7 +3153,7 @@
         </p:nvSpPr>
         <p:spPr>
           <a:xfrm>
-            <a:off x="10320933" y="6698670"/>
+            <a:off x="12760466" y="6698670"/>
             <a:ext cx="1690255" cy="1219200"/>
           </a:xfrm>
           <a:prstGeom prst="rect">
@@ -3197,7 +3206,7 @@
         </p:nvSpPr>
         <p:spPr>
           <a:xfrm>
-            <a:off x="2816078" y="1122218"/>
+            <a:off x="2593341" y="678872"/>
             <a:ext cx="1565564" cy="1011382"/>
           </a:xfrm>
           <a:prstGeom prst="ellipse">
@@ -3244,7 +3253,7 @@
         </p:nvSpPr>
         <p:spPr>
           <a:xfrm>
-            <a:off x="2819399" y="5929744"/>
+            <a:off x="2596662" y="5486398"/>
             <a:ext cx="1565564" cy="1011382"/>
           </a:xfrm>
           <a:prstGeom prst="ellipse">
@@ -3274,52 +3283,12 @@
           <a:p>
             <a:pPr algn="ctr"/>
             <a:r>
-              <a:rPr lang="en-AU" sz="1600" dirty="0" err="1"/>
-              <a:t>Pedalbox</a:t>
-            </a:r>
-            <a:endParaRPr lang="en-AU" sz="1600" dirty="0"/>
-          </a:p>
-        </p:txBody>
-      </p:sp>
-      <p:cxnSp>
-        <p:nvCxnSpPr>
-          <p:cNvPr id="11" name="Straight Connector 10">
-            <a:extLst>
-              <a:ext uri="{FF2B5EF4-FFF2-40B4-BE49-F238E27FC236}">
-                <a16:creationId xmlns:a16="http://schemas.microsoft.com/office/drawing/2014/main" id="{0EAFA67A-557E-49CB-AB6A-D52F4DAED385}"/>
-              </a:ext>
-            </a:extLst>
-          </p:cNvPr>
-          <p:cNvCxnSpPr>
-            <a:stCxn id="5" idx="2"/>
-            <a:endCxn id="6" idx="0"/>
-          </p:cNvCxnSpPr>
-          <p:nvPr/>
-        </p:nvCxnSpPr>
-        <p:spPr>
-          <a:xfrm flipH="1">
-            <a:off x="7942343" y="4641272"/>
-            <a:ext cx="17463" cy="2057398"/>
-          </a:xfrm>
-          <a:prstGeom prst="line">
-            <a:avLst/>
-          </a:prstGeom>
-        </p:spPr>
-        <p:style>
-          <a:lnRef idx="1">
-            <a:schemeClr val="dk1"/>
-          </a:lnRef>
-          <a:fillRef idx="0">
-            <a:schemeClr val="dk1"/>
-          </a:fillRef>
-          <a:effectRef idx="0">
-            <a:schemeClr val="dk1"/>
-          </a:effectRef>
-          <a:fontRef idx="minor">
-            <a:schemeClr val="tx1"/>
-          </a:fontRef>
-        </p:style>
-      </p:cxnSp>
+              <a:rPr lang="en-AU" sz="1600" dirty="0"/>
+              <a:t>Pedal box</a:t>
+            </a:r>
+          </a:p>
+        </p:txBody>
+      </p:sp>
       <p:sp>
         <p:nvSpPr>
           <p:cNvPr id="17" name="Oval 16">
@@ -3334,7 +3303,7 @@
         </p:nvSpPr>
         <p:spPr>
           <a:xfrm>
-            <a:off x="8166037" y="9026234"/>
+            <a:off x="9971289" y="9026234"/>
             <a:ext cx="1565564" cy="1011382"/>
           </a:xfrm>
           <a:prstGeom prst="ellipse">
@@ -3384,7 +3353,7 @@
         </p:nvSpPr>
         <p:spPr>
           <a:xfrm>
-            <a:off x="6173869" y="9026234"/>
+            <a:off x="7979121" y="9026234"/>
             <a:ext cx="1565564" cy="1011382"/>
           </a:xfrm>
           <a:prstGeom prst="ellipse">
@@ -3422,82 +3391,6 @@
       </p:sp>
       <p:cxnSp>
         <p:nvCxnSpPr>
-          <p:cNvPr id="20" name="Straight Connector 19">
-            <a:extLst>
-              <a:ext uri="{FF2B5EF4-FFF2-40B4-BE49-F238E27FC236}">
-                <a16:creationId xmlns:a16="http://schemas.microsoft.com/office/drawing/2014/main" id="{0CA3B210-26EF-44D1-B91B-7920B60D7A12}"/>
-              </a:ext>
-            </a:extLst>
-          </p:cNvPr>
-          <p:cNvCxnSpPr>
-            <a:stCxn id="6" idx="2"/>
-          </p:cNvCxnSpPr>
-          <p:nvPr/>
-        </p:nvCxnSpPr>
-        <p:spPr>
-          <a:xfrm flipH="1">
-            <a:off x="7942342" y="7917870"/>
-            <a:ext cx="1" cy="609600"/>
-          </a:xfrm>
-          <a:prstGeom prst="line">
-            <a:avLst/>
-          </a:prstGeom>
-        </p:spPr>
-        <p:style>
-          <a:lnRef idx="1">
-            <a:schemeClr val="dk1"/>
-          </a:lnRef>
-          <a:fillRef idx="0">
-            <a:schemeClr val="dk1"/>
-          </a:fillRef>
-          <a:effectRef idx="0">
-            <a:schemeClr val="dk1"/>
-          </a:effectRef>
-          <a:fontRef idx="minor">
-            <a:schemeClr val="tx1"/>
-          </a:fontRef>
-        </p:style>
-      </p:cxnSp>
-      <p:cxnSp>
-        <p:nvCxnSpPr>
-          <p:cNvPr id="22" name="Straight Connector 21">
-            <a:extLst>
-              <a:ext uri="{FF2B5EF4-FFF2-40B4-BE49-F238E27FC236}">
-                <a16:creationId xmlns:a16="http://schemas.microsoft.com/office/drawing/2014/main" id="{09E88269-2A84-43C9-83AD-B63619CFE263}"/>
-              </a:ext>
-            </a:extLst>
-          </p:cNvPr>
-          <p:cNvCxnSpPr>
-            <a:stCxn id="18" idx="0"/>
-          </p:cNvCxnSpPr>
-          <p:nvPr/>
-        </p:nvCxnSpPr>
-        <p:spPr>
-          <a:xfrm flipV="1">
-            <a:off x="6956651" y="8527470"/>
-            <a:ext cx="0" cy="498764"/>
-          </a:xfrm>
-          <a:prstGeom prst="line">
-            <a:avLst/>
-          </a:prstGeom>
-        </p:spPr>
-        <p:style>
-          <a:lnRef idx="1">
-            <a:schemeClr val="dk1"/>
-          </a:lnRef>
-          <a:fillRef idx="0">
-            <a:schemeClr val="dk1"/>
-          </a:fillRef>
-          <a:effectRef idx="0">
-            <a:schemeClr val="dk1"/>
-          </a:effectRef>
-          <a:fontRef idx="minor">
-            <a:schemeClr val="tx1"/>
-          </a:fontRef>
-        </p:style>
-      </p:cxnSp>
-      <p:cxnSp>
-        <p:nvCxnSpPr>
           <p:cNvPr id="24" name="Straight Connector 23">
             <a:extLst>
               <a:ext uri="{FF2B5EF4-FFF2-40B4-BE49-F238E27FC236}">
@@ -3512,7 +3405,7 @@
         </p:nvCxnSpPr>
         <p:spPr>
           <a:xfrm flipH="1">
-            <a:off x="6956651" y="8527470"/>
+            <a:off x="8761903" y="8527470"/>
             <a:ext cx="985692" cy="0"/>
           </a:xfrm>
           <a:prstGeom prst="line">
@@ -3550,7 +3443,7 @@
         </p:nvCxnSpPr>
         <p:spPr>
           <a:xfrm>
-            <a:off x="7942342" y="8527470"/>
+            <a:off x="9747594" y="8527470"/>
             <a:ext cx="1006477" cy="0"/>
           </a:xfrm>
           <a:prstGeom prst="line">
@@ -3572,44 +3465,6 @@
           </a:fontRef>
         </p:style>
       </p:cxnSp>
-      <p:cxnSp>
-        <p:nvCxnSpPr>
-          <p:cNvPr id="29" name="Straight Connector 28">
-            <a:extLst>
-              <a:ext uri="{FF2B5EF4-FFF2-40B4-BE49-F238E27FC236}">
-                <a16:creationId xmlns:a16="http://schemas.microsoft.com/office/drawing/2014/main" id="{A2B0655D-E012-4B3B-B01C-D3AEBBD11897}"/>
-              </a:ext>
-            </a:extLst>
-          </p:cNvPr>
-          <p:cNvCxnSpPr>
-            <a:stCxn id="17" idx="0"/>
-          </p:cNvCxnSpPr>
-          <p:nvPr/>
-        </p:nvCxnSpPr>
-        <p:spPr>
-          <a:xfrm flipV="1">
-            <a:off x="8948819" y="8527470"/>
-            <a:ext cx="0" cy="498764"/>
-          </a:xfrm>
-          <a:prstGeom prst="line">
-            <a:avLst/>
-          </a:prstGeom>
-        </p:spPr>
-        <p:style>
-          <a:lnRef idx="1">
-            <a:schemeClr val="dk1"/>
-          </a:lnRef>
-          <a:fillRef idx="0">
-            <a:schemeClr val="dk1"/>
-          </a:fillRef>
-          <a:effectRef idx="0">
-            <a:schemeClr val="dk1"/>
-          </a:effectRef>
-          <a:fontRef idx="minor">
-            <a:schemeClr val="tx1"/>
-          </a:fontRef>
-        </p:style>
-      </p:cxnSp>
       <p:sp>
         <p:nvSpPr>
           <p:cNvPr id="31" name="Oval 30">
@@ -3624,8 +3479,8 @@
         </p:nvSpPr>
         <p:spPr>
           <a:xfrm>
-            <a:off x="7060816" y="1038744"/>
-            <a:ext cx="1780515" cy="1330730"/>
+            <a:off x="8275208" y="1000658"/>
+            <a:ext cx="1565564" cy="1011382"/>
           </a:xfrm>
           <a:prstGeom prst="ellipse">
             <a:avLst/>
@@ -3655,7 +3510,7 @@
             <a:pPr algn="ctr"/>
             <a:r>
               <a:rPr lang="en-AU" sz="1600" dirty="0"/>
-              <a:t>Upper Electrical Node (Toblerone)</a:t>
+              <a:t>Toblerone</a:t>
             </a:r>
           </a:p>
         </p:txBody>
@@ -3674,8 +3529,8 @@
         </p:nvSpPr>
         <p:spPr>
           <a:xfrm>
-            <a:off x="459941" y="4856017"/>
-            <a:ext cx="1565564" cy="1011382"/>
+            <a:off x="165186" y="3979600"/>
+            <a:ext cx="1316247" cy="1011382"/>
           </a:xfrm>
           <a:prstGeom prst="ellipse">
             <a:avLst/>
@@ -3721,8 +3576,8 @@
         </p:nvSpPr>
         <p:spPr>
           <a:xfrm>
-            <a:off x="459941" y="2750126"/>
-            <a:ext cx="1565564" cy="1011382"/>
+            <a:off x="177880" y="2043544"/>
+            <a:ext cx="1348738" cy="1011382"/>
           </a:xfrm>
           <a:prstGeom prst="ellipse">
             <a:avLst/>
@@ -3768,7 +3623,7 @@
         </p:nvSpPr>
         <p:spPr>
           <a:xfrm>
-            <a:off x="11937710" y="3865415"/>
+            <a:off x="11945583" y="4557612"/>
             <a:ext cx="1565564" cy="1011382"/>
           </a:xfrm>
           <a:prstGeom prst="ellipse">
@@ -3815,7 +3670,7 @@
         </p:nvSpPr>
         <p:spPr>
           <a:xfrm>
-            <a:off x="11937710" y="2362546"/>
+            <a:off x="11937710" y="2425123"/>
             <a:ext cx="1565564" cy="1011382"/>
           </a:xfrm>
           <a:prstGeom prst="ellipse">
@@ -3945,7 +3800,7 @@
         </p:nvSpPr>
         <p:spPr>
           <a:xfrm>
-            <a:off x="10320931" y="4876797"/>
+            <a:off x="5846660" y="4038920"/>
             <a:ext cx="1565564" cy="1011382"/>
           </a:xfrm>
           <a:prstGeom prst="ellipse">
@@ -3995,7 +3850,7 @@
         </p:nvSpPr>
         <p:spPr>
           <a:xfrm>
-            <a:off x="10320931" y="1351165"/>
+            <a:off x="5846660" y="5475383"/>
             <a:ext cx="1565564" cy="1011382"/>
           </a:xfrm>
           <a:prstGeom prst="ellipse">
@@ -4031,25 +3886,484 @@
           </a:p>
         </p:txBody>
       </p:sp>
+      <p:sp>
+        <p:nvSpPr>
+          <p:cNvPr id="75" name="TextBox 74">
+            <a:extLst>
+              <a:ext uri="{FF2B5EF4-FFF2-40B4-BE49-F238E27FC236}">
+                <a16:creationId xmlns:a16="http://schemas.microsoft.com/office/drawing/2014/main" id="{C58CC260-54A1-4790-960D-FF8BE18988FD}"/>
+              </a:ext>
+            </a:extLst>
+          </p:cNvPr>
+          <p:cNvSpPr txBox="1"/>
+          <p:nvPr/>
+        </p:nvSpPr>
+        <p:spPr>
+          <a:xfrm>
+            <a:off x="5140724" y="309540"/>
+            <a:ext cx="913712" cy="369332"/>
+          </a:xfrm>
+          <a:prstGeom prst="rect">
+            <a:avLst/>
+          </a:prstGeom>
+          <a:noFill/>
+        </p:spPr>
+        <p:txBody>
+          <a:bodyPr wrap="none" rtlCol="0">
+            <a:spAutoFit/>
+          </a:bodyPr>
+          <a:lstStyle/>
+          <a:p>
+            <a:r>
+              <a:rPr lang="en-AU" dirty="0"/>
+              <a:t>Firewall</a:t>
+            </a:r>
+          </a:p>
+        </p:txBody>
+      </p:sp>
+      <p:sp>
+        <p:nvSpPr>
+          <p:cNvPr id="2" name="Rectangle: Rounded Corners 1">
+            <a:extLst>
+              <a:ext uri="{FF2B5EF4-FFF2-40B4-BE49-F238E27FC236}">
+                <a16:creationId xmlns:a16="http://schemas.microsoft.com/office/drawing/2014/main" id="{AA6E86AB-2885-4D9A-84CA-6367BC8B70C7}"/>
+              </a:ext>
+            </a:extLst>
+          </p:cNvPr>
+          <p:cNvSpPr/>
+          <p:nvPr/>
+        </p:nvSpPr>
+        <p:spPr>
+          <a:xfrm>
+            <a:off x="3151506" y="2702190"/>
+            <a:ext cx="449234" cy="276536"/>
+          </a:xfrm>
+          <a:prstGeom prst="roundRect">
+            <a:avLst/>
+          </a:prstGeom>
+          <a:solidFill>
+            <a:srgbClr val="FFFF00"/>
+          </a:solidFill>
+        </p:spPr>
+        <p:style>
+          <a:lnRef idx="2">
+            <a:schemeClr val="accent1">
+              <a:shade val="50000"/>
+            </a:schemeClr>
+          </a:lnRef>
+          <a:fillRef idx="1">
+            <a:schemeClr val="accent1"/>
+          </a:fillRef>
+          <a:effectRef idx="0">
+            <a:schemeClr val="accent1"/>
+          </a:effectRef>
+          <a:fontRef idx="minor">
+            <a:schemeClr val="lt1"/>
+          </a:fontRef>
+        </p:style>
+        <p:txBody>
+          <a:bodyPr rtlCol="0" anchor="ctr"/>
+          <a:lstStyle/>
+          <a:p>
+            <a:pPr algn="ctr"/>
+            <a:r>
+              <a:rPr lang="en-AU" dirty="0">
+                <a:solidFill>
+                  <a:sysClr val="windowText" lastClr="000000"/>
+                </a:solidFill>
+              </a:rPr>
+              <a:t>10</a:t>
+            </a:r>
+          </a:p>
+        </p:txBody>
+      </p:sp>
+      <p:sp>
+        <p:nvSpPr>
+          <p:cNvPr id="41" name="Rectangle: Rounded Corners 40">
+            <a:extLst>
+              <a:ext uri="{FF2B5EF4-FFF2-40B4-BE49-F238E27FC236}">
+                <a16:creationId xmlns:a16="http://schemas.microsoft.com/office/drawing/2014/main" id="{679431E1-BDAD-485A-A100-158DF7E56700}"/>
+              </a:ext>
+            </a:extLst>
+          </p:cNvPr>
+          <p:cNvSpPr/>
+          <p:nvPr/>
+        </p:nvSpPr>
+        <p:spPr>
+          <a:xfrm>
+            <a:off x="2084783" y="3054926"/>
+            <a:ext cx="449234" cy="276536"/>
+          </a:xfrm>
+          <a:prstGeom prst="roundRect">
+            <a:avLst/>
+          </a:prstGeom>
+          <a:solidFill>
+            <a:srgbClr val="FF0000"/>
+          </a:solidFill>
+        </p:spPr>
+        <p:style>
+          <a:lnRef idx="2">
+            <a:schemeClr val="accent1">
+              <a:shade val="50000"/>
+            </a:schemeClr>
+          </a:lnRef>
+          <a:fillRef idx="1">
+            <a:schemeClr val="accent1"/>
+          </a:fillRef>
+          <a:effectRef idx="0">
+            <a:schemeClr val="accent1"/>
+          </a:effectRef>
+          <a:fontRef idx="minor">
+            <a:schemeClr val="lt1"/>
+          </a:fontRef>
+        </p:style>
+        <p:txBody>
+          <a:bodyPr rtlCol="0" anchor="ctr"/>
+          <a:lstStyle/>
+          <a:p>
+            <a:pPr algn="ctr"/>
+            <a:r>
+              <a:rPr lang="en-AU" dirty="0"/>
+              <a:t>10</a:t>
+            </a:r>
+          </a:p>
+        </p:txBody>
+      </p:sp>
+      <p:sp>
+        <p:nvSpPr>
+          <p:cNvPr id="43" name="Rectangle: Rounded Corners 42">
+            <a:extLst>
+              <a:ext uri="{FF2B5EF4-FFF2-40B4-BE49-F238E27FC236}">
+                <a16:creationId xmlns:a16="http://schemas.microsoft.com/office/drawing/2014/main" id="{9687CACD-F001-4678-836A-4C95A123D2E0}"/>
+              </a:ext>
+            </a:extLst>
+          </p:cNvPr>
+          <p:cNvSpPr/>
+          <p:nvPr/>
+        </p:nvSpPr>
+        <p:spPr>
+          <a:xfrm>
+            <a:off x="2072778" y="3675195"/>
+            <a:ext cx="449234" cy="276536"/>
+          </a:xfrm>
+          <a:prstGeom prst="roundRect">
+            <a:avLst/>
+          </a:prstGeom>
+          <a:solidFill>
+            <a:srgbClr val="FF0000"/>
+          </a:solidFill>
+        </p:spPr>
+        <p:style>
+          <a:lnRef idx="2">
+            <a:schemeClr val="accent1">
+              <a:shade val="50000"/>
+            </a:schemeClr>
+          </a:lnRef>
+          <a:fillRef idx="1">
+            <a:schemeClr val="accent1"/>
+          </a:fillRef>
+          <a:effectRef idx="0">
+            <a:schemeClr val="accent1"/>
+          </a:effectRef>
+          <a:fontRef idx="minor">
+            <a:schemeClr val="lt1"/>
+          </a:fontRef>
+        </p:style>
+        <p:txBody>
+          <a:bodyPr rtlCol="0" anchor="ctr"/>
+          <a:lstStyle/>
+          <a:p>
+            <a:pPr algn="ctr"/>
+            <a:r>
+              <a:rPr lang="en-AU" dirty="0"/>
+              <a:t>10</a:t>
+            </a:r>
+          </a:p>
+        </p:txBody>
+      </p:sp>
+      <p:sp>
+        <p:nvSpPr>
+          <p:cNvPr id="45" name="Rectangle: Rounded Corners 44">
+            <a:extLst>
+              <a:ext uri="{FF2B5EF4-FFF2-40B4-BE49-F238E27FC236}">
+                <a16:creationId xmlns:a16="http://schemas.microsoft.com/office/drawing/2014/main" id="{2F7A53EE-AECA-4061-9F73-20398B742586}"/>
+              </a:ext>
+            </a:extLst>
+          </p:cNvPr>
+          <p:cNvSpPr/>
+          <p:nvPr/>
+        </p:nvSpPr>
+        <p:spPr>
+          <a:xfrm>
+            <a:off x="3159857" y="4197926"/>
+            <a:ext cx="449234" cy="276536"/>
+          </a:xfrm>
+          <a:prstGeom prst="roundRect">
+            <a:avLst/>
+          </a:prstGeom>
+          <a:solidFill>
+            <a:srgbClr val="FF0000"/>
+          </a:solidFill>
+        </p:spPr>
+        <p:style>
+          <a:lnRef idx="2">
+            <a:schemeClr val="accent1">
+              <a:shade val="50000"/>
+            </a:schemeClr>
+          </a:lnRef>
+          <a:fillRef idx="1">
+            <a:schemeClr val="accent1"/>
+          </a:fillRef>
+          <a:effectRef idx="0">
+            <a:schemeClr val="accent1"/>
+          </a:effectRef>
+          <a:fontRef idx="minor">
+            <a:schemeClr val="lt1"/>
+          </a:fontRef>
+        </p:style>
+        <p:txBody>
+          <a:bodyPr rtlCol="0" anchor="ctr"/>
+          <a:lstStyle/>
+          <a:p>
+            <a:pPr algn="ctr"/>
+            <a:r>
+              <a:rPr lang="en-AU" dirty="0"/>
+              <a:t>14</a:t>
+            </a:r>
+          </a:p>
+        </p:txBody>
+      </p:sp>
+      <p:sp>
+        <p:nvSpPr>
+          <p:cNvPr id="47" name="Rectangle: Rounded Corners 46">
+            <a:extLst>
+              <a:ext uri="{FF2B5EF4-FFF2-40B4-BE49-F238E27FC236}">
+                <a16:creationId xmlns:a16="http://schemas.microsoft.com/office/drawing/2014/main" id="{2CC46697-3612-409B-B308-CC0B9C66A760}"/>
+              </a:ext>
+            </a:extLst>
+          </p:cNvPr>
+          <p:cNvSpPr/>
+          <p:nvPr/>
+        </p:nvSpPr>
+        <p:spPr>
+          <a:xfrm>
+            <a:off x="4229638" y="3450058"/>
+            <a:ext cx="449234" cy="276536"/>
+          </a:xfrm>
+          <a:prstGeom prst="roundRect">
+            <a:avLst/>
+          </a:prstGeom>
+          <a:solidFill>
+            <a:srgbClr val="FFFF00"/>
+          </a:solidFill>
+        </p:spPr>
+        <p:style>
+          <a:lnRef idx="2">
+            <a:schemeClr val="accent1">
+              <a:shade val="50000"/>
+            </a:schemeClr>
+          </a:lnRef>
+          <a:fillRef idx="1">
+            <a:schemeClr val="accent1"/>
+          </a:fillRef>
+          <a:effectRef idx="0">
+            <a:schemeClr val="accent1"/>
+          </a:effectRef>
+          <a:fontRef idx="minor">
+            <a:schemeClr val="lt1"/>
+          </a:fontRef>
+        </p:style>
+        <p:txBody>
+          <a:bodyPr rtlCol="0" anchor="ctr"/>
+          <a:lstStyle/>
+          <a:p>
+            <a:pPr algn="ctr"/>
+            <a:r>
+              <a:rPr lang="en-AU" dirty="0">
+                <a:solidFill>
+                  <a:sysClr val="windowText" lastClr="000000"/>
+                </a:solidFill>
+              </a:rPr>
+              <a:t>12</a:t>
+            </a:r>
+          </a:p>
+        </p:txBody>
+      </p:sp>
+      <p:sp>
+        <p:nvSpPr>
+          <p:cNvPr id="48" name="Rectangle: Rounded Corners 47">
+            <a:extLst>
+              <a:ext uri="{FF2B5EF4-FFF2-40B4-BE49-F238E27FC236}">
+                <a16:creationId xmlns:a16="http://schemas.microsoft.com/office/drawing/2014/main" id="{F1E4EF61-CB23-4F6C-A421-ED4E35BE16AF}"/>
+              </a:ext>
+            </a:extLst>
+          </p:cNvPr>
+          <p:cNvSpPr/>
+          <p:nvPr/>
+        </p:nvSpPr>
+        <p:spPr>
+          <a:xfrm>
+            <a:off x="627632" y="3068226"/>
+            <a:ext cx="449234" cy="276536"/>
+          </a:xfrm>
+          <a:prstGeom prst="roundRect">
+            <a:avLst/>
+          </a:prstGeom>
+          <a:solidFill>
+            <a:srgbClr val="FF0000"/>
+          </a:solidFill>
+        </p:spPr>
+        <p:style>
+          <a:lnRef idx="2">
+            <a:schemeClr val="accent1">
+              <a:shade val="50000"/>
+            </a:schemeClr>
+          </a:lnRef>
+          <a:fillRef idx="1">
+            <a:schemeClr val="accent1"/>
+          </a:fillRef>
+          <a:effectRef idx="0">
+            <a:schemeClr val="accent1"/>
+          </a:effectRef>
+          <a:fontRef idx="minor">
+            <a:schemeClr val="lt1"/>
+          </a:fontRef>
+        </p:style>
+        <p:txBody>
+          <a:bodyPr rtlCol="0" anchor="ctr"/>
+          <a:lstStyle/>
+          <a:p>
+            <a:pPr algn="ctr"/>
+            <a:r>
+              <a:rPr lang="en-AU" dirty="0"/>
+              <a:t>10</a:t>
+            </a:r>
+          </a:p>
+        </p:txBody>
+      </p:sp>
+      <p:sp>
+        <p:nvSpPr>
+          <p:cNvPr id="49" name="Rectangle: Rounded Corners 48">
+            <a:extLst>
+              <a:ext uri="{FF2B5EF4-FFF2-40B4-BE49-F238E27FC236}">
+                <a16:creationId xmlns:a16="http://schemas.microsoft.com/office/drawing/2014/main" id="{E0381915-863B-4432-BDD4-FF7CA54F01FF}"/>
+              </a:ext>
+            </a:extLst>
+          </p:cNvPr>
+          <p:cNvSpPr/>
+          <p:nvPr/>
+        </p:nvSpPr>
+        <p:spPr>
+          <a:xfrm>
+            <a:off x="598692" y="3693920"/>
+            <a:ext cx="449234" cy="276536"/>
+          </a:xfrm>
+          <a:prstGeom prst="roundRect">
+            <a:avLst/>
+          </a:prstGeom>
+          <a:solidFill>
+            <a:srgbClr val="FF0000"/>
+          </a:solidFill>
+        </p:spPr>
+        <p:style>
+          <a:lnRef idx="2">
+            <a:schemeClr val="accent1">
+              <a:shade val="50000"/>
+            </a:schemeClr>
+          </a:lnRef>
+          <a:fillRef idx="1">
+            <a:schemeClr val="accent1"/>
+          </a:fillRef>
+          <a:effectRef idx="0">
+            <a:schemeClr val="accent1"/>
+          </a:effectRef>
+          <a:fontRef idx="minor">
+            <a:schemeClr val="lt1"/>
+          </a:fontRef>
+        </p:style>
+        <p:txBody>
+          <a:bodyPr rtlCol="0" anchor="ctr"/>
+          <a:lstStyle/>
+          <a:p>
+            <a:pPr algn="ctr"/>
+            <a:r>
+              <a:rPr lang="en-AU" dirty="0"/>
+              <a:t>10</a:t>
+            </a:r>
+          </a:p>
+        </p:txBody>
+      </p:sp>
+      <p:sp>
+        <p:nvSpPr>
+          <p:cNvPr id="50" name="Rectangle: Rounded Corners 49">
+            <a:extLst>
+              <a:ext uri="{FF2B5EF4-FFF2-40B4-BE49-F238E27FC236}">
+                <a16:creationId xmlns:a16="http://schemas.microsoft.com/office/drawing/2014/main" id="{441E464E-6A06-45A9-963D-FB5F1E31D716}"/>
+              </a:ext>
+            </a:extLst>
+          </p:cNvPr>
+          <p:cNvSpPr/>
+          <p:nvPr/>
+        </p:nvSpPr>
+        <p:spPr>
+          <a:xfrm>
+            <a:off x="3159855" y="5214986"/>
+            <a:ext cx="449234" cy="276536"/>
+          </a:xfrm>
+          <a:prstGeom prst="roundRect">
+            <a:avLst/>
+          </a:prstGeom>
+          <a:solidFill>
+            <a:srgbClr val="FF0000"/>
+          </a:solidFill>
+        </p:spPr>
+        <p:style>
+          <a:lnRef idx="2">
+            <a:schemeClr val="accent1">
+              <a:shade val="50000"/>
+            </a:schemeClr>
+          </a:lnRef>
+          <a:fillRef idx="1">
+            <a:schemeClr val="accent1"/>
+          </a:fillRef>
+          <a:effectRef idx="0">
+            <a:schemeClr val="accent1"/>
+          </a:effectRef>
+          <a:fontRef idx="minor">
+            <a:schemeClr val="lt1"/>
+          </a:fontRef>
+        </p:style>
+        <p:txBody>
+          <a:bodyPr rtlCol="0" anchor="ctr"/>
+          <a:lstStyle/>
+          <a:p>
+            <a:pPr algn="ctr"/>
+            <a:r>
+              <a:rPr lang="en-AU" dirty="0"/>
+              <a:t>14</a:t>
+            </a:r>
+          </a:p>
+        </p:txBody>
+      </p:sp>
       <p:cxnSp>
         <p:nvCxnSpPr>
-          <p:cNvPr id="63" name="Straight Connector 62">
-            <a:extLst>
-              <a:ext uri="{FF2B5EF4-FFF2-40B4-BE49-F238E27FC236}">
-                <a16:creationId xmlns:a16="http://schemas.microsoft.com/office/drawing/2014/main" id="{A77A6B16-F22D-4886-B2D9-D702D77CC1B5}"/>
+          <p:cNvPr id="14" name="Straight Connector 13">
+            <a:extLst>
+              <a:ext uri="{FF2B5EF4-FFF2-40B4-BE49-F238E27FC236}">
+                <a16:creationId xmlns:a16="http://schemas.microsoft.com/office/drawing/2014/main" id="{79EA8F00-0195-4855-BCD3-F13D1F2DE598}"/>
               </a:ext>
             </a:extLst>
           </p:cNvPr>
           <p:cNvCxnSpPr>
-            <a:stCxn id="9" idx="0"/>
-            <a:endCxn id="4" idx="2"/>
+            <a:stCxn id="48" idx="3"/>
+            <a:endCxn id="41" idx="1"/>
           </p:cNvCxnSpPr>
           <p:nvPr/>
         </p:nvCxnSpPr>
         <p:spPr>
           <a:xfrm flipV="1">
-            <a:off x="3602181" y="4641272"/>
-            <a:ext cx="1" cy="1288472"/>
+            <a:off x="1076866" y="3193194"/>
+            <a:ext cx="1007917" cy="13300"/>
           </a:xfrm>
           <a:prstGeom prst="line">
             <a:avLst/>
@@ -4057,13 +4371,13 @@
         </p:spPr>
         <p:style>
           <a:lnRef idx="1">
-            <a:schemeClr val="dk1"/>
+            <a:schemeClr val="accent1"/>
           </a:lnRef>
           <a:fillRef idx="0">
-            <a:schemeClr val="dk1"/>
-          </a:fillRef>
-          <a:effectRef idx="0">
-            <a:schemeClr val="dk1"/>
+            <a:schemeClr val="accent1"/>
+          </a:fillRef>
+          <a:effectRef idx="0">
+            <a:schemeClr val="accent1"/>
           </a:effectRef>
           <a:fontRef idx="minor">
             <a:schemeClr val="tx1"/>
@@ -4072,23 +4386,23 @@
       </p:cxnSp>
       <p:cxnSp>
         <p:nvCxnSpPr>
-          <p:cNvPr id="65" name="Straight Connector 64">
-            <a:extLst>
-              <a:ext uri="{FF2B5EF4-FFF2-40B4-BE49-F238E27FC236}">
-                <a16:creationId xmlns:a16="http://schemas.microsoft.com/office/drawing/2014/main" id="{1C663DB1-AE2C-4976-A6EA-4C085AF6078E}"/>
+          <p:cNvPr id="19" name="Straight Connector 18">
+            <a:extLst>
+              <a:ext uri="{FF2B5EF4-FFF2-40B4-BE49-F238E27FC236}">
+                <a16:creationId xmlns:a16="http://schemas.microsoft.com/office/drawing/2014/main" id="{6425B44A-5245-4BB2-9C6A-B38B2B15A827}"/>
               </a:ext>
             </a:extLst>
           </p:cNvPr>
           <p:cNvCxnSpPr>
-            <a:cxnSpLocks/>
-            <a:stCxn id="37" idx="7"/>
+            <a:stCxn id="49" idx="3"/>
+            <a:endCxn id="43" idx="1"/>
           </p:cNvCxnSpPr>
           <p:nvPr/>
         </p:nvCxnSpPr>
         <p:spPr>
           <a:xfrm flipV="1">
-            <a:off x="1796233" y="4426115"/>
-            <a:ext cx="940834" cy="578015"/>
+            <a:off x="1047926" y="3813463"/>
+            <a:ext cx="1024852" cy="18725"/>
           </a:xfrm>
           <a:prstGeom prst="line">
             <a:avLst/>
@@ -4096,13 +4410,13 @@
         </p:spPr>
         <p:style>
           <a:lnRef idx="1">
-            <a:schemeClr val="dk1"/>
+            <a:schemeClr val="accent1"/>
           </a:lnRef>
           <a:fillRef idx="0">
-            <a:schemeClr val="dk1"/>
-          </a:fillRef>
-          <a:effectRef idx="0">
-            <a:schemeClr val="dk1"/>
+            <a:schemeClr val="accent1"/>
+          </a:fillRef>
+          <a:effectRef idx="0">
+            <a:schemeClr val="accent1"/>
           </a:effectRef>
           <a:fontRef idx="minor">
             <a:schemeClr val="tx1"/>
@@ -4111,23 +4425,23 @@
       </p:cxnSp>
       <p:cxnSp>
         <p:nvCxnSpPr>
-          <p:cNvPr id="67" name="Straight Connector 66">
-            <a:extLst>
-              <a:ext uri="{FF2B5EF4-FFF2-40B4-BE49-F238E27FC236}">
-                <a16:creationId xmlns:a16="http://schemas.microsoft.com/office/drawing/2014/main" id="{C45F57C3-F9E2-4B3E-83C5-18AE7E4E7365}"/>
+          <p:cNvPr id="23" name="Straight Connector 22">
+            <a:extLst>
+              <a:ext uri="{FF2B5EF4-FFF2-40B4-BE49-F238E27FC236}">
+                <a16:creationId xmlns:a16="http://schemas.microsoft.com/office/drawing/2014/main" id="{815F657B-5BFD-44C0-9EC9-0662E0912C1B}"/>
               </a:ext>
             </a:extLst>
           </p:cNvPr>
           <p:cNvCxnSpPr>
-            <a:cxnSpLocks/>
-            <a:stCxn id="38" idx="6"/>
+            <a:stCxn id="45" idx="2"/>
+            <a:endCxn id="50" idx="0"/>
           </p:cNvCxnSpPr>
           <p:nvPr/>
         </p:nvCxnSpPr>
         <p:spPr>
-          <a:xfrm>
-            <a:off x="2025505" y="3255817"/>
-            <a:ext cx="746991" cy="370198"/>
+          <a:xfrm flipH="1">
+            <a:off x="3384472" y="4474462"/>
+            <a:ext cx="2" cy="740524"/>
           </a:xfrm>
           <a:prstGeom prst="line">
             <a:avLst/>
@@ -4135,191 +4449,94 @@
         </p:spPr>
         <p:style>
           <a:lnRef idx="1">
-            <a:schemeClr val="dk1"/>
+            <a:schemeClr val="accent1"/>
           </a:lnRef>
           <a:fillRef idx="0">
-            <a:schemeClr val="dk1"/>
-          </a:fillRef>
-          <a:effectRef idx="0">
-            <a:schemeClr val="dk1"/>
+            <a:schemeClr val="accent1"/>
+          </a:fillRef>
+          <a:effectRef idx="0">
+            <a:schemeClr val="accent1"/>
           </a:effectRef>
           <a:fontRef idx="minor">
             <a:schemeClr val="tx1"/>
           </a:fontRef>
         </p:style>
       </p:cxnSp>
-      <p:cxnSp>
-        <p:nvCxnSpPr>
-          <p:cNvPr id="71" name="Straight Connector 70">
-            <a:extLst>
-              <a:ext uri="{FF2B5EF4-FFF2-40B4-BE49-F238E27FC236}">
-                <a16:creationId xmlns:a16="http://schemas.microsoft.com/office/drawing/2014/main" id="{BA0423FD-649D-40E6-A727-29FC6537F64D}"/>
-              </a:ext>
-            </a:extLst>
-          </p:cNvPr>
-          <p:cNvCxnSpPr>
-            <a:stCxn id="4" idx="0"/>
-            <a:endCxn id="8" idx="4"/>
-          </p:cNvCxnSpPr>
-          <p:nvPr/>
-        </p:nvCxnSpPr>
-        <p:spPr>
-          <a:xfrm flipH="1" flipV="1">
-            <a:off x="3598860" y="2133600"/>
-            <a:ext cx="3322" cy="1288472"/>
-          </a:xfrm>
-          <a:prstGeom prst="line">
-            <a:avLst/>
-          </a:prstGeom>
-        </p:spPr>
-        <p:style>
-          <a:lnRef idx="1">
-            <a:schemeClr val="dk1"/>
-          </a:lnRef>
-          <a:fillRef idx="0">
-            <a:schemeClr val="dk1"/>
-          </a:fillRef>
-          <a:effectRef idx="0">
-            <a:schemeClr val="dk1"/>
-          </a:effectRef>
-          <a:fontRef idx="minor">
-            <a:schemeClr val="tx1"/>
-          </a:fontRef>
-        </p:style>
-      </p:cxnSp>
-      <p:sp>
-        <p:nvSpPr>
-          <p:cNvPr id="75" name="TextBox 74">
-            <a:extLst>
-              <a:ext uri="{FF2B5EF4-FFF2-40B4-BE49-F238E27FC236}">
-                <a16:creationId xmlns:a16="http://schemas.microsoft.com/office/drawing/2014/main" id="{C58CC260-54A1-4790-960D-FF8BE18988FD}"/>
-              </a:ext>
-            </a:extLst>
-          </p:cNvPr>
-          <p:cNvSpPr txBox="1"/>
-          <p:nvPr/>
-        </p:nvSpPr>
-        <p:spPr>
-          <a:xfrm>
-            <a:off x="5140724" y="309540"/>
-            <a:ext cx="913712" cy="369332"/>
-          </a:xfrm>
-          <a:prstGeom prst="rect">
-            <a:avLst/>
-          </a:prstGeom>
-          <a:noFill/>
-        </p:spPr>
-        <p:txBody>
-          <a:bodyPr wrap="none" rtlCol="0">
-            <a:spAutoFit/>
-          </a:bodyPr>
-          <a:lstStyle/>
-          <a:p>
-            <a:r>
-              <a:rPr lang="en-AU" dirty="0"/>
-              <a:t>Firewall</a:t>
-            </a:r>
-          </a:p>
-        </p:txBody>
-      </p:sp>
-      <p:cxnSp>
-        <p:nvCxnSpPr>
-          <p:cNvPr id="3" name="Straight Connector 2">
-            <a:extLst>
-              <a:ext uri="{FF2B5EF4-FFF2-40B4-BE49-F238E27FC236}">
-                <a16:creationId xmlns:a16="http://schemas.microsoft.com/office/drawing/2014/main" id="{1215F3F2-DC80-4D9E-9F5C-E1AE0B16B060}"/>
-              </a:ext>
-            </a:extLst>
-          </p:cNvPr>
-          <p:cNvCxnSpPr>
-            <a:cxnSpLocks/>
-            <a:stCxn id="31" idx="4"/>
-            <a:endCxn id="5" idx="0"/>
-          </p:cNvCxnSpPr>
-          <p:nvPr/>
-        </p:nvCxnSpPr>
-        <p:spPr>
-          <a:xfrm>
-            <a:off x="7951074" y="2369474"/>
-            <a:ext cx="8732" cy="1052598"/>
-          </a:xfrm>
-          <a:prstGeom prst="line">
-            <a:avLst/>
-          </a:prstGeom>
-        </p:spPr>
-        <p:style>
-          <a:lnRef idx="1">
-            <a:schemeClr val="dk1"/>
-          </a:lnRef>
-          <a:fillRef idx="0">
-            <a:schemeClr val="dk1"/>
-          </a:fillRef>
-          <a:effectRef idx="0">
-            <a:schemeClr val="dk1"/>
-          </a:effectRef>
-          <a:fontRef idx="minor">
-            <a:schemeClr val="tx1"/>
-          </a:fontRef>
-        </p:style>
-      </p:cxnSp>
-      <p:cxnSp>
-        <p:nvCxnSpPr>
-          <p:cNvPr id="21" name="Straight Connector 20">
-            <a:extLst>
-              <a:ext uri="{FF2B5EF4-FFF2-40B4-BE49-F238E27FC236}">
-                <a16:creationId xmlns:a16="http://schemas.microsoft.com/office/drawing/2014/main" id="{FE38B439-21FB-4397-961C-9A55B9CD9AA2}"/>
-              </a:ext>
-            </a:extLst>
-          </p:cNvPr>
-          <p:cNvCxnSpPr>
-            <a:stCxn id="5" idx="1"/>
-            <a:endCxn id="4" idx="3"/>
-          </p:cNvCxnSpPr>
-          <p:nvPr/>
-        </p:nvCxnSpPr>
-        <p:spPr>
-          <a:xfrm flipH="1">
-            <a:off x="4447309" y="4031672"/>
-            <a:ext cx="2667369" cy="0"/>
-          </a:xfrm>
-          <a:prstGeom prst="line">
-            <a:avLst/>
-          </a:prstGeom>
-        </p:spPr>
-        <p:style>
-          <a:lnRef idx="1">
-            <a:schemeClr val="dk1"/>
-          </a:lnRef>
-          <a:fillRef idx="0">
-            <a:schemeClr val="dk1"/>
-          </a:fillRef>
-          <a:effectRef idx="0">
-            <a:schemeClr val="dk1"/>
-          </a:effectRef>
-          <a:fontRef idx="minor">
-            <a:schemeClr val="tx1"/>
-          </a:fontRef>
-        </p:style>
-      </p:cxnSp>
+      <p:sp>
+        <p:nvSpPr>
+          <p:cNvPr id="53" name="Rectangle: Rounded Corners 52">
+            <a:extLst>
+              <a:ext uri="{FF2B5EF4-FFF2-40B4-BE49-F238E27FC236}">
+                <a16:creationId xmlns:a16="http://schemas.microsoft.com/office/drawing/2014/main" id="{9BDF7DF4-7307-441D-BE13-2499630AC610}"/>
+              </a:ext>
+            </a:extLst>
+          </p:cNvPr>
+          <p:cNvSpPr/>
+          <p:nvPr/>
+        </p:nvSpPr>
+        <p:spPr>
+          <a:xfrm>
+            <a:off x="3151506" y="1695932"/>
+            <a:ext cx="449234" cy="276536"/>
+          </a:xfrm>
+          <a:prstGeom prst="roundRect">
+            <a:avLst/>
+          </a:prstGeom>
+          <a:solidFill>
+            <a:srgbClr val="FFFF00"/>
+          </a:solidFill>
+        </p:spPr>
+        <p:style>
+          <a:lnRef idx="2">
+            <a:schemeClr val="accent1">
+              <a:shade val="50000"/>
+            </a:schemeClr>
+          </a:lnRef>
+          <a:fillRef idx="1">
+            <a:schemeClr val="accent1"/>
+          </a:fillRef>
+          <a:effectRef idx="0">
+            <a:schemeClr val="accent1"/>
+          </a:effectRef>
+          <a:fontRef idx="minor">
+            <a:schemeClr val="lt1"/>
+          </a:fontRef>
+        </p:style>
+        <p:txBody>
+          <a:bodyPr rtlCol="0" anchor="ctr"/>
+          <a:lstStyle/>
+          <a:p>
+            <a:pPr algn="ctr"/>
+            <a:r>
+              <a:rPr lang="en-AU" dirty="0">
+                <a:solidFill>
+                  <a:sysClr val="windowText" lastClr="000000"/>
+                </a:solidFill>
+              </a:rPr>
+              <a:t>10</a:t>
+            </a:r>
+          </a:p>
+        </p:txBody>
+      </p:sp>
       <p:cxnSp>
         <p:nvCxnSpPr>
           <p:cNvPr id="26" name="Straight Connector 25">
             <a:extLst>
               <a:ext uri="{FF2B5EF4-FFF2-40B4-BE49-F238E27FC236}">
-                <a16:creationId xmlns:a16="http://schemas.microsoft.com/office/drawing/2014/main" id="{8BBE1558-8338-4E85-A045-8DC9EF9D1A80}"/>
+                <a16:creationId xmlns:a16="http://schemas.microsoft.com/office/drawing/2014/main" id="{22880E12-C25F-406B-9DCE-22F8C5083B53}"/>
               </a:ext>
             </a:extLst>
           </p:cNvPr>
           <p:cNvCxnSpPr>
-            <a:stCxn id="7" idx="1"/>
-            <a:endCxn id="6" idx="3"/>
+            <a:stCxn id="53" idx="2"/>
+            <a:endCxn id="2" idx="0"/>
           </p:cNvCxnSpPr>
           <p:nvPr/>
         </p:nvCxnSpPr>
         <p:spPr>
-          <a:xfrm flipH="1">
-            <a:off x="8787470" y="7308270"/>
-            <a:ext cx="1533463" cy="0"/>
+          <a:xfrm>
+            <a:off x="3376123" y="1972468"/>
+            <a:ext cx="0" cy="729722"/>
           </a:xfrm>
           <a:prstGeom prst="line">
             <a:avLst/>
@@ -4327,37 +4544,899 @@
         </p:spPr>
         <p:style>
           <a:lnRef idx="1">
-            <a:schemeClr val="dk1"/>
+            <a:schemeClr val="accent1"/>
           </a:lnRef>
           <a:fillRef idx="0">
-            <a:schemeClr val="dk1"/>
-          </a:fillRef>
-          <a:effectRef idx="0">
-            <a:schemeClr val="dk1"/>
+            <a:schemeClr val="accent1"/>
+          </a:fillRef>
+          <a:effectRef idx="0">
+            <a:schemeClr val="accent1"/>
           </a:effectRef>
           <a:fontRef idx="minor">
             <a:schemeClr val="tx1"/>
           </a:fontRef>
         </p:style>
       </p:cxnSp>
+      <p:sp>
+        <p:nvSpPr>
+          <p:cNvPr id="57" name="Rectangle: Rounded Corners 56">
+            <a:extLst>
+              <a:ext uri="{FF2B5EF4-FFF2-40B4-BE49-F238E27FC236}">
+                <a16:creationId xmlns:a16="http://schemas.microsoft.com/office/drawing/2014/main" id="{46C751A1-0DC0-4010-AC51-8922EAD6F1E9}"/>
+              </a:ext>
+            </a:extLst>
+          </p:cNvPr>
+          <p:cNvSpPr/>
+          <p:nvPr/>
+        </p:nvSpPr>
+        <p:spPr>
+          <a:xfrm>
+            <a:off x="8311275" y="3439016"/>
+            <a:ext cx="449234" cy="276536"/>
+          </a:xfrm>
+          <a:prstGeom prst="roundRect">
+            <a:avLst/>
+          </a:prstGeom>
+          <a:solidFill>
+            <a:srgbClr val="FFFF00"/>
+          </a:solidFill>
+        </p:spPr>
+        <p:style>
+          <a:lnRef idx="2">
+            <a:schemeClr val="accent1">
+              <a:shade val="50000"/>
+            </a:schemeClr>
+          </a:lnRef>
+          <a:fillRef idx="1">
+            <a:schemeClr val="accent1"/>
+          </a:fillRef>
+          <a:effectRef idx="0">
+            <a:schemeClr val="accent1"/>
+          </a:effectRef>
+          <a:fontRef idx="minor">
+            <a:schemeClr val="lt1"/>
+          </a:fontRef>
+        </p:style>
+        <p:txBody>
+          <a:bodyPr rtlCol="0" anchor="ctr"/>
+          <a:lstStyle/>
+          <a:p>
+            <a:pPr algn="ctr"/>
+            <a:r>
+              <a:rPr lang="en-AU" dirty="0">
+                <a:solidFill>
+                  <a:sysClr val="windowText" lastClr="000000"/>
+                </a:solidFill>
+              </a:rPr>
+              <a:t>12</a:t>
+            </a:r>
+          </a:p>
+        </p:txBody>
+      </p:sp>
+      <p:sp>
+        <p:nvSpPr>
+          <p:cNvPr id="58" name="Rectangle: Rounded Corners 57">
+            <a:extLst>
+              <a:ext uri="{FF2B5EF4-FFF2-40B4-BE49-F238E27FC236}">
+                <a16:creationId xmlns:a16="http://schemas.microsoft.com/office/drawing/2014/main" id="{8EA85C40-B6EC-4701-AF83-A2230300C430}"/>
+              </a:ext>
+            </a:extLst>
+          </p:cNvPr>
+          <p:cNvSpPr/>
+          <p:nvPr/>
+        </p:nvSpPr>
+        <p:spPr>
+          <a:xfrm>
+            <a:off x="8809083" y="2026030"/>
+            <a:ext cx="449234" cy="276536"/>
+          </a:xfrm>
+          <a:prstGeom prst="roundRect">
+            <a:avLst/>
+          </a:prstGeom>
+          <a:solidFill>
+            <a:srgbClr val="FFFF00"/>
+          </a:solidFill>
+        </p:spPr>
+        <p:style>
+          <a:lnRef idx="2">
+            <a:schemeClr val="accent1">
+              <a:shade val="50000"/>
+            </a:schemeClr>
+          </a:lnRef>
+          <a:fillRef idx="1">
+            <a:schemeClr val="accent1"/>
+          </a:fillRef>
+          <a:effectRef idx="0">
+            <a:schemeClr val="accent1"/>
+          </a:effectRef>
+          <a:fontRef idx="minor">
+            <a:schemeClr val="lt1"/>
+          </a:fontRef>
+        </p:style>
+        <p:txBody>
+          <a:bodyPr rtlCol="0" anchor="ctr"/>
+          <a:lstStyle/>
+          <a:p>
+            <a:pPr algn="ctr"/>
+            <a:r>
+              <a:rPr lang="en-AU" dirty="0">
+                <a:solidFill>
+                  <a:sysClr val="windowText" lastClr="000000"/>
+                </a:solidFill>
+              </a:rPr>
+              <a:t>10</a:t>
+            </a:r>
+          </a:p>
+        </p:txBody>
+      </p:sp>
+      <p:sp>
+        <p:nvSpPr>
+          <p:cNvPr id="60" name="Rectangle: Rounded Corners 59">
+            <a:extLst>
+              <a:ext uri="{FF2B5EF4-FFF2-40B4-BE49-F238E27FC236}">
+                <a16:creationId xmlns:a16="http://schemas.microsoft.com/office/drawing/2014/main" id="{CACA96F0-B722-4598-BDF8-1D9A115ED14A}"/>
+              </a:ext>
+            </a:extLst>
+          </p:cNvPr>
+          <p:cNvSpPr/>
+          <p:nvPr/>
+        </p:nvSpPr>
+        <p:spPr>
+          <a:xfrm>
+            <a:off x="8821673" y="3145536"/>
+            <a:ext cx="449234" cy="276536"/>
+          </a:xfrm>
+          <a:prstGeom prst="roundRect">
+            <a:avLst/>
+          </a:prstGeom>
+          <a:solidFill>
+            <a:srgbClr val="FFFF00"/>
+          </a:solidFill>
+        </p:spPr>
+        <p:style>
+          <a:lnRef idx="2">
+            <a:schemeClr val="accent1">
+              <a:shade val="50000"/>
+            </a:schemeClr>
+          </a:lnRef>
+          <a:fillRef idx="1">
+            <a:schemeClr val="accent1"/>
+          </a:fillRef>
+          <a:effectRef idx="0">
+            <a:schemeClr val="accent1"/>
+          </a:effectRef>
+          <a:fontRef idx="minor">
+            <a:schemeClr val="lt1"/>
+          </a:fontRef>
+        </p:style>
+        <p:txBody>
+          <a:bodyPr rtlCol="0" anchor="ctr"/>
+          <a:lstStyle/>
+          <a:p>
+            <a:pPr algn="ctr"/>
+            <a:r>
+              <a:rPr lang="en-AU" dirty="0">
+                <a:solidFill>
+                  <a:sysClr val="windowText" lastClr="000000"/>
+                </a:solidFill>
+              </a:rPr>
+              <a:t>10</a:t>
+            </a:r>
+          </a:p>
+        </p:txBody>
+      </p:sp>
+      <p:sp>
+        <p:nvSpPr>
+          <p:cNvPr id="62" name="Rectangle: Rounded Corners 61">
+            <a:extLst>
+              <a:ext uri="{FF2B5EF4-FFF2-40B4-BE49-F238E27FC236}">
+                <a16:creationId xmlns:a16="http://schemas.microsoft.com/office/drawing/2014/main" id="{5331D8F7-4263-48C6-993A-7EA3FE1F0117}"/>
+              </a:ext>
+            </a:extLst>
+          </p:cNvPr>
+          <p:cNvSpPr/>
+          <p:nvPr/>
+        </p:nvSpPr>
+        <p:spPr>
+          <a:xfrm>
+            <a:off x="8304274" y="4375565"/>
+            <a:ext cx="449234" cy="276536"/>
+          </a:xfrm>
+          <a:prstGeom prst="roundRect">
+            <a:avLst/>
+          </a:prstGeom>
+          <a:solidFill>
+            <a:srgbClr val="FF0000"/>
+          </a:solidFill>
+        </p:spPr>
+        <p:style>
+          <a:lnRef idx="2">
+            <a:schemeClr val="accent1">
+              <a:shade val="50000"/>
+            </a:schemeClr>
+          </a:lnRef>
+          <a:fillRef idx="1">
+            <a:schemeClr val="accent1"/>
+          </a:fillRef>
+          <a:effectRef idx="0">
+            <a:schemeClr val="accent1"/>
+          </a:effectRef>
+          <a:fontRef idx="minor">
+            <a:schemeClr val="lt1"/>
+          </a:fontRef>
+        </p:style>
+        <p:txBody>
+          <a:bodyPr rtlCol="0" anchor="ctr"/>
+          <a:lstStyle/>
+          <a:p>
+            <a:pPr algn="ctr"/>
+            <a:r>
+              <a:rPr lang="en-AU" dirty="0"/>
+              <a:t>12</a:t>
+            </a:r>
+          </a:p>
+        </p:txBody>
+      </p:sp>
+      <p:sp>
+        <p:nvSpPr>
+          <p:cNvPr id="64" name="Rectangle: Rounded Corners 63">
+            <a:extLst>
+              <a:ext uri="{FF2B5EF4-FFF2-40B4-BE49-F238E27FC236}">
+                <a16:creationId xmlns:a16="http://schemas.microsoft.com/office/drawing/2014/main" id="{BC0FB9BE-4AF9-4453-9D3E-5208BBE90136}"/>
+              </a:ext>
+            </a:extLst>
+          </p:cNvPr>
+          <p:cNvSpPr/>
+          <p:nvPr/>
+        </p:nvSpPr>
+        <p:spPr>
+          <a:xfrm>
+            <a:off x="8875221" y="4652101"/>
+            <a:ext cx="449234" cy="276536"/>
+          </a:xfrm>
+          <a:prstGeom prst="roundRect">
+            <a:avLst/>
+          </a:prstGeom>
+          <a:solidFill>
+            <a:srgbClr val="FF0000"/>
+          </a:solidFill>
+        </p:spPr>
+        <p:style>
+          <a:lnRef idx="2">
+            <a:schemeClr val="accent1">
+              <a:shade val="50000"/>
+            </a:schemeClr>
+          </a:lnRef>
+          <a:fillRef idx="1">
+            <a:schemeClr val="accent1"/>
+          </a:fillRef>
+          <a:effectRef idx="0">
+            <a:schemeClr val="accent1"/>
+          </a:effectRef>
+          <a:fontRef idx="minor">
+            <a:schemeClr val="lt1"/>
+          </a:fontRef>
+        </p:style>
+        <p:txBody>
+          <a:bodyPr rtlCol="0" anchor="ctr"/>
+          <a:lstStyle/>
+          <a:p>
+            <a:pPr algn="ctr"/>
+            <a:r>
+              <a:rPr lang="en-AU" dirty="0"/>
+              <a:t>12</a:t>
+            </a:r>
+          </a:p>
+        </p:txBody>
+      </p:sp>
+      <p:sp>
+        <p:nvSpPr>
+          <p:cNvPr id="66" name="Rectangle: Rounded Corners 65">
+            <a:extLst>
+              <a:ext uri="{FF2B5EF4-FFF2-40B4-BE49-F238E27FC236}">
+                <a16:creationId xmlns:a16="http://schemas.microsoft.com/office/drawing/2014/main" id="{0706ADFC-B693-4BED-8B3C-B214284E7C96}"/>
+              </a:ext>
+            </a:extLst>
+          </p:cNvPr>
+          <p:cNvSpPr/>
+          <p:nvPr/>
+        </p:nvSpPr>
+        <p:spPr>
+          <a:xfrm>
+            <a:off x="10455274" y="3430384"/>
+            <a:ext cx="449234" cy="276536"/>
+          </a:xfrm>
+          <a:prstGeom prst="roundRect">
+            <a:avLst/>
+          </a:prstGeom>
+          <a:solidFill>
+            <a:srgbClr val="FF0000"/>
+          </a:solidFill>
+        </p:spPr>
+        <p:style>
+          <a:lnRef idx="2">
+            <a:schemeClr val="accent1">
+              <a:shade val="50000"/>
+            </a:schemeClr>
+          </a:lnRef>
+          <a:fillRef idx="1">
+            <a:schemeClr val="accent1"/>
+          </a:fillRef>
+          <a:effectRef idx="0">
+            <a:schemeClr val="accent1"/>
+          </a:effectRef>
+          <a:fontRef idx="minor">
+            <a:schemeClr val="lt1"/>
+          </a:fontRef>
+        </p:style>
+        <p:txBody>
+          <a:bodyPr rtlCol="0" anchor="ctr"/>
+          <a:lstStyle/>
+          <a:p>
+            <a:pPr algn="ctr"/>
+            <a:r>
+              <a:rPr lang="en-AU" dirty="0"/>
+              <a:t>10</a:t>
+            </a:r>
+          </a:p>
+        </p:txBody>
+      </p:sp>
+      <p:sp>
+        <p:nvSpPr>
+          <p:cNvPr id="68" name="Rectangle: Rounded Corners 67">
+            <a:extLst>
+              <a:ext uri="{FF2B5EF4-FFF2-40B4-BE49-F238E27FC236}">
+                <a16:creationId xmlns:a16="http://schemas.microsoft.com/office/drawing/2014/main" id="{C28E34F8-9CF7-4105-A733-1911AD2DB286}"/>
+              </a:ext>
+            </a:extLst>
+          </p:cNvPr>
+          <p:cNvSpPr/>
+          <p:nvPr/>
+        </p:nvSpPr>
+        <p:spPr>
+          <a:xfrm>
+            <a:off x="10466785" y="4257071"/>
+            <a:ext cx="449234" cy="276536"/>
+          </a:xfrm>
+          <a:prstGeom prst="roundRect">
+            <a:avLst/>
+          </a:prstGeom>
+          <a:solidFill>
+            <a:srgbClr val="FF0000"/>
+          </a:solidFill>
+        </p:spPr>
+        <p:style>
+          <a:lnRef idx="2">
+            <a:schemeClr val="accent1">
+              <a:shade val="50000"/>
+            </a:schemeClr>
+          </a:lnRef>
+          <a:fillRef idx="1">
+            <a:schemeClr val="accent1"/>
+          </a:fillRef>
+          <a:effectRef idx="0">
+            <a:schemeClr val="accent1"/>
+          </a:effectRef>
+          <a:fontRef idx="minor">
+            <a:schemeClr val="lt1"/>
+          </a:fontRef>
+        </p:style>
+        <p:txBody>
+          <a:bodyPr rtlCol="0" anchor="ctr"/>
+          <a:lstStyle/>
+          <a:p>
+            <a:pPr algn="ctr"/>
+            <a:r>
+              <a:rPr lang="en-AU" dirty="0"/>
+              <a:t>10</a:t>
+            </a:r>
+          </a:p>
+        </p:txBody>
+      </p:sp>
+      <p:sp>
+        <p:nvSpPr>
+          <p:cNvPr id="69" name="Rectangle: Rounded Corners 68">
+            <a:extLst>
+              <a:ext uri="{FF2B5EF4-FFF2-40B4-BE49-F238E27FC236}">
+                <a16:creationId xmlns:a16="http://schemas.microsoft.com/office/drawing/2014/main" id="{630968D5-4083-454B-8D14-002C9D9DD257}"/>
+              </a:ext>
+            </a:extLst>
+          </p:cNvPr>
+          <p:cNvSpPr/>
+          <p:nvPr/>
+        </p:nvSpPr>
+        <p:spPr>
+          <a:xfrm>
+            <a:off x="9514471" y="4639909"/>
+            <a:ext cx="449234" cy="276536"/>
+          </a:xfrm>
+          <a:prstGeom prst="roundRect">
+            <a:avLst/>
+          </a:prstGeom>
+          <a:solidFill>
+            <a:srgbClr val="00B050"/>
+          </a:solidFill>
+        </p:spPr>
+        <p:style>
+          <a:lnRef idx="2">
+            <a:schemeClr val="accent1">
+              <a:shade val="50000"/>
+            </a:schemeClr>
+          </a:lnRef>
+          <a:fillRef idx="1">
+            <a:schemeClr val="accent1"/>
+          </a:fillRef>
+          <a:effectRef idx="0">
+            <a:schemeClr val="accent1"/>
+          </a:effectRef>
+          <a:fontRef idx="minor">
+            <a:schemeClr val="lt1"/>
+          </a:fontRef>
+        </p:style>
+        <p:txBody>
+          <a:bodyPr rtlCol="0" anchor="ctr"/>
+          <a:lstStyle/>
+          <a:p>
+            <a:pPr algn="ctr"/>
+            <a:r>
+              <a:rPr lang="en-AU" dirty="0">
+                <a:solidFill>
+                  <a:sysClr val="windowText" lastClr="000000"/>
+                </a:solidFill>
+              </a:rPr>
+              <a:t>14</a:t>
+            </a:r>
+          </a:p>
+        </p:txBody>
+      </p:sp>
+      <p:sp>
+        <p:nvSpPr>
+          <p:cNvPr id="70" name="Rectangle: Rounded Corners 69">
+            <a:extLst>
+              <a:ext uri="{FF2B5EF4-FFF2-40B4-BE49-F238E27FC236}">
+                <a16:creationId xmlns:a16="http://schemas.microsoft.com/office/drawing/2014/main" id="{8F960046-A5D1-483D-9A33-FFDFD0E37E3D}"/>
+              </a:ext>
+            </a:extLst>
+          </p:cNvPr>
+          <p:cNvSpPr/>
+          <p:nvPr/>
+        </p:nvSpPr>
+        <p:spPr>
+          <a:xfrm>
+            <a:off x="9522977" y="6422134"/>
+            <a:ext cx="449234" cy="276536"/>
+          </a:xfrm>
+          <a:prstGeom prst="roundRect">
+            <a:avLst/>
+          </a:prstGeom>
+          <a:solidFill>
+            <a:srgbClr val="00B050"/>
+          </a:solidFill>
+        </p:spPr>
+        <p:style>
+          <a:lnRef idx="2">
+            <a:schemeClr val="accent1">
+              <a:shade val="50000"/>
+            </a:schemeClr>
+          </a:lnRef>
+          <a:fillRef idx="1">
+            <a:schemeClr val="accent1"/>
+          </a:fillRef>
+          <a:effectRef idx="0">
+            <a:schemeClr val="accent1"/>
+          </a:effectRef>
+          <a:fontRef idx="minor">
+            <a:schemeClr val="lt1"/>
+          </a:fontRef>
+        </p:style>
+        <p:txBody>
+          <a:bodyPr rtlCol="0" anchor="ctr"/>
+          <a:lstStyle/>
+          <a:p>
+            <a:pPr algn="ctr"/>
+            <a:r>
+              <a:rPr lang="en-AU" dirty="0">
+                <a:solidFill>
+                  <a:sysClr val="windowText" lastClr="000000"/>
+                </a:solidFill>
+              </a:rPr>
+              <a:t>14</a:t>
+            </a:r>
+          </a:p>
+        </p:txBody>
+      </p:sp>
+      <p:sp>
+        <p:nvSpPr>
+          <p:cNvPr id="72" name="Rectangle: Rounded Corners 71">
+            <a:extLst>
+              <a:ext uri="{FF2B5EF4-FFF2-40B4-BE49-F238E27FC236}">
+                <a16:creationId xmlns:a16="http://schemas.microsoft.com/office/drawing/2014/main" id="{51471D34-B118-4F65-9C7F-9BC1D6505C15}"/>
+              </a:ext>
+            </a:extLst>
+          </p:cNvPr>
+          <p:cNvSpPr/>
+          <p:nvPr/>
+        </p:nvSpPr>
+        <p:spPr>
+          <a:xfrm>
+            <a:off x="10592722" y="7170002"/>
+            <a:ext cx="449234" cy="276536"/>
+          </a:xfrm>
+          <a:prstGeom prst="roundRect">
+            <a:avLst/>
+          </a:prstGeom>
+          <a:solidFill>
+            <a:srgbClr val="FFFF00"/>
+          </a:solidFill>
+        </p:spPr>
+        <p:style>
+          <a:lnRef idx="2">
+            <a:schemeClr val="accent1">
+              <a:shade val="50000"/>
+            </a:schemeClr>
+          </a:lnRef>
+          <a:fillRef idx="1">
+            <a:schemeClr val="accent1"/>
+          </a:fillRef>
+          <a:effectRef idx="0">
+            <a:schemeClr val="accent1"/>
+          </a:effectRef>
+          <a:fontRef idx="minor">
+            <a:schemeClr val="lt1"/>
+          </a:fontRef>
+        </p:style>
+        <p:txBody>
+          <a:bodyPr rtlCol="0" anchor="ctr"/>
+          <a:lstStyle/>
+          <a:p>
+            <a:pPr algn="ctr"/>
+            <a:r>
+              <a:rPr lang="en-AU" dirty="0">
+                <a:solidFill>
+                  <a:sysClr val="windowText" lastClr="000000"/>
+                </a:solidFill>
+              </a:rPr>
+              <a:t>14</a:t>
+            </a:r>
+          </a:p>
+        </p:txBody>
+      </p:sp>
+      <p:sp>
+        <p:nvSpPr>
+          <p:cNvPr id="73" name="Rectangle: Rounded Corners 72">
+            <a:extLst>
+              <a:ext uri="{FF2B5EF4-FFF2-40B4-BE49-F238E27FC236}">
+                <a16:creationId xmlns:a16="http://schemas.microsoft.com/office/drawing/2014/main" id="{F13E756D-6F26-489D-AB8B-A39B849CA41D}"/>
+              </a:ext>
+            </a:extLst>
+          </p:cNvPr>
+          <p:cNvSpPr/>
+          <p:nvPr/>
+        </p:nvSpPr>
+        <p:spPr>
+          <a:xfrm>
+            <a:off x="12311232" y="7170264"/>
+            <a:ext cx="449234" cy="276536"/>
+          </a:xfrm>
+          <a:prstGeom prst="roundRect">
+            <a:avLst/>
+          </a:prstGeom>
+          <a:solidFill>
+            <a:srgbClr val="FFFF00"/>
+          </a:solidFill>
+        </p:spPr>
+        <p:style>
+          <a:lnRef idx="2">
+            <a:schemeClr val="accent1">
+              <a:shade val="50000"/>
+            </a:schemeClr>
+          </a:lnRef>
+          <a:fillRef idx="1">
+            <a:schemeClr val="accent1"/>
+          </a:fillRef>
+          <a:effectRef idx="0">
+            <a:schemeClr val="accent1"/>
+          </a:effectRef>
+          <a:fontRef idx="minor">
+            <a:schemeClr val="lt1"/>
+          </a:fontRef>
+        </p:style>
+        <p:txBody>
+          <a:bodyPr rtlCol="0" anchor="ctr"/>
+          <a:lstStyle/>
+          <a:p>
+            <a:pPr algn="ctr"/>
+            <a:r>
+              <a:rPr lang="en-AU" dirty="0">
+                <a:solidFill>
+                  <a:sysClr val="windowText" lastClr="000000"/>
+                </a:solidFill>
+              </a:rPr>
+              <a:t>14</a:t>
+            </a:r>
+          </a:p>
+        </p:txBody>
+      </p:sp>
+      <p:sp>
+        <p:nvSpPr>
+          <p:cNvPr id="74" name="Rectangle: Rounded Corners 73">
+            <a:extLst>
+              <a:ext uri="{FF2B5EF4-FFF2-40B4-BE49-F238E27FC236}">
+                <a16:creationId xmlns:a16="http://schemas.microsoft.com/office/drawing/2014/main" id="{2AD1A349-EB59-4F5E-AD3D-2CE051700FA3}"/>
+              </a:ext>
+            </a:extLst>
+          </p:cNvPr>
+          <p:cNvSpPr/>
+          <p:nvPr/>
+        </p:nvSpPr>
+        <p:spPr>
+          <a:xfrm>
+            <a:off x="12503748" y="4260140"/>
+            <a:ext cx="449234" cy="276536"/>
+          </a:xfrm>
+          <a:prstGeom prst="roundRect">
+            <a:avLst/>
+          </a:prstGeom>
+          <a:solidFill>
+            <a:srgbClr val="FF0000"/>
+          </a:solidFill>
+        </p:spPr>
+        <p:style>
+          <a:lnRef idx="2">
+            <a:schemeClr val="accent1">
+              <a:shade val="50000"/>
+            </a:schemeClr>
+          </a:lnRef>
+          <a:fillRef idx="1">
+            <a:schemeClr val="accent1"/>
+          </a:fillRef>
+          <a:effectRef idx="0">
+            <a:schemeClr val="accent1"/>
+          </a:effectRef>
+          <a:fontRef idx="minor">
+            <a:schemeClr val="lt1"/>
+          </a:fontRef>
+        </p:style>
+        <p:txBody>
+          <a:bodyPr rtlCol="0" anchor="ctr"/>
+          <a:lstStyle/>
+          <a:p>
+            <a:pPr algn="ctr"/>
+            <a:r>
+              <a:rPr lang="en-AU" dirty="0"/>
+              <a:t>10</a:t>
+            </a:r>
+          </a:p>
+        </p:txBody>
+      </p:sp>
+      <p:sp>
+        <p:nvSpPr>
+          <p:cNvPr id="76" name="Rectangle: Rounded Corners 75">
+            <a:extLst>
+              <a:ext uri="{FF2B5EF4-FFF2-40B4-BE49-F238E27FC236}">
+                <a16:creationId xmlns:a16="http://schemas.microsoft.com/office/drawing/2014/main" id="{A6D9F0BF-71F4-4D0C-AFC8-2A86DC8C77F2}"/>
+              </a:ext>
+            </a:extLst>
+          </p:cNvPr>
+          <p:cNvSpPr/>
+          <p:nvPr/>
+        </p:nvSpPr>
+        <p:spPr>
+          <a:xfrm>
+            <a:off x="12495875" y="3438013"/>
+            <a:ext cx="449234" cy="276536"/>
+          </a:xfrm>
+          <a:prstGeom prst="roundRect">
+            <a:avLst/>
+          </a:prstGeom>
+          <a:solidFill>
+            <a:srgbClr val="FF0000"/>
+          </a:solidFill>
+        </p:spPr>
+        <p:style>
+          <a:lnRef idx="2">
+            <a:schemeClr val="accent1">
+              <a:shade val="50000"/>
+            </a:schemeClr>
+          </a:lnRef>
+          <a:fillRef idx="1">
+            <a:schemeClr val="accent1"/>
+          </a:fillRef>
+          <a:effectRef idx="0">
+            <a:schemeClr val="accent1"/>
+          </a:effectRef>
+          <a:fontRef idx="minor">
+            <a:schemeClr val="lt1"/>
+          </a:fontRef>
+        </p:style>
+        <p:txBody>
+          <a:bodyPr rtlCol="0" anchor="ctr"/>
+          <a:lstStyle/>
+          <a:p>
+            <a:pPr algn="ctr"/>
+            <a:r>
+              <a:rPr lang="en-AU" dirty="0"/>
+              <a:t>10</a:t>
+            </a:r>
+          </a:p>
+        </p:txBody>
+      </p:sp>
+      <p:sp>
+        <p:nvSpPr>
+          <p:cNvPr id="77" name="Rectangle: Rounded Corners 76">
+            <a:extLst>
+              <a:ext uri="{FF2B5EF4-FFF2-40B4-BE49-F238E27FC236}">
+                <a16:creationId xmlns:a16="http://schemas.microsoft.com/office/drawing/2014/main" id="{6334692F-CD75-4177-868B-67F7A598F45F}"/>
+              </a:ext>
+            </a:extLst>
+          </p:cNvPr>
+          <p:cNvSpPr/>
+          <p:nvPr/>
+        </p:nvSpPr>
+        <p:spPr>
+          <a:xfrm>
+            <a:off x="7412224" y="4369788"/>
+            <a:ext cx="449234" cy="276536"/>
+          </a:xfrm>
+          <a:prstGeom prst="roundRect">
+            <a:avLst/>
+          </a:prstGeom>
+          <a:solidFill>
+            <a:srgbClr val="FF0000"/>
+          </a:solidFill>
+        </p:spPr>
+        <p:style>
+          <a:lnRef idx="2">
+            <a:schemeClr val="accent1">
+              <a:shade val="50000"/>
+            </a:schemeClr>
+          </a:lnRef>
+          <a:fillRef idx="1">
+            <a:schemeClr val="accent1"/>
+          </a:fillRef>
+          <a:effectRef idx="0">
+            <a:schemeClr val="accent1"/>
+          </a:effectRef>
+          <a:fontRef idx="minor">
+            <a:schemeClr val="lt1"/>
+          </a:fontRef>
+        </p:style>
+        <p:txBody>
+          <a:bodyPr rtlCol="0" anchor="ctr"/>
+          <a:lstStyle/>
+          <a:p>
+            <a:pPr algn="ctr"/>
+            <a:r>
+              <a:rPr lang="en-AU" dirty="0"/>
+              <a:t>12</a:t>
+            </a:r>
+          </a:p>
+        </p:txBody>
+      </p:sp>
+      <p:sp>
+        <p:nvSpPr>
+          <p:cNvPr id="78" name="Rectangle: Rounded Corners 77">
+            <a:extLst>
+              <a:ext uri="{FF2B5EF4-FFF2-40B4-BE49-F238E27FC236}">
+                <a16:creationId xmlns:a16="http://schemas.microsoft.com/office/drawing/2014/main" id="{5FE934BB-6885-40E0-8DB2-5E2EF7DB8FEC}"/>
+              </a:ext>
+            </a:extLst>
+          </p:cNvPr>
+          <p:cNvSpPr/>
+          <p:nvPr/>
+        </p:nvSpPr>
+        <p:spPr>
+          <a:xfrm>
+            <a:off x="7419549" y="5787672"/>
+            <a:ext cx="449234" cy="276536"/>
+          </a:xfrm>
+          <a:prstGeom prst="roundRect">
+            <a:avLst/>
+          </a:prstGeom>
+          <a:solidFill>
+            <a:srgbClr val="FF0000"/>
+          </a:solidFill>
+        </p:spPr>
+        <p:style>
+          <a:lnRef idx="2">
+            <a:schemeClr val="accent1">
+              <a:shade val="50000"/>
+            </a:schemeClr>
+          </a:lnRef>
+          <a:fillRef idx="1">
+            <a:schemeClr val="accent1"/>
+          </a:fillRef>
+          <a:effectRef idx="0">
+            <a:schemeClr val="accent1"/>
+          </a:effectRef>
+          <a:fontRef idx="minor">
+            <a:schemeClr val="lt1"/>
+          </a:fontRef>
+        </p:style>
+        <p:txBody>
+          <a:bodyPr rtlCol="0" anchor="ctr"/>
+          <a:lstStyle/>
+          <a:p>
+            <a:pPr algn="ctr"/>
+            <a:r>
+              <a:rPr lang="en-AU" dirty="0"/>
+              <a:t>12</a:t>
+            </a:r>
+          </a:p>
+        </p:txBody>
+      </p:sp>
+      <p:sp>
+        <p:nvSpPr>
+          <p:cNvPr id="79" name="Rectangle: Rounded Corners 78">
+            <a:extLst>
+              <a:ext uri="{FF2B5EF4-FFF2-40B4-BE49-F238E27FC236}">
+                <a16:creationId xmlns:a16="http://schemas.microsoft.com/office/drawing/2014/main" id="{D7A4B825-EC1A-4998-A35A-21128978609D}"/>
+              </a:ext>
+            </a:extLst>
+          </p:cNvPr>
+          <p:cNvSpPr/>
+          <p:nvPr/>
+        </p:nvSpPr>
+        <p:spPr>
+          <a:xfrm>
+            <a:off x="9544685" y="7927823"/>
+            <a:ext cx="449234" cy="276536"/>
+          </a:xfrm>
+          <a:prstGeom prst="roundRect">
+            <a:avLst/>
+          </a:prstGeom>
+          <a:solidFill>
+            <a:srgbClr val="FF0000"/>
+          </a:solidFill>
+        </p:spPr>
+        <p:style>
+          <a:lnRef idx="2">
+            <a:schemeClr val="accent1">
+              <a:shade val="50000"/>
+            </a:schemeClr>
+          </a:lnRef>
+          <a:fillRef idx="1">
+            <a:schemeClr val="accent1"/>
+          </a:fillRef>
+          <a:effectRef idx="0">
+            <a:schemeClr val="accent1"/>
+          </a:effectRef>
+          <a:fontRef idx="minor">
+            <a:schemeClr val="lt1"/>
+          </a:fontRef>
+        </p:style>
+        <p:txBody>
+          <a:bodyPr rtlCol="0" anchor="ctr"/>
+          <a:lstStyle/>
+          <a:p>
+            <a:pPr algn="ctr"/>
+            <a:r>
+              <a:rPr lang="en-AU" dirty="0"/>
+              <a:t>14</a:t>
+            </a:r>
+          </a:p>
+        </p:txBody>
+      </p:sp>
       <p:cxnSp>
         <p:nvCxnSpPr>
           <p:cNvPr id="30" name="Straight Connector 29">
             <a:extLst>
               <a:ext uri="{FF2B5EF4-FFF2-40B4-BE49-F238E27FC236}">
-                <a16:creationId xmlns:a16="http://schemas.microsoft.com/office/drawing/2014/main" id="{61697329-EC03-4720-968E-D1DF5BCC7FF9}"/>
+                <a16:creationId xmlns:a16="http://schemas.microsoft.com/office/drawing/2014/main" id="{C94ED582-4C96-49E3-8D01-DEF544FDA9F8}"/>
               </a:ext>
             </a:extLst>
           </p:cNvPr>
           <p:cNvCxnSpPr>
-            <a:stCxn id="56" idx="3"/>
+            <a:cxnSpLocks/>
+            <a:stCxn id="47" idx="3"/>
+            <a:endCxn id="57" idx="1"/>
           </p:cNvCxnSpPr>
           <p:nvPr/>
         </p:nvCxnSpPr>
         <p:spPr>
-          <a:xfrm flipH="1">
-            <a:off x="8841331" y="2214434"/>
-            <a:ext cx="1708872" cy="1411581"/>
+          <a:xfrm flipV="1">
+            <a:off x="4678872" y="3577284"/>
+            <a:ext cx="3632403" cy="11042"/>
           </a:xfrm>
           <a:prstGeom prst="line">
             <a:avLst/>
@@ -4365,13 +5444,13 @@
         </p:spPr>
         <p:style>
           <a:lnRef idx="1">
-            <a:schemeClr val="dk1"/>
+            <a:schemeClr val="accent1"/>
           </a:lnRef>
           <a:fillRef idx="0">
-            <a:schemeClr val="dk1"/>
-          </a:fillRef>
-          <a:effectRef idx="0">
-            <a:schemeClr val="dk1"/>
+            <a:schemeClr val="accent1"/>
+          </a:fillRef>
+          <a:effectRef idx="0">
+            <a:schemeClr val="accent1"/>
           </a:effectRef>
           <a:fontRef idx="minor">
             <a:schemeClr val="tx1"/>
@@ -4383,19 +5462,20 @@
           <p:cNvPr id="33" name="Straight Connector 32">
             <a:extLst>
               <a:ext uri="{FF2B5EF4-FFF2-40B4-BE49-F238E27FC236}">
-                <a16:creationId xmlns:a16="http://schemas.microsoft.com/office/drawing/2014/main" id="{91EA6C7F-5703-4F3F-91B2-20729F34D968}"/>
+                <a16:creationId xmlns:a16="http://schemas.microsoft.com/office/drawing/2014/main" id="{77007697-4639-420E-9654-F83F57CD67F3}"/>
               </a:ext>
             </a:extLst>
           </p:cNvPr>
           <p:cNvCxnSpPr>
-            <a:stCxn id="40" idx="2"/>
+            <a:stCxn id="58" idx="2"/>
+            <a:endCxn id="60" idx="0"/>
           </p:cNvCxnSpPr>
           <p:nvPr/>
         </p:nvCxnSpPr>
         <p:spPr>
-          <a:xfrm flipH="1">
-            <a:off x="8796202" y="2868237"/>
-            <a:ext cx="3141508" cy="997178"/>
+          <a:xfrm>
+            <a:off x="9033700" y="2302566"/>
+            <a:ext cx="12590" cy="842970"/>
           </a:xfrm>
           <a:prstGeom prst="line">
             <a:avLst/>
@@ -4403,13 +5483,13 @@
         </p:spPr>
         <p:style>
           <a:lnRef idx="1">
-            <a:schemeClr val="dk1"/>
+            <a:schemeClr val="accent1"/>
           </a:lnRef>
           <a:fillRef idx="0">
-            <a:schemeClr val="dk1"/>
-          </a:fillRef>
-          <a:effectRef idx="0">
-            <a:schemeClr val="dk1"/>
+            <a:schemeClr val="accent1"/>
+          </a:fillRef>
+          <a:effectRef idx="0">
+            <a:schemeClr val="accent1"/>
           </a:effectRef>
           <a:fontRef idx="minor">
             <a:schemeClr val="tx1"/>
@@ -4421,20 +5501,20 @@
           <p:cNvPr id="35" name="Straight Connector 34">
             <a:extLst>
               <a:ext uri="{FF2B5EF4-FFF2-40B4-BE49-F238E27FC236}">
-                <a16:creationId xmlns:a16="http://schemas.microsoft.com/office/drawing/2014/main" id="{DC0ED78B-D62F-4220-B368-570BA1CCDD4E}"/>
+                <a16:creationId xmlns:a16="http://schemas.microsoft.com/office/drawing/2014/main" id="{57DB29CF-0F0B-4FDA-A30E-33EC19EE7251}"/>
               </a:ext>
             </a:extLst>
           </p:cNvPr>
           <p:cNvCxnSpPr>
-            <a:cxnSpLocks/>
-            <a:stCxn id="55" idx="1"/>
+            <a:stCxn id="66" idx="3"/>
+            <a:endCxn id="76" idx="1"/>
           </p:cNvCxnSpPr>
           <p:nvPr/>
         </p:nvCxnSpPr>
         <p:spPr>
-          <a:xfrm flipH="1" flipV="1">
-            <a:off x="8796202" y="4242482"/>
-            <a:ext cx="1754001" cy="782428"/>
+          <a:xfrm>
+            <a:off x="10904508" y="3568652"/>
+            <a:ext cx="1591367" cy="7629"/>
           </a:xfrm>
           <a:prstGeom prst="line">
             <a:avLst/>
@@ -4442,13 +5522,13 @@
         </p:spPr>
         <p:style>
           <a:lnRef idx="1">
-            <a:schemeClr val="dk1"/>
+            <a:schemeClr val="accent1"/>
           </a:lnRef>
           <a:fillRef idx="0">
-            <a:schemeClr val="dk1"/>
-          </a:fillRef>
-          <a:effectRef idx="0">
-            <a:schemeClr val="dk1"/>
+            <a:schemeClr val="accent1"/>
+          </a:fillRef>
+          <a:effectRef idx="0">
+            <a:schemeClr val="accent1"/>
           </a:effectRef>
           <a:fontRef idx="minor">
             <a:schemeClr val="tx1"/>
@@ -4457,24 +5537,141 @@
       </p:cxnSp>
       <p:cxnSp>
         <p:nvCxnSpPr>
-          <p:cNvPr id="41" name="Straight Connector 40">
-            <a:extLst>
-              <a:ext uri="{FF2B5EF4-FFF2-40B4-BE49-F238E27FC236}">
-                <a16:creationId xmlns:a16="http://schemas.microsoft.com/office/drawing/2014/main" id="{271B240C-F7E6-4161-8BEC-CDF0EFEDC339}"/>
+          <p:cNvPr id="51" name="Straight Connector 50">
+            <a:extLst>
+              <a:ext uri="{FF2B5EF4-FFF2-40B4-BE49-F238E27FC236}">
+                <a16:creationId xmlns:a16="http://schemas.microsoft.com/office/drawing/2014/main" id="{11E1A921-8A73-49B0-9D6F-272253C1A41D}"/>
+              </a:ext>
+            </a:extLst>
+          </p:cNvPr>
+          <p:cNvCxnSpPr>
+            <a:stCxn id="68" idx="3"/>
+            <a:endCxn id="74" idx="1"/>
+          </p:cNvCxnSpPr>
+          <p:nvPr/>
+        </p:nvCxnSpPr>
+        <p:spPr>
+          <a:xfrm>
+            <a:off x="10916019" y="4395339"/>
+            <a:ext cx="1587729" cy="3069"/>
+          </a:xfrm>
+          <a:prstGeom prst="line">
+            <a:avLst/>
+          </a:prstGeom>
+        </p:spPr>
+        <p:style>
+          <a:lnRef idx="1">
+            <a:schemeClr val="accent1"/>
+          </a:lnRef>
+          <a:fillRef idx="0">
+            <a:schemeClr val="accent1"/>
+          </a:fillRef>
+          <a:effectRef idx="0">
+            <a:schemeClr val="accent1"/>
+          </a:effectRef>
+          <a:fontRef idx="minor">
+            <a:schemeClr val="tx1"/>
+          </a:fontRef>
+        </p:style>
+      </p:cxnSp>
+      <p:cxnSp>
+        <p:nvCxnSpPr>
+          <p:cNvPr id="83" name="Straight Connector 82">
+            <a:extLst>
+              <a:ext uri="{FF2B5EF4-FFF2-40B4-BE49-F238E27FC236}">
+                <a16:creationId xmlns:a16="http://schemas.microsoft.com/office/drawing/2014/main" id="{84BA5594-22FE-413D-970C-16F5BEC99372}"/>
+              </a:ext>
+            </a:extLst>
+          </p:cNvPr>
+          <p:cNvCxnSpPr>
+            <a:stCxn id="69" idx="2"/>
+            <a:endCxn id="70" idx="0"/>
+          </p:cNvCxnSpPr>
+          <p:nvPr/>
+        </p:nvCxnSpPr>
+        <p:spPr>
+          <a:xfrm>
+            <a:off x="9739088" y="4916445"/>
+            <a:ext cx="8506" cy="1505689"/>
+          </a:xfrm>
+          <a:prstGeom prst="line">
+            <a:avLst/>
+          </a:prstGeom>
+        </p:spPr>
+        <p:style>
+          <a:lnRef idx="1">
+            <a:schemeClr val="accent1"/>
+          </a:lnRef>
+          <a:fillRef idx="0">
+            <a:schemeClr val="accent1"/>
+          </a:fillRef>
+          <a:effectRef idx="0">
+            <a:schemeClr val="accent1"/>
+          </a:effectRef>
+          <a:fontRef idx="minor">
+            <a:schemeClr val="tx1"/>
+          </a:fontRef>
+        </p:style>
+      </p:cxnSp>
+      <p:cxnSp>
+        <p:nvCxnSpPr>
+          <p:cNvPr id="85" name="Straight Connector 84">
+            <a:extLst>
+              <a:ext uri="{FF2B5EF4-FFF2-40B4-BE49-F238E27FC236}">
+                <a16:creationId xmlns:a16="http://schemas.microsoft.com/office/drawing/2014/main" id="{737F8FB1-D8D3-4492-B00F-0A29C1E8BBBF}"/>
+              </a:ext>
+            </a:extLst>
+          </p:cNvPr>
+          <p:cNvCxnSpPr>
+            <a:stCxn id="64" idx="2"/>
+            <a:endCxn id="78" idx="0"/>
+          </p:cNvCxnSpPr>
+          <p:nvPr/>
+        </p:nvCxnSpPr>
+        <p:spPr>
+          <a:xfrm flipH="1">
+            <a:off x="7644166" y="4928637"/>
+            <a:ext cx="1455672" cy="859035"/>
+          </a:xfrm>
+          <a:prstGeom prst="line">
+            <a:avLst/>
+          </a:prstGeom>
+        </p:spPr>
+        <p:style>
+          <a:lnRef idx="1">
+            <a:schemeClr val="accent1"/>
+          </a:lnRef>
+          <a:fillRef idx="0">
+            <a:schemeClr val="accent1"/>
+          </a:fillRef>
+          <a:effectRef idx="0">
+            <a:schemeClr val="accent1"/>
+          </a:effectRef>
+          <a:fontRef idx="minor">
+            <a:schemeClr val="tx1"/>
+          </a:fontRef>
+        </p:style>
+      </p:cxnSp>
+      <p:cxnSp>
+        <p:nvCxnSpPr>
+          <p:cNvPr id="87" name="Straight Connector 86">
+            <a:extLst>
+              <a:ext uri="{FF2B5EF4-FFF2-40B4-BE49-F238E27FC236}">
+                <a16:creationId xmlns:a16="http://schemas.microsoft.com/office/drawing/2014/main" id="{AB78EC15-3E1B-4FCC-A402-B11E51B8CE55}"/>
               </a:ext>
             </a:extLst>
           </p:cNvPr>
           <p:cNvCxnSpPr>
             <a:cxnSpLocks/>
-            <a:stCxn id="39" idx="2"/>
-            <a:endCxn id="5" idx="3"/>
+            <a:stCxn id="62" idx="1"/>
+            <a:endCxn id="77" idx="3"/>
           </p:cNvCxnSpPr>
           <p:nvPr/>
         </p:nvCxnSpPr>
         <p:spPr>
           <a:xfrm flipH="1" flipV="1">
-            <a:off x="8804933" y="4031672"/>
-            <a:ext cx="3132777" cy="339434"/>
+            <a:off x="7861458" y="4508056"/>
+            <a:ext cx="442816" cy="5777"/>
           </a:xfrm>
           <a:prstGeom prst="line">
             <a:avLst/>
@@ -4482,25 +5679,180 @@
         </p:spPr>
         <p:style>
           <a:lnRef idx="1">
-            <a:schemeClr val="dk1"/>
+            <a:schemeClr val="accent1"/>
           </a:lnRef>
           <a:fillRef idx="0">
-            <a:schemeClr val="dk1"/>
-          </a:fillRef>
-          <a:effectRef idx="0">
-            <a:schemeClr val="dk1"/>
+            <a:schemeClr val="accent1"/>
+          </a:fillRef>
+          <a:effectRef idx="0">
+            <a:schemeClr val="accent1"/>
           </a:effectRef>
           <a:fontRef idx="minor">
             <a:schemeClr val="tx1"/>
           </a:fontRef>
         </p:style>
       </p:cxnSp>
-      <p:sp>
-        <p:nvSpPr>
-          <p:cNvPr id="47" name="Oval 46">
-            <a:extLst>
-              <a:ext uri="{FF2B5EF4-FFF2-40B4-BE49-F238E27FC236}">
-                <a16:creationId xmlns:a16="http://schemas.microsoft.com/office/drawing/2014/main" id="{3C63BE19-47DC-49D4-BBD6-18F8BA11FDF0}"/>
+      <p:cxnSp>
+        <p:nvCxnSpPr>
+          <p:cNvPr id="89" name="Straight Connector 88">
+            <a:extLst>
+              <a:ext uri="{FF2B5EF4-FFF2-40B4-BE49-F238E27FC236}">
+                <a16:creationId xmlns:a16="http://schemas.microsoft.com/office/drawing/2014/main" id="{484F02C4-ED80-4EAE-8677-0B41EDE3F265}"/>
+              </a:ext>
+            </a:extLst>
+          </p:cNvPr>
+          <p:cNvCxnSpPr>
+            <a:stCxn id="72" idx="3"/>
+            <a:endCxn id="73" idx="1"/>
+          </p:cNvCxnSpPr>
+          <p:nvPr/>
+        </p:nvCxnSpPr>
+        <p:spPr>
+          <a:xfrm>
+            <a:off x="11041956" y="7308270"/>
+            <a:ext cx="1269276" cy="262"/>
+          </a:xfrm>
+          <a:prstGeom prst="line">
+            <a:avLst/>
+          </a:prstGeom>
+        </p:spPr>
+        <p:style>
+          <a:lnRef idx="1">
+            <a:schemeClr val="accent1"/>
+          </a:lnRef>
+          <a:fillRef idx="0">
+            <a:schemeClr val="accent1"/>
+          </a:fillRef>
+          <a:effectRef idx="0">
+            <a:schemeClr val="accent1"/>
+          </a:effectRef>
+          <a:fontRef idx="minor">
+            <a:schemeClr val="tx1"/>
+          </a:fontRef>
+        </p:style>
+      </p:cxnSp>
+      <p:cxnSp>
+        <p:nvCxnSpPr>
+          <p:cNvPr id="91" name="Straight Connector 90">
+            <a:extLst>
+              <a:ext uri="{FF2B5EF4-FFF2-40B4-BE49-F238E27FC236}">
+                <a16:creationId xmlns:a16="http://schemas.microsoft.com/office/drawing/2014/main" id="{391E724A-4A28-4029-A230-DC4163C97E1C}"/>
+              </a:ext>
+            </a:extLst>
+          </p:cNvPr>
+          <p:cNvCxnSpPr>
+            <a:stCxn id="79" idx="2"/>
+          </p:cNvCxnSpPr>
+          <p:nvPr/>
+        </p:nvCxnSpPr>
+        <p:spPr>
+          <a:xfrm flipH="1">
+            <a:off x="9765057" y="8204359"/>
+            <a:ext cx="4245" cy="323111"/>
+          </a:xfrm>
+          <a:prstGeom prst="line">
+            <a:avLst/>
+          </a:prstGeom>
+        </p:spPr>
+        <p:style>
+          <a:lnRef idx="1">
+            <a:schemeClr val="accent1"/>
+          </a:lnRef>
+          <a:fillRef idx="0">
+            <a:schemeClr val="accent1"/>
+          </a:fillRef>
+          <a:effectRef idx="0">
+            <a:schemeClr val="accent1"/>
+          </a:effectRef>
+          <a:fontRef idx="minor">
+            <a:schemeClr val="tx1"/>
+          </a:fontRef>
+        </p:style>
+      </p:cxnSp>
+      <p:cxnSp>
+        <p:nvCxnSpPr>
+          <p:cNvPr id="93" name="Straight Connector 92">
+            <a:extLst>
+              <a:ext uri="{FF2B5EF4-FFF2-40B4-BE49-F238E27FC236}">
+                <a16:creationId xmlns:a16="http://schemas.microsoft.com/office/drawing/2014/main" id="{F60CBA6E-9A09-4D33-978D-F3C881DDE474}"/>
+              </a:ext>
+            </a:extLst>
+          </p:cNvPr>
+          <p:cNvCxnSpPr>
+            <a:cxnSpLocks/>
+            <a:stCxn id="18" idx="0"/>
+          </p:cNvCxnSpPr>
+          <p:nvPr/>
+        </p:nvCxnSpPr>
+        <p:spPr>
+          <a:xfrm flipV="1">
+            <a:off x="8761903" y="8527470"/>
+            <a:ext cx="0" cy="498764"/>
+          </a:xfrm>
+          <a:prstGeom prst="line">
+            <a:avLst/>
+          </a:prstGeom>
+        </p:spPr>
+        <p:style>
+          <a:lnRef idx="1">
+            <a:schemeClr val="accent1"/>
+          </a:lnRef>
+          <a:fillRef idx="0">
+            <a:schemeClr val="accent1"/>
+          </a:fillRef>
+          <a:effectRef idx="0">
+            <a:schemeClr val="accent1"/>
+          </a:effectRef>
+          <a:fontRef idx="minor">
+            <a:schemeClr val="tx1"/>
+          </a:fontRef>
+        </p:style>
+      </p:cxnSp>
+      <p:cxnSp>
+        <p:nvCxnSpPr>
+          <p:cNvPr id="95" name="Straight Connector 94">
+            <a:extLst>
+              <a:ext uri="{FF2B5EF4-FFF2-40B4-BE49-F238E27FC236}">
+                <a16:creationId xmlns:a16="http://schemas.microsoft.com/office/drawing/2014/main" id="{FA395C46-4D63-4014-B1A0-9A07EA01D81B}"/>
+              </a:ext>
+            </a:extLst>
+          </p:cNvPr>
+          <p:cNvCxnSpPr>
+            <a:cxnSpLocks/>
+            <a:stCxn id="17" idx="0"/>
+          </p:cNvCxnSpPr>
+          <p:nvPr/>
+        </p:nvCxnSpPr>
+        <p:spPr>
+          <a:xfrm flipV="1">
+            <a:off x="10754071" y="8527470"/>
+            <a:ext cx="0" cy="498764"/>
+          </a:xfrm>
+          <a:prstGeom prst="line">
+            <a:avLst/>
+          </a:prstGeom>
+        </p:spPr>
+        <p:style>
+          <a:lnRef idx="1">
+            <a:schemeClr val="accent1"/>
+          </a:lnRef>
+          <a:fillRef idx="0">
+            <a:schemeClr val="accent1"/>
+          </a:fillRef>
+          <a:effectRef idx="0">
+            <a:schemeClr val="accent1"/>
+          </a:effectRef>
+          <a:fontRef idx="minor">
+            <a:schemeClr val="tx1"/>
+          </a:fontRef>
+        </p:style>
+      </p:cxnSp>
+      <p:sp>
+        <p:nvSpPr>
+          <p:cNvPr id="114" name="Rectangle: Rounded Corners 113">
+            <a:extLst>
+              <a:ext uri="{FF2B5EF4-FFF2-40B4-BE49-F238E27FC236}">
+                <a16:creationId xmlns:a16="http://schemas.microsoft.com/office/drawing/2014/main" id="{2EDD0BF6-CFBF-4DDA-88D0-0CB99BF69924}"/>
               </a:ext>
             </a:extLst>
           </p:cNvPr>
@@ -4509,25 +5861,30 @@
         </p:nvSpPr>
         <p:spPr>
           <a:xfrm>
-            <a:off x="1080655" y="9337963"/>
-            <a:ext cx="1288465" cy="863269"/>
-          </a:xfrm>
-          <a:prstGeom prst="ellipse">
-            <a:avLst/>
-          </a:prstGeom>
+            <a:off x="13380976" y="7641334"/>
+            <a:ext cx="449234" cy="276536"/>
+          </a:xfrm>
+          <a:prstGeom prst="roundRect">
+            <a:avLst/>
+          </a:prstGeom>
+          <a:solidFill>
+            <a:srgbClr val="FF0000"/>
+          </a:solidFill>
         </p:spPr>
         <p:style>
           <a:lnRef idx="2">
-            <a:schemeClr val="dk1"/>
+            <a:schemeClr val="accent1">
+              <a:shade val="50000"/>
+            </a:schemeClr>
           </a:lnRef>
           <a:fillRef idx="1">
+            <a:schemeClr val="accent1"/>
+          </a:fillRef>
+          <a:effectRef idx="0">
+            <a:schemeClr val="accent1"/>
+          </a:effectRef>
+          <a:fontRef idx="minor">
             <a:schemeClr val="lt1"/>
-          </a:fillRef>
-          <a:effectRef idx="0">
-            <a:schemeClr val="dk1"/>
-          </a:effectRef>
-          <a:fontRef idx="minor">
-            <a:schemeClr val="dk1"/>
           </a:fontRef>
         </p:style>
         <p:txBody>
@@ -4537,17 +5894,17 @@
             <a:pPr algn="ctr"/>
             <a:r>
               <a:rPr lang="en-AU" dirty="0"/>
-              <a:t>Non-Critical</a:t>
-            </a:r>
-          </a:p>
-        </p:txBody>
-      </p:sp>
-      <p:sp>
-        <p:nvSpPr>
-          <p:cNvPr id="60" name="Oval 59">
-            <a:extLst>
-              <a:ext uri="{FF2B5EF4-FFF2-40B4-BE49-F238E27FC236}">
-                <a16:creationId xmlns:a16="http://schemas.microsoft.com/office/drawing/2014/main" id="{69580E7C-EC1B-4289-B4A8-B9B20837FBA2}"/>
+              <a:t>14</a:t>
+            </a:r>
+          </a:p>
+        </p:txBody>
+      </p:sp>
+      <p:sp>
+        <p:nvSpPr>
+          <p:cNvPr id="115" name="Rectangle: Rounded Corners 114">
+            <a:extLst>
+              <a:ext uri="{FF2B5EF4-FFF2-40B4-BE49-F238E27FC236}">
+                <a16:creationId xmlns:a16="http://schemas.microsoft.com/office/drawing/2014/main" id="{103A5CE2-756A-4FB3-A908-12E1B5E23A42}"/>
               </a:ext>
             </a:extLst>
           </p:cNvPr>
@@ -4556,28 +5913,30 @@
         </p:nvSpPr>
         <p:spPr>
           <a:xfrm>
-            <a:off x="1080654" y="8345217"/>
-            <a:ext cx="1288465" cy="863269"/>
-          </a:xfrm>
-          <a:prstGeom prst="ellipse">
+            <a:off x="637481" y="7503066"/>
+            <a:ext cx="449234" cy="276536"/>
+          </a:xfrm>
+          <a:prstGeom prst="roundRect">
             <a:avLst/>
           </a:prstGeom>
           <a:solidFill>
-            <a:schemeClr val="bg2"/>
+            <a:srgbClr val="FF0000"/>
           </a:solidFill>
         </p:spPr>
         <p:style>
           <a:lnRef idx="2">
-            <a:schemeClr val="dk1"/>
+            <a:schemeClr val="accent1">
+              <a:shade val="50000"/>
+            </a:schemeClr>
           </a:lnRef>
           <a:fillRef idx="1">
+            <a:schemeClr val="accent1"/>
+          </a:fillRef>
+          <a:effectRef idx="0">
+            <a:schemeClr val="accent1"/>
+          </a:effectRef>
+          <a:fontRef idx="minor">
             <a:schemeClr val="lt1"/>
-          </a:fillRef>
-          <a:effectRef idx="0">
-            <a:schemeClr val="dk1"/>
-          </a:effectRef>
-          <a:fontRef idx="minor">
-            <a:schemeClr val="dk1"/>
           </a:fontRef>
         </p:style>
         <p:txBody>
@@ -4587,17 +5946,17 @@
             <a:pPr algn="ctr"/>
             <a:r>
               <a:rPr lang="en-AU" dirty="0"/>
-              <a:t>Critical</a:t>
-            </a:r>
-          </a:p>
-        </p:txBody>
-      </p:sp>
-      <p:sp>
-        <p:nvSpPr>
-          <p:cNvPr id="48" name="Rectangle 47">
-            <a:extLst>
-              <a:ext uri="{FF2B5EF4-FFF2-40B4-BE49-F238E27FC236}">
-                <a16:creationId xmlns:a16="http://schemas.microsoft.com/office/drawing/2014/main" id="{3C1B1132-84FD-44F1-A8F8-5D009B19C743}"/>
+              <a:t>14</a:t>
+            </a:r>
+          </a:p>
+        </p:txBody>
+      </p:sp>
+      <p:sp>
+        <p:nvSpPr>
+          <p:cNvPr id="116" name="Rectangle: Rounded Corners 115">
+            <a:extLst>
+              <a:ext uri="{FF2B5EF4-FFF2-40B4-BE49-F238E27FC236}">
+                <a16:creationId xmlns:a16="http://schemas.microsoft.com/office/drawing/2014/main" id="{3B2A33B9-9DC3-4772-8295-9DCA8810511B}"/>
               </a:ext>
             </a:extLst>
           </p:cNvPr>
@@ -4606,8 +5965,608 @@
         </p:nvSpPr>
         <p:spPr>
           <a:xfrm>
-            <a:off x="1034895" y="7257139"/>
-            <a:ext cx="1389634" cy="907470"/>
+            <a:off x="637481" y="8057238"/>
+            <a:ext cx="449234" cy="276536"/>
+          </a:xfrm>
+          <a:prstGeom prst="roundRect">
+            <a:avLst/>
+          </a:prstGeom>
+          <a:solidFill>
+            <a:srgbClr val="FFFF00"/>
+          </a:solidFill>
+        </p:spPr>
+        <p:style>
+          <a:lnRef idx="2">
+            <a:schemeClr val="accent1">
+              <a:shade val="50000"/>
+            </a:schemeClr>
+          </a:lnRef>
+          <a:fillRef idx="1">
+            <a:schemeClr val="accent1"/>
+          </a:fillRef>
+          <a:effectRef idx="0">
+            <a:schemeClr val="accent1"/>
+          </a:effectRef>
+          <a:fontRef idx="minor">
+            <a:schemeClr val="lt1"/>
+          </a:fontRef>
+        </p:style>
+        <p:txBody>
+          <a:bodyPr rtlCol="0" anchor="ctr"/>
+          <a:lstStyle/>
+          <a:p>
+            <a:pPr algn="ctr"/>
+            <a:r>
+              <a:rPr lang="en-AU" dirty="0">
+                <a:solidFill>
+                  <a:sysClr val="windowText" lastClr="000000"/>
+                </a:solidFill>
+              </a:rPr>
+              <a:t>14</a:t>
+            </a:r>
+          </a:p>
+        </p:txBody>
+      </p:sp>
+      <p:sp>
+        <p:nvSpPr>
+          <p:cNvPr id="117" name="Rectangle: Rounded Corners 116">
+            <a:extLst>
+              <a:ext uri="{FF2B5EF4-FFF2-40B4-BE49-F238E27FC236}">
+                <a16:creationId xmlns:a16="http://schemas.microsoft.com/office/drawing/2014/main" id="{57DA4CDE-0155-46AE-9CB4-8BE0D158B20E}"/>
+              </a:ext>
+            </a:extLst>
+          </p:cNvPr>
+          <p:cNvSpPr/>
+          <p:nvPr/>
+        </p:nvSpPr>
+        <p:spPr>
+          <a:xfrm>
+            <a:off x="637481" y="8644099"/>
+            <a:ext cx="449234" cy="276536"/>
+          </a:xfrm>
+          <a:prstGeom prst="roundRect">
+            <a:avLst/>
+          </a:prstGeom>
+          <a:solidFill>
+            <a:srgbClr val="00B050"/>
+          </a:solidFill>
+        </p:spPr>
+        <p:style>
+          <a:lnRef idx="2">
+            <a:schemeClr val="accent1">
+              <a:shade val="50000"/>
+            </a:schemeClr>
+          </a:lnRef>
+          <a:fillRef idx="1">
+            <a:schemeClr val="accent1"/>
+          </a:fillRef>
+          <a:effectRef idx="0">
+            <a:schemeClr val="accent1"/>
+          </a:effectRef>
+          <a:fontRef idx="minor">
+            <a:schemeClr val="lt1"/>
+          </a:fontRef>
+        </p:style>
+        <p:txBody>
+          <a:bodyPr rtlCol="0" anchor="ctr"/>
+          <a:lstStyle/>
+          <a:p>
+            <a:pPr algn="ctr"/>
+            <a:r>
+              <a:rPr lang="en-AU" dirty="0">
+                <a:solidFill>
+                  <a:sysClr val="windowText" lastClr="000000"/>
+                </a:solidFill>
+              </a:rPr>
+              <a:t>14</a:t>
+            </a:r>
+          </a:p>
+        </p:txBody>
+      </p:sp>
+      <p:sp>
+        <p:nvSpPr>
+          <p:cNvPr id="118" name="TextBox 117">
+            <a:extLst>
+              <a:ext uri="{FF2B5EF4-FFF2-40B4-BE49-F238E27FC236}">
+                <a16:creationId xmlns:a16="http://schemas.microsoft.com/office/drawing/2014/main" id="{47D36FCF-40B9-48DE-88D5-A391A07DF7A7}"/>
+              </a:ext>
+            </a:extLst>
+          </p:cNvPr>
+          <p:cNvSpPr txBox="1"/>
+          <p:nvPr/>
+        </p:nvSpPr>
+        <p:spPr>
+          <a:xfrm>
+            <a:off x="1076865" y="7497244"/>
+            <a:ext cx="5657853" cy="307777"/>
+          </a:xfrm>
+          <a:prstGeom prst="rect">
+            <a:avLst/>
+          </a:prstGeom>
+          <a:noFill/>
+        </p:spPr>
+        <p:txBody>
+          <a:bodyPr wrap="square" rtlCol="0">
+            <a:spAutoFit/>
+          </a:bodyPr>
+          <a:lstStyle/>
+          <a:p>
+            <a:r>
+              <a:rPr lang="en-AU" sz="1400" dirty="0"/>
+              <a:t>Shell size 14, #20 pin-receptacle, socket-plug, keyway N</a:t>
+            </a:r>
+          </a:p>
+        </p:txBody>
+      </p:sp>
+      <p:sp>
+        <p:nvSpPr>
+          <p:cNvPr id="119" name="TextBox 118">
+            <a:extLst>
+              <a:ext uri="{FF2B5EF4-FFF2-40B4-BE49-F238E27FC236}">
+                <a16:creationId xmlns:a16="http://schemas.microsoft.com/office/drawing/2014/main" id="{189627B1-89EC-434E-A519-70CC555B9B02}"/>
+              </a:ext>
+            </a:extLst>
+          </p:cNvPr>
+          <p:cNvSpPr txBox="1"/>
+          <p:nvPr/>
+        </p:nvSpPr>
+        <p:spPr>
+          <a:xfrm>
+            <a:off x="1086715" y="8053446"/>
+            <a:ext cx="5657853" cy="307777"/>
+          </a:xfrm>
+          <a:prstGeom prst="rect">
+            <a:avLst/>
+          </a:prstGeom>
+          <a:noFill/>
+        </p:spPr>
+        <p:txBody>
+          <a:bodyPr wrap="square" rtlCol="0">
+            <a:spAutoFit/>
+          </a:bodyPr>
+          <a:lstStyle/>
+          <a:p>
+            <a:r>
+              <a:rPr lang="en-AU" sz="1400" dirty="0"/>
+              <a:t>Shell size 14, #20 pin-receptacle, socket-plug, keyway A</a:t>
+            </a:r>
+          </a:p>
+        </p:txBody>
+      </p:sp>
+      <p:sp>
+        <p:nvSpPr>
+          <p:cNvPr id="120" name="TextBox 119">
+            <a:extLst>
+              <a:ext uri="{FF2B5EF4-FFF2-40B4-BE49-F238E27FC236}">
+                <a16:creationId xmlns:a16="http://schemas.microsoft.com/office/drawing/2014/main" id="{97EF2440-99FA-49E5-B897-D42516A34271}"/>
+              </a:ext>
+            </a:extLst>
+          </p:cNvPr>
+          <p:cNvSpPr txBox="1"/>
+          <p:nvPr/>
+        </p:nvSpPr>
+        <p:spPr>
+          <a:xfrm>
+            <a:off x="1086715" y="8636951"/>
+            <a:ext cx="5657853" cy="307777"/>
+          </a:xfrm>
+          <a:prstGeom prst="rect">
+            <a:avLst/>
+          </a:prstGeom>
+          <a:noFill/>
+        </p:spPr>
+        <p:txBody>
+          <a:bodyPr wrap="square" rtlCol="0">
+            <a:spAutoFit/>
+          </a:bodyPr>
+          <a:lstStyle/>
+          <a:p>
+            <a:r>
+              <a:rPr lang="en-AU" sz="1400" dirty="0"/>
+              <a:t>Shell size 14, #20 socket-receptacle, pin-plug, keyway N</a:t>
+            </a:r>
+          </a:p>
+        </p:txBody>
+      </p:sp>
+      <p:sp>
+        <p:nvSpPr>
+          <p:cNvPr id="121" name="TextBox 120">
+            <a:extLst>
+              <a:ext uri="{FF2B5EF4-FFF2-40B4-BE49-F238E27FC236}">
+                <a16:creationId xmlns:a16="http://schemas.microsoft.com/office/drawing/2014/main" id="{A5142D9A-05AE-4BFF-B30F-8FE53FDEC3A7}"/>
+              </a:ext>
+            </a:extLst>
+          </p:cNvPr>
+          <p:cNvSpPr txBox="1"/>
+          <p:nvPr/>
+        </p:nvSpPr>
+        <p:spPr>
+          <a:xfrm>
+            <a:off x="2213061" y="7047936"/>
+            <a:ext cx="970250" cy="369332"/>
+          </a:xfrm>
+          <a:prstGeom prst="rect">
+            <a:avLst/>
+          </a:prstGeom>
+          <a:noFill/>
+        </p:spPr>
+        <p:txBody>
+          <a:bodyPr wrap="square" rtlCol="0">
+            <a:spAutoFit/>
+          </a:bodyPr>
+          <a:lstStyle/>
+          <a:p>
+            <a:r>
+              <a:rPr lang="en-AU" b="1" dirty="0"/>
+              <a:t>LEGEND</a:t>
+            </a:r>
+          </a:p>
+        </p:txBody>
+      </p:sp>
+      <p:sp>
+        <p:nvSpPr>
+          <p:cNvPr id="71" name="Rectangle: Rounded Corners 70">
+            <a:extLst>
+              <a:ext uri="{FF2B5EF4-FFF2-40B4-BE49-F238E27FC236}">
+                <a16:creationId xmlns:a16="http://schemas.microsoft.com/office/drawing/2014/main" id="{699693BA-D669-445B-A3ED-0B33AB88D91A}"/>
+              </a:ext>
+            </a:extLst>
+          </p:cNvPr>
+          <p:cNvSpPr/>
+          <p:nvPr/>
+        </p:nvSpPr>
+        <p:spPr>
+          <a:xfrm>
+            <a:off x="9918064" y="3134707"/>
+            <a:ext cx="449234" cy="276536"/>
+          </a:xfrm>
+          <a:prstGeom prst="roundRect">
+            <a:avLst/>
+          </a:prstGeom>
+          <a:solidFill>
+            <a:srgbClr val="FFFF00"/>
+          </a:solidFill>
+        </p:spPr>
+        <p:style>
+          <a:lnRef idx="2">
+            <a:schemeClr val="accent1">
+              <a:shade val="50000"/>
+            </a:schemeClr>
+          </a:lnRef>
+          <a:fillRef idx="1">
+            <a:schemeClr val="accent1"/>
+          </a:fillRef>
+          <a:effectRef idx="0">
+            <a:schemeClr val="accent1"/>
+          </a:effectRef>
+          <a:fontRef idx="minor">
+            <a:schemeClr val="lt1"/>
+          </a:fontRef>
+        </p:style>
+        <p:txBody>
+          <a:bodyPr rtlCol="0" anchor="ctr"/>
+          <a:lstStyle/>
+          <a:p>
+            <a:pPr algn="ctr"/>
+            <a:r>
+              <a:rPr lang="en-AU" dirty="0">
+                <a:solidFill>
+                  <a:sysClr val="windowText" lastClr="000000"/>
+                </a:solidFill>
+              </a:rPr>
+              <a:t>10</a:t>
+            </a:r>
+          </a:p>
+        </p:txBody>
+      </p:sp>
+      <p:sp>
+        <p:nvSpPr>
+          <p:cNvPr id="80" name="Rectangle: Rounded Corners 79">
+            <a:extLst>
+              <a:ext uri="{FF2B5EF4-FFF2-40B4-BE49-F238E27FC236}">
+                <a16:creationId xmlns:a16="http://schemas.microsoft.com/office/drawing/2014/main" id="{FE4883AA-AC5F-42D7-B797-7F675FC3BA18}"/>
+              </a:ext>
+            </a:extLst>
+          </p:cNvPr>
+          <p:cNvSpPr/>
+          <p:nvPr/>
+        </p:nvSpPr>
+        <p:spPr>
+          <a:xfrm>
+            <a:off x="13398423" y="6412141"/>
+            <a:ext cx="449234" cy="276536"/>
+          </a:xfrm>
+          <a:prstGeom prst="roundRect">
+            <a:avLst/>
+          </a:prstGeom>
+          <a:solidFill>
+            <a:srgbClr val="FF0000"/>
+          </a:solidFill>
+        </p:spPr>
+        <p:style>
+          <a:lnRef idx="2">
+            <a:schemeClr val="accent1">
+              <a:shade val="50000"/>
+            </a:schemeClr>
+          </a:lnRef>
+          <a:fillRef idx="1">
+            <a:schemeClr val="accent1"/>
+          </a:fillRef>
+          <a:effectRef idx="0">
+            <a:schemeClr val="accent1"/>
+          </a:effectRef>
+          <a:fontRef idx="minor">
+            <a:schemeClr val="lt1"/>
+          </a:fontRef>
+        </p:style>
+        <p:txBody>
+          <a:bodyPr rtlCol="0" anchor="ctr"/>
+          <a:lstStyle/>
+          <a:p>
+            <a:pPr algn="ctr"/>
+            <a:r>
+              <a:rPr lang="en-AU" dirty="0"/>
+              <a:t>12</a:t>
+            </a:r>
+          </a:p>
+        </p:txBody>
+      </p:sp>
+      <p:sp>
+        <p:nvSpPr>
+          <p:cNvPr id="3" name="TextBox 2">
+            <a:extLst>
+              <a:ext uri="{FF2B5EF4-FFF2-40B4-BE49-F238E27FC236}">
+                <a16:creationId xmlns:a16="http://schemas.microsoft.com/office/drawing/2014/main" id="{D363D170-F557-4DAB-ADDC-AB4A7AE06F8A}"/>
+              </a:ext>
+            </a:extLst>
+          </p:cNvPr>
+          <p:cNvSpPr txBox="1"/>
+          <p:nvPr/>
+        </p:nvSpPr>
+        <p:spPr>
+          <a:xfrm>
+            <a:off x="11491190" y="6932276"/>
+            <a:ext cx="317716" cy="369332"/>
+          </a:xfrm>
+          <a:prstGeom prst="rect">
+            <a:avLst/>
+          </a:prstGeom>
+          <a:noFill/>
+        </p:spPr>
+        <p:txBody>
+          <a:bodyPr wrap="none" rtlCol="0">
+            <a:spAutoFit/>
+          </a:bodyPr>
+          <a:lstStyle/>
+          <a:p>
+            <a:r>
+              <a:rPr lang="en-AU" dirty="0"/>
+              <a:t>A</a:t>
+            </a:r>
+          </a:p>
+        </p:txBody>
+      </p:sp>
+      <p:sp>
+        <p:nvSpPr>
+          <p:cNvPr id="10" name="TextBox 9">
+            <a:extLst>
+              <a:ext uri="{FF2B5EF4-FFF2-40B4-BE49-F238E27FC236}">
+                <a16:creationId xmlns:a16="http://schemas.microsoft.com/office/drawing/2014/main" id="{FD053D0D-32AF-4765-B66B-1D5DE6B79D28}"/>
+              </a:ext>
+            </a:extLst>
+          </p:cNvPr>
+          <p:cNvSpPr txBox="1"/>
+          <p:nvPr/>
+        </p:nvSpPr>
+        <p:spPr>
+          <a:xfrm>
+            <a:off x="9389835" y="5584115"/>
+            <a:ext cx="309700" cy="369332"/>
+          </a:xfrm>
+          <a:prstGeom prst="rect">
+            <a:avLst/>
+          </a:prstGeom>
+          <a:noFill/>
+        </p:spPr>
+        <p:txBody>
+          <a:bodyPr wrap="none" rtlCol="0">
+            <a:spAutoFit/>
+          </a:bodyPr>
+          <a:lstStyle/>
+          <a:p>
+            <a:r>
+              <a:rPr lang="en-AU" dirty="0"/>
+              <a:t>B</a:t>
+            </a:r>
+          </a:p>
+        </p:txBody>
+      </p:sp>
+      <p:sp>
+        <p:nvSpPr>
+          <p:cNvPr id="11" name="TextBox 10">
+            <a:extLst>
+              <a:ext uri="{FF2B5EF4-FFF2-40B4-BE49-F238E27FC236}">
+                <a16:creationId xmlns:a16="http://schemas.microsoft.com/office/drawing/2014/main" id="{027B1185-37A5-428E-BAB4-82DF2CFE1C0C}"/>
+              </a:ext>
+            </a:extLst>
+          </p:cNvPr>
+          <p:cNvSpPr txBox="1"/>
+          <p:nvPr/>
+        </p:nvSpPr>
+        <p:spPr>
+          <a:xfrm>
+            <a:off x="5941186" y="3226992"/>
+            <a:ext cx="308098" cy="369332"/>
+          </a:xfrm>
+          <a:prstGeom prst="rect">
+            <a:avLst/>
+          </a:prstGeom>
+          <a:noFill/>
+        </p:spPr>
+        <p:txBody>
+          <a:bodyPr wrap="none" rtlCol="0">
+            <a:spAutoFit/>
+          </a:bodyPr>
+          <a:lstStyle/>
+          <a:p>
+            <a:r>
+              <a:rPr lang="en-AU" dirty="0"/>
+              <a:t>C</a:t>
+            </a:r>
+          </a:p>
+        </p:txBody>
+      </p:sp>
+      <p:sp>
+        <p:nvSpPr>
+          <p:cNvPr id="12" name="TextBox 11">
+            <a:extLst>
+              <a:ext uri="{FF2B5EF4-FFF2-40B4-BE49-F238E27FC236}">
+                <a16:creationId xmlns:a16="http://schemas.microsoft.com/office/drawing/2014/main" id="{790FB73C-834B-4316-A505-708FB73551D4}"/>
+              </a:ext>
+            </a:extLst>
+          </p:cNvPr>
+          <p:cNvSpPr txBox="1"/>
+          <p:nvPr/>
+        </p:nvSpPr>
+        <p:spPr>
+          <a:xfrm>
+            <a:off x="9544685" y="8575396"/>
+            <a:ext cx="327334" cy="369332"/>
+          </a:xfrm>
+          <a:prstGeom prst="rect">
+            <a:avLst/>
+          </a:prstGeom>
+          <a:noFill/>
+        </p:spPr>
+        <p:txBody>
+          <a:bodyPr wrap="none" rtlCol="0">
+            <a:spAutoFit/>
+          </a:bodyPr>
+          <a:lstStyle/>
+          <a:p>
+            <a:r>
+              <a:rPr lang="en-AU" dirty="0"/>
+              <a:t>D</a:t>
+            </a:r>
+          </a:p>
+        </p:txBody>
+      </p:sp>
+      <p:sp>
+        <p:nvSpPr>
+          <p:cNvPr id="13" name="TextBox 12">
+            <a:extLst>
+              <a:ext uri="{FF2B5EF4-FFF2-40B4-BE49-F238E27FC236}">
+                <a16:creationId xmlns:a16="http://schemas.microsoft.com/office/drawing/2014/main" id="{7C938D7E-A6C9-4E5C-BA00-64916A4EC229}"/>
+              </a:ext>
+            </a:extLst>
+          </p:cNvPr>
+          <p:cNvSpPr txBox="1"/>
+          <p:nvPr/>
+        </p:nvSpPr>
+        <p:spPr>
+          <a:xfrm>
+            <a:off x="8725527" y="2538068"/>
+            <a:ext cx="296876" cy="369332"/>
+          </a:xfrm>
+          <a:prstGeom prst="rect">
+            <a:avLst/>
+          </a:prstGeom>
+          <a:noFill/>
+        </p:spPr>
+        <p:txBody>
+          <a:bodyPr wrap="none" rtlCol="0">
+            <a:spAutoFit/>
+          </a:bodyPr>
+          <a:lstStyle/>
+          <a:p>
+            <a:r>
+              <a:rPr lang="en-AU" dirty="0"/>
+              <a:t>E</a:t>
+            </a:r>
+          </a:p>
+        </p:txBody>
+      </p:sp>
+      <p:sp>
+        <p:nvSpPr>
+          <p:cNvPr id="15" name="TextBox 14">
+            <a:extLst>
+              <a:ext uri="{FF2B5EF4-FFF2-40B4-BE49-F238E27FC236}">
+                <a16:creationId xmlns:a16="http://schemas.microsoft.com/office/drawing/2014/main" id="{1DAB02DA-2269-47FC-8576-34F641873D21}"/>
+              </a:ext>
+            </a:extLst>
+          </p:cNvPr>
+          <p:cNvSpPr txBox="1"/>
+          <p:nvPr/>
+        </p:nvSpPr>
+        <p:spPr>
+          <a:xfrm>
+            <a:off x="3120279" y="4634539"/>
+            <a:ext cx="290464" cy="369332"/>
+          </a:xfrm>
+          <a:prstGeom prst="rect">
+            <a:avLst/>
+          </a:prstGeom>
+          <a:noFill/>
+        </p:spPr>
+        <p:txBody>
+          <a:bodyPr wrap="none" rtlCol="0">
+            <a:spAutoFit/>
+          </a:bodyPr>
+          <a:lstStyle/>
+          <a:p>
+            <a:r>
+              <a:rPr lang="en-AU" dirty="0"/>
+              <a:t>F</a:t>
+            </a:r>
+          </a:p>
+        </p:txBody>
+      </p:sp>
+    </p:spTree>
+    <p:extLst>
+      <p:ext uri="{BB962C8B-B14F-4D97-AF65-F5344CB8AC3E}">
+        <p14:creationId xmlns:p14="http://schemas.microsoft.com/office/powerpoint/2010/main" val="4187549447"/>
+      </p:ext>
+    </p:extLst>
+  </p:cSld>
+  <p:clrMapOvr>
+    <a:masterClrMapping/>
+  </p:clrMapOvr>
+</p:sld>
+</file>
+
+<file path=ppt/slides/slide2.xml><?xml version="1.0" encoding="utf-8"?>
+<p:sld xmlns:a="http://schemas.openxmlformats.org/drawingml/2006/main" xmlns:r="http://schemas.openxmlformats.org/officeDocument/2006/relationships" xmlns:p="http://schemas.openxmlformats.org/presentationml/2006/main">
+  <p:cSld>
+    <p:spTree>
+      <p:nvGrpSpPr>
+        <p:cNvPr id="1" name=""/>
+        <p:cNvGrpSpPr/>
+        <p:nvPr/>
+      </p:nvGrpSpPr>
+      <p:grpSpPr>
+        <a:xfrm>
+          <a:off x="0" y="0"/>
+          <a:ext cx="0" cy="0"/>
+          <a:chOff x="0" y="0"/>
+          <a:chExt cx="0" cy="0"/>
+        </a:xfrm>
+      </p:grpSpPr>
+      <p:sp>
+        <p:nvSpPr>
+          <p:cNvPr id="4" name="Rectangle 3">
+            <a:extLst>
+              <a:ext uri="{FF2B5EF4-FFF2-40B4-BE49-F238E27FC236}">
+                <a16:creationId xmlns:a16="http://schemas.microsoft.com/office/drawing/2014/main" id="{DB8969E4-E153-4F5D-86F8-793B4E237C0F}"/>
+              </a:ext>
+            </a:extLst>
+          </p:cNvPr>
+          <p:cNvSpPr/>
+          <p:nvPr/>
+        </p:nvSpPr>
+        <p:spPr>
+          <a:xfrm>
+            <a:off x="2757054" y="3422072"/>
+            <a:ext cx="1690255" cy="1219200"/>
           </a:xfrm>
           <a:prstGeom prst="rect">
             <a:avLst/>
@@ -4640,9 +6599,51 @@
                   <a:schemeClr val="tx1"/>
                 </a:solidFill>
               </a:rPr>
-              <a:t>Critical,</a:t>
-            </a:r>
-          </a:p>
+              <a:t>Dash</a:t>
+            </a:r>
+          </a:p>
+        </p:txBody>
+      </p:sp>
+      <p:sp>
+        <p:nvSpPr>
+          <p:cNvPr id="5" name="Rectangle 4">
+            <a:extLst>
+              <a:ext uri="{FF2B5EF4-FFF2-40B4-BE49-F238E27FC236}">
+                <a16:creationId xmlns:a16="http://schemas.microsoft.com/office/drawing/2014/main" id="{DAC4BFF2-1837-4B85-A6E7-A1BE8ADF6990}"/>
+              </a:ext>
+            </a:extLst>
+          </p:cNvPr>
+          <p:cNvSpPr/>
+          <p:nvPr/>
+        </p:nvSpPr>
+        <p:spPr>
+          <a:xfrm>
+            <a:off x="8765019" y="3422072"/>
+            <a:ext cx="1690255" cy="1219200"/>
+          </a:xfrm>
+          <a:prstGeom prst="rect">
+            <a:avLst/>
+          </a:prstGeom>
+        </p:spPr>
+        <p:style>
+          <a:lnRef idx="2">
+            <a:schemeClr val="accent3">
+              <a:shade val="50000"/>
+            </a:schemeClr>
+          </a:lnRef>
+          <a:fillRef idx="1">
+            <a:schemeClr val="accent3"/>
+          </a:fillRef>
+          <a:effectRef idx="0">
+            <a:schemeClr val="accent3"/>
+          </a:effectRef>
+          <a:fontRef idx="minor">
+            <a:schemeClr val="lt1"/>
+          </a:fontRef>
+        </p:style>
+        <p:txBody>
+          <a:bodyPr rtlCol="0" anchor="ctr"/>
+          <a:lstStyle/>
           <a:p>
             <a:pPr algn="ctr"/>
             <a:r>
@@ -4651,7 +6652,1422 @@
                   <a:schemeClr val="tx1"/>
                 </a:solidFill>
               </a:rPr>
-              <a:t>Contains Circuits</a:t>
+              <a:t>Rear Control Hub</a:t>
+            </a:r>
+          </a:p>
+        </p:txBody>
+      </p:sp>
+      <p:sp>
+        <p:nvSpPr>
+          <p:cNvPr id="6" name="Rectangle 5">
+            <a:extLst>
+              <a:ext uri="{FF2B5EF4-FFF2-40B4-BE49-F238E27FC236}">
+                <a16:creationId xmlns:a16="http://schemas.microsoft.com/office/drawing/2014/main" id="{69DEA372-D2B3-43D0-95A4-D505B2F91F0B}"/>
+              </a:ext>
+            </a:extLst>
+          </p:cNvPr>
+          <p:cNvSpPr/>
+          <p:nvPr/>
+        </p:nvSpPr>
+        <p:spPr>
+          <a:xfrm>
+            <a:off x="8747556" y="6698670"/>
+            <a:ext cx="1690255" cy="1219200"/>
+          </a:xfrm>
+          <a:prstGeom prst="rect">
+            <a:avLst/>
+          </a:prstGeom>
+        </p:spPr>
+        <p:style>
+          <a:lnRef idx="2">
+            <a:schemeClr val="accent3">
+              <a:shade val="50000"/>
+            </a:schemeClr>
+          </a:lnRef>
+          <a:fillRef idx="1">
+            <a:schemeClr val="accent3"/>
+          </a:fillRef>
+          <a:effectRef idx="0">
+            <a:schemeClr val="accent3"/>
+          </a:effectRef>
+          <a:fontRef idx="minor">
+            <a:schemeClr val="lt1"/>
+          </a:fontRef>
+        </p:style>
+        <p:txBody>
+          <a:bodyPr rtlCol="0" anchor="ctr"/>
+          <a:lstStyle/>
+          <a:p>
+            <a:pPr algn="ctr"/>
+            <a:r>
+              <a:rPr lang="en-AU" dirty="0">
+                <a:solidFill>
+                  <a:schemeClr val="tx1"/>
+                </a:solidFill>
+              </a:rPr>
+              <a:t>HVD</a:t>
+            </a:r>
+          </a:p>
+        </p:txBody>
+      </p:sp>
+      <p:sp>
+        <p:nvSpPr>
+          <p:cNvPr id="7" name="Rectangle 6">
+            <a:extLst>
+              <a:ext uri="{FF2B5EF4-FFF2-40B4-BE49-F238E27FC236}">
+                <a16:creationId xmlns:a16="http://schemas.microsoft.com/office/drawing/2014/main" id="{E1D9E731-DA09-4425-891B-6730FA972C39}"/>
+              </a:ext>
+            </a:extLst>
+          </p:cNvPr>
+          <p:cNvSpPr/>
+          <p:nvPr/>
+        </p:nvSpPr>
+        <p:spPr>
+          <a:xfrm>
+            <a:off x="12760466" y="6698670"/>
+            <a:ext cx="1690255" cy="1219200"/>
+          </a:xfrm>
+          <a:prstGeom prst="rect">
+            <a:avLst/>
+          </a:prstGeom>
+        </p:spPr>
+        <p:style>
+          <a:lnRef idx="2">
+            <a:schemeClr val="accent3">
+              <a:shade val="50000"/>
+            </a:schemeClr>
+          </a:lnRef>
+          <a:fillRef idx="1">
+            <a:schemeClr val="accent3"/>
+          </a:fillRef>
+          <a:effectRef idx="0">
+            <a:schemeClr val="accent3"/>
+          </a:effectRef>
+          <a:fontRef idx="minor">
+            <a:schemeClr val="lt1"/>
+          </a:fontRef>
+        </p:style>
+        <p:txBody>
+          <a:bodyPr rtlCol="0" anchor="ctr"/>
+          <a:lstStyle/>
+          <a:p>
+            <a:pPr algn="ctr"/>
+            <a:r>
+              <a:rPr lang="en-AU" dirty="0">
+                <a:solidFill>
+                  <a:schemeClr val="tx1"/>
+                </a:solidFill>
+              </a:rPr>
+              <a:t>Accumulator</a:t>
+            </a:r>
+          </a:p>
+        </p:txBody>
+      </p:sp>
+      <p:sp>
+        <p:nvSpPr>
+          <p:cNvPr id="8" name="Oval 7">
+            <a:extLst>
+              <a:ext uri="{FF2B5EF4-FFF2-40B4-BE49-F238E27FC236}">
+                <a16:creationId xmlns:a16="http://schemas.microsoft.com/office/drawing/2014/main" id="{40E27CD7-4A59-4EDB-A16B-CAF101535584}"/>
+              </a:ext>
+            </a:extLst>
+          </p:cNvPr>
+          <p:cNvSpPr/>
+          <p:nvPr/>
+        </p:nvSpPr>
+        <p:spPr>
+          <a:xfrm>
+            <a:off x="2816078" y="1122218"/>
+            <a:ext cx="1565564" cy="1011382"/>
+          </a:xfrm>
+          <a:prstGeom prst="ellipse">
+            <a:avLst/>
+          </a:prstGeom>
+        </p:spPr>
+        <p:style>
+          <a:lnRef idx="2">
+            <a:schemeClr val="dk1"/>
+          </a:lnRef>
+          <a:fillRef idx="1">
+            <a:schemeClr val="lt1"/>
+          </a:fillRef>
+          <a:effectRef idx="0">
+            <a:schemeClr val="dk1"/>
+          </a:effectRef>
+          <a:fontRef idx="minor">
+            <a:schemeClr val="dk1"/>
+          </a:fontRef>
+        </p:style>
+        <p:txBody>
+          <a:bodyPr rtlCol="0" anchor="ctr"/>
+          <a:lstStyle/>
+          <a:p>
+            <a:pPr algn="ctr"/>
+            <a:r>
+              <a:rPr lang="en-AU" sz="1600" dirty="0"/>
+              <a:t>Steering Wheel</a:t>
+            </a:r>
+          </a:p>
+        </p:txBody>
+      </p:sp>
+      <p:sp>
+        <p:nvSpPr>
+          <p:cNvPr id="9" name="Oval 8">
+            <a:extLst>
+              <a:ext uri="{FF2B5EF4-FFF2-40B4-BE49-F238E27FC236}">
+                <a16:creationId xmlns:a16="http://schemas.microsoft.com/office/drawing/2014/main" id="{19F2A4AD-02B5-49CE-B33A-0B31977FDD3C}"/>
+              </a:ext>
+            </a:extLst>
+          </p:cNvPr>
+          <p:cNvSpPr/>
+          <p:nvPr/>
+        </p:nvSpPr>
+        <p:spPr>
+          <a:xfrm>
+            <a:off x="2819399" y="5929744"/>
+            <a:ext cx="1565564" cy="1011382"/>
+          </a:xfrm>
+          <a:prstGeom prst="ellipse">
+            <a:avLst/>
+          </a:prstGeom>
+          <a:solidFill>
+            <a:schemeClr val="bg2"/>
+          </a:solidFill>
+        </p:spPr>
+        <p:style>
+          <a:lnRef idx="2">
+            <a:schemeClr val="dk1"/>
+          </a:lnRef>
+          <a:fillRef idx="1">
+            <a:schemeClr val="lt1"/>
+          </a:fillRef>
+          <a:effectRef idx="0">
+            <a:schemeClr val="dk1"/>
+          </a:effectRef>
+          <a:fontRef idx="minor">
+            <a:schemeClr val="dk1"/>
+          </a:fontRef>
+        </p:style>
+        <p:txBody>
+          <a:bodyPr rtlCol="0" anchor="ctr"/>
+          <a:lstStyle/>
+          <a:p>
+            <a:pPr algn="ctr"/>
+            <a:r>
+              <a:rPr lang="en-AU" sz="1600" dirty="0" err="1"/>
+              <a:t>Pedalbox</a:t>
+            </a:r>
+            <a:endParaRPr lang="en-AU" sz="1600" dirty="0"/>
+          </a:p>
+        </p:txBody>
+      </p:sp>
+      <p:cxnSp>
+        <p:nvCxnSpPr>
+          <p:cNvPr id="11" name="Straight Connector 10">
+            <a:extLst>
+              <a:ext uri="{FF2B5EF4-FFF2-40B4-BE49-F238E27FC236}">
+                <a16:creationId xmlns:a16="http://schemas.microsoft.com/office/drawing/2014/main" id="{0EAFA67A-557E-49CB-AB6A-D52F4DAED385}"/>
+              </a:ext>
+            </a:extLst>
+          </p:cNvPr>
+          <p:cNvCxnSpPr>
+            <a:stCxn id="5" idx="2"/>
+            <a:endCxn id="6" idx="0"/>
+          </p:cNvCxnSpPr>
+          <p:nvPr/>
+        </p:nvCxnSpPr>
+        <p:spPr>
+          <a:xfrm flipH="1">
+            <a:off x="9592684" y="4641272"/>
+            <a:ext cx="17463" cy="2057398"/>
+          </a:xfrm>
+          <a:prstGeom prst="line">
+            <a:avLst/>
+          </a:prstGeom>
+        </p:spPr>
+        <p:style>
+          <a:lnRef idx="1">
+            <a:schemeClr val="dk1"/>
+          </a:lnRef>
+          <a:fillRef idx="0">
+            <a:schemeClr val="dk1"/>
+          </a:fillRef>
+          <a:effectRef idx="0">
+            <a:schemeClr val="dk1"/>
+          </a:effectRef>
+          <a:fontRef idx="minor">
+            <a:schemeClr val="tx1"/>
+          </a:fontRef>
+        </p:style>
+      </p:cxnSp>
+      <p:cxnSp>
+        <p:nvCxnSpPr>
+          <p:cNvPr id="13" name="Straight Connector 12">
+            <a:extLst>
+              <a:ext uri="{FF2B5EF4-FFF2-40B4-BE49-F238E27FC236}">
+                <a16:creationId xmlns:a16="http://schemas.microsoft.com/office/drawing/2014/main" id="{260C2408-0C72-4920-9B51-909E67543C3A}"/>
+              </a:ext>
+            </a:extLst>
+          </p:cNvPr>
+          <p:cNvCxnSpPr>
+            <a:cxnSpLocks/>
+            <a:stCxn id="4" idx="3"/>
+            <a:endCxn id="5" idx="1"/>
+          </p:cNvCxnSpPr>
+          <p:nvPr/>
+        </p:nvCxnSpPr>
+        <p:spPr>
+          <a:xfrm>
+            <a:off x="4447309" y="4031672"/>
+            <a:ext cx="4317710" cy="0"/>
+          </a:xfrm>
+          <a:prstGeom prst="line">
+            <a:avLst/>
+          </a:prstGeom>
+        </p:spPr>
+        <p:style>
+          <a:lnRef idx="1">
+            <a:schemeClr val="dk1"/>
+          </a:lnRef>
+          <a:fillRef idx="0">
+            <a:schemeClr val="dk1"/>
+          </a:fillRef>
+          <a:effectRef idx="0">
+            <a:schemeClr val="dk1"/>
+          </a:effectRef>
+          <a:fontRef idx="minor">
+            <a:schemeClr val="tx1"/>
+          </a:fontRef>
+        </p:style>
+      </p:cxnSp>
+      <p:cxnSp>
+        <p:nvCxnSpPr>
+          <p:cNvPr id="15" name="Straight Connector 14">
+            <a:extLst>
+              <a:ext uri="{FF2B5EF4-FFF2-40B4-BE49-F238E27FC236}">
+                <a16:creationId xmlns:a16="http://schemas.microsoft.com/office/drawing/2014/main" id="{8B9F4C32-EAE3-4423-915E-19A3F1096680}"/>
+              </a:ext>
+            </a:extLst>
+          </p:cNvPr>
+          <p:cNvCxnSpPr>
+            <a:stCxn id="6" idx="3"/>
+            <a:endCxn id="7" idx="1"/>
+          </p:cNvCxnSpPr>
+          <p:nvPr/>
+        </p:nvCxnSpPr>
+        <p:spPr>
+          <a:xfrm>
+            <a:off x="10437811" y="7308270"/>
+            <a:ext cx="2322655" cy="0"/>
+          </a:xfrm>
+          <a:prstGeom prst="line">
+            <a:avLst/>
+          </a:prstGeom>
+        </p:spPr>
+        <p:style>
+          <a:lnRef idx="1">
+            <a:schemeClr val="dk1"/>
+          </a:lnRef>
+          <a:fillRef idx="0">
+            <a:schemeClr val="dk1"/>
+          </a:fillRef>
+          <a:effectRef idx="0">
+            <a:schemeClr val="dk1"/>
+          </a:effectRef>
+          <a:fontRef idx="minor">
+            <a:schemeClr val="tx1"/>
+          </a:fontRef>
+        </p:style>
+      </p:cxnSp>
+      <p:sp>
+        <p:nvSpPr>
+          <p:cNvPr id="17" name="Oval 16">
+            <a:extLst>
+              <a:ext uri="{FF2B5EF4-FFF2-40B4-BE49-F238E27FC236}">
+                <a16:creationId xmlns:a16="http://schemas.microsoft.com/office/drawing/2014/main" id="{11391090-5835-4486-B809-E9493151150D}"/>
+              </a:ext>
+            </a:extLst>
+          </p:cNvPr>
+          <p:cNvSpPr/>
+          <p:nvPr/>
+        </p:nvSpPr>
+        <p:spPr>
+          <a:xfrm>
+            <a:off x="9816378" y="9026234"/>
+            <a:ext cx="1565564" cy="1011382"/>
+          </a:xfrm>
+          <a:prstGeom prst="ellipse">
+            <a:avLst/>
+          </a:prstGeom>
+          <a:solidFill>
+            <a:schemeClr val="bg2"/>
+          </a:solidFill>
+        </p:spPr>
+        <p:style>
+          <a:lnRef idx="2">
+            <a:schemeClr val="dk1"/>
+          </a:lnRef>
+          <a:fillRef idx="1">
+            <a:schemeClr val="lt1"/>
+          </a:fillRef>
+          <a:effectRef idx="0">
+            <a:schemeClr val="dk1"/>
+          </a:effectRef>
+          <a:fontRef idx="minor">
+            <a:schemeClr val="dk1"/>
+          </a:fontRef>
+        </p:style>
+        <p:txBody>
+          <a:bodyPr rtlCol="0" anchor="ctr"/>
+          <a:lstStyle/>
+          <a:p>
+            <a:pPr algn="ctr"/>
+            <a:r>
+              <a:rPr lang="en-AU" sz="1600" dirty="0"/>
+              <a:t>MC Right</a:t>
+            </a:r>
+          </a:p>
+        </p:txBody>
+      </p:sp>
+      <p:sp>
+        <p:nvSpPr>
+          <p:cNvPr id="18" name="Oval 17">
+            <a:extLst>
+              <a:ext uri="{FF2B5EF4-FFF2-40B4-BE49-F238E27FC236}">
+                <a16:creationId xmlns:a16="http://schemas.microsoft.com/office/drawing/2014/main" id="{F4FE3E2B-5FF5-4888-A7D0-AD6C02AD6F14}"/>
+              </a:ext>
+            </a:extLst>
+          </p:cNvPr>
+          <p:cNvSpPr/>
+          <p:nvPr/>
+        </p:nvSpPr>
+        <p:spPr>
+          <a:xfrm>
+            <a:off x="7824210" y="9026234"/>
+            <a:ext cx="1565564" cy="1011382"/>
+          </a:xfrm>
+          <a:prstGeom prst="ellipse">
+            <a:avLst/>
+          </a:prstGeom>
+          <a:solidFill>
+            <a:schemeClr val="bg2"/>
+          </a:solidFill>
+        </p:spPr>
+        <p:style>
+          <a:lnRef idx="2">
+            <a:schemeClr val="dk1"/>
+          </a:lnRef>
+          <a:fillRef idx="1">
+            <a:schemeClr val="lt1"/>
+          </a:fillRef>
+          <a:effectRef idx="0">
+            <a:schemeClr val="dk1"/>
+          </a:effectRef>
+          <a:fontRef idx="minor">
+            <a:schemeClr val="dk1"/>
+          </a:fontRef>
+        </p:style>
+        <p:txBody>
+          <a:bodyPr rtlCol="0" anchor="ctr"/>
+          <a:lstStyle/>
+          <a:p>
+            <a:pPr algn="ctr"/>
+            <a:r>
+              <a:rPr lang="en-AU" sz="1600" dirty="0"/>
+              <a:t>MC Left</a:t>
+            </a:r>
+          </a:p>
+        </p:txBody>
+      </p:sp>
+      <p:cxnSp>
+        <p:nvCxnSpPr>
+          <p:cNvPr id="20" name="Straight Connector 19">
+            <a:extLst>
+              <a:ext uri="{FF2B5EF4-FFF2-40B4-BE49-F238E27FC236}">
+                <a16:creationId xmlns:a16="http://schemas.microsoft.com/office/drawing/2014/main" id="{0CA3B210-26EF-44D1-B91B-7920B60D7A12}"/>
+              </a:ext>
+            </a:extLst>
+          </p:cNvPr>
+          <p:cNvCxnSpPr>
+            <a:stCxn id="6" idx="2"/>
+          </p:cNvCxnSpPr>
+          <p:nvPr/>
+        </p:nvCxnSpPr>
+        <p:spPr>
+          <a:xfrm flipH="1">
+            <a:off x="9592683" y="7917870"/>
+            <a:ext cx="1" cy="609600"/>
+          </a:xfrm>
+          <a:prstGeom prst="line">
+            <a:avLst/>
+          </a:prstGeom>
+        </p:spPr>
+        <p:style>
+          <a:lnRef idx="1">
+            <a:schemeClr val="dk1"/>
+          </a:lnRef>
+          <a:fillRef idx="0">
+            <a:schemeClr val="dk1"/>
+          </a:fillRef>
+          <a:effectRef idx="0">
+            <a:schemeClr val="dk1"/>
+          </a:effectRef>
+          <a:fontRef idx="minor">
+            <a:schemeClr val="tx1"/>
+          </a:fontRef>
+        </p:style>
+      </p:cxnSp>
+      <p:cxnSp>
+        <p:nvCxnSpPr>
+          <p:cNvPr id="22" name="Straight Connector 21">
+            <a:extLst>
+              <a:ext uri="{FF2B5EF4-FFF2-40B4-BE49-F238E27FC236}">
+                <a16:creationId xmlns:a16="http://schemas.microsoft.com/office/drawing/2014/main" id="{09E88269-2A84-43C9-83AD-B63619CFE263}"/>
+              </a:ext>
+            </a:extLst>
+          </p:cNvPr>
+          <p:cNvCxnSpPr>
+            <a:stCxn id="18" idx="0"/>
+          </p:cNvCxnSpPr>
+          <p:nvPr/>
+        </p:nvCxnSpPr>
+        <p:spPr>
+          <a:xfrm flipV="1">
+            <a:off x="8606992" y="8527470"/>
+            <a:ext cx="0" cy="498764"/>
+          </a:xfrm>
+          <a:prstGeom prst="line">
+            <a:avLst/>
+          </a:prstGeom>
+        </p:spPr>
+        <p:style>
+          <a:lnRef idx="1">
+            <a:schemeClr val="dk1"/>
+          </a:lnRef>
+          <a:fillRef idx="0">
+            <a:schemeClr val="dk1"/>
+          </a:fillRef>
+          <a:effectRef idx="0">
+            <a:schemeClr val="dk1"/>
+          </a:effectRef>
+          <a:fontRef idx="minor">
+            <a:schemeClr val="tx1"/>
+          </a:fontRef>
+        </p:style>
+      </p:cxnSp>
+      <p:cxnSp>
+        <p:nvCxnSpPr>
+          <p:cNvPr id="24" name="Straight Connector 23">
+            <a:extLst>
+              <a:ext uri="{FF2B5EF4-FFF2-40B4-BE49-F238E27FC236}">
+                <a16:creationId xmlns:a16="http://schemas.microsoft.com/office/drawing/2014/main" id="{75E69A45-A3B0-42AF-85E8-0F13D4A1BCB5}"/>
+              </a:ext>
+            </a:extLst>
+          </p:cNvPr>
+          <p:cNvCxnSpPr>
+            <a:cxnSpLocks/>
+          </p:cNvCxnSpPr>
+          <p:nvPr/>
+        </p:nvCxnSpPr>
+        <p:spPr>
+          <a:xfrm flipH="1">
+            <a:off x="8606992" y="8527470"/>
+            <a:ext cx="985692" cy="0"/>
+          </a:xfrm>
+          <a:prstGeom prst="line">
+            <a:avLst/>
+          </a:prstGeom>
+        </p:spPr>
+        <p:style>
+          <a:lnRef idx="1">
+            <a:schemeClr val="dk1"/>
+          </a:lnRef>
+          <a:fillRef idx="0">
+            <a:schemeClr val="dk1"/>
+          </a:fillRef>
+          <a:effectRef idx="0">
+            <a:schemeClr val="dk1"/>
+          </a:effectRef>
+          <a:fontRef idx="minor">
+            <a:schemeClr val="tx1"/>
+          </a:fontRef>
+        </p:style>
+      </p:cxnSp>
+      <p:cxnSp>
+        <p:nvCxnSpPr>
+          <p:cNvPr id="27" name="Straight Connector 26">
+            <a:extLst>
+              <a:ext uri="{FF2B5EF4-FFF2-40B4-BE49-F238E27FC236}">
+                <a16:creationId xmlns:a16="http://schemas.microsoft.com/office/drawing/2014/main" id="{1ACFD10F-1896-42C7-AE9C-5CBF78A692E0}"/>
+              </a:ext>
+            </a:extLst>
+          </p:cNvPr>
+          <p:cNvCxnSpPr>
+            <a:cxnSpLocks/>
+          </p:cNvCxnSpPr>
+          <p:nvPr/>
+        </p:nvCxnSpPr>
+        <p:spPr>
+          <a:xfrm>
+            <a:off x="9592683" y="8527470"/>
+            <a:ext cx="1006477" cy="0"/>
+          </a:xfrm>
+          <a:prstGeom prst="line">
+            <a:avLst/>
+          </a:prstGeom>
+        </p:spPr>
+        <p:style>
+          <a:lnRef idx="1">
+            <a:schemeClr val="dk1"/>
+          </a:lnRef>
+          <a:fillRef idx="0">
+            <a:schemeClr val="dk1"/>
+          </a:fillRef>
+          <a:effectRef idx="0">
+            <a:schemeClr val="dk1"/>
+          </a:effectRef>
+          <a:fontRef idx="minor">
+            <a:schemeClr val="tx1"/>
+          </a:fontRef>
+        </p:style>
+      </p:cxnSp>
+      <p:cxnSp>
+        <p:nvCxnSpPr>
+          <p:cNvPr id="29" name="Straight Connector 28">
+            <a:extLst>
+              <a:ext uri="{FF2B5EF4-FFF2-40B4-BE49-F238E27FC236}">
+                <a16:creationId xmlns:a16="http://schemas.microsoft.com/office/drawing/2014/main" id="{A2B0655D-E012-4B3B-B01C-D3AEBBD11897}"/>
+              </a:ext>
+            </a:extLst>
+          </p:cNvPr>
+          <p:cNvCxnSpPr>
+            <a:stCxn id="17" idx="0"/>
+          </p:cNvCxnSpPr>
+          <p:nvPr/>
+        </p:nvCxnSpPr>
+        <p:spPr>
+          <a:xfrm flipV="1">
+            <a:off x="10599160" y="8527470"/>
+            <a:ext cx="0" cy="498764"/>
+          </a:xfrm>
+          <a:prstGeom prst="line">
+            <a:avLst/>
+          </a:prstGeom>
+        </p:spPr>
+        <p:style>
+          <a:lnRef idx="1">
+            <a:schemeClr val="dk1"/>
+          </a:lnRef>
+          <a:fillRef idx="0">
+            <a:schemeClr val="dk1"/>
+          </a:fillRef>
+          <a:effectRef idx="0">
+            <a:schemeClr val="dk1"/>
+          </a:effectRef>
+          <a:fontRef idx="minor">
+            <a:schemeClr val="tx1"/>
+          </a:fontRef>
+        </p:style>
+      </p:cxnSp>
+      <p:sp>
+        <p:nvSpPr>
+          <p:cNvPr id="31" name="Oval 30">
+            <a:extLst>
+              <a:ext uri="{FF2B5EF4-FFF2-40B4-BE49-F238E27FC236}">
+                <a16:creationId xmlns:a16="http://schemas.microsoft.com/office/drawing/2014/main" id="{B64BA538-B559-4CFE-9570-5F8FF20B66F6}"/>
+              </a:ext>
+            </a:extLst>
+          </p:cNvPr>
+          <p:cNvSpPr/>
+          <p:nvPr/>
+        </p:nvSpPr>
+        <p:spPr>
+          <a:xfrm>
+            <a:off x="7551737" y="1122218"/>
+            <a:ext cx="1565564" cy="1011382"/>
+          </a:xfrm>
+          <a:prstGeom prst="ellipse">
+            <a:avLst/>
+          </a:prstGeom>
+          <a:solidFill>
+            <a:schemeClr val="bg2"/>
+          </a:solidFill>
+        </p:spPr>
+        <p:style>
+          <a:lnRef idx="2">
+            <a:schemeClr val="dk1"/>
+          </a:lnRef>
+          <a:fillRef idx="1">
+            <a:schemeClr val="lt1"/>
+          </a:fillRef>
+          <a:effectRef idx="0">
+            <a:schemeClr val="dk1"/>
+          </a:effectRef>
+          <a:fontRef idx="minor">
+            <a:schemeClr val="dk1"/>
+          </a:fontRef>
+        </p:style>
+        <p:txBody>
+          <a:bodyPr rtlCol="0" anchor="ctr"/>
+          <a:lstStyle/>
+          <a:p>
+            <a:pPr algn="ctr"/>
+            <a:r>
+              <a:rPr lang="en-AU" sz="1600" dirty="0"/>
+              <a:t>Toblerone</a:t>
+            </a:r>
+          </a:p>
+        </p:txBody>
+      </p:sp>
+      <p:sp>
+        <p:nvSpPr>
+          <p:cNvPr id="37" name="Oval 36">
+            <a:extLst>
+              <a:ext uri="{FF2B5EF4-FFF2-40B4-BE49-F238E27FC236}">
+                <a16:creationId xmlns:a16="http://schemas.microsoft.com/office/drawing/2014/main" id="{9EB1260C-554A-481C-8873-E0C852C68A81}"/>
+              </a:ext>
+            </a:extLst>
+          </p:cNvPr>
+          <p:cNvSpPr/>
+          <p:nvPr/>
+        </p:nvSpPr>
+        <p:spPr>
+          <a:xfrm>
+            <a:off x="459941" y="4856017"/>
+            <a:ext cx="1565564" cy="1011382"/>
+          </a:xfrm>
+          <a:prstGeom prst="ellipse">
+            <a:avLst/>
+          </a:prstGeom>
+        </p:spPr>
+        <p:style>
+          <a:lnRef idx="2">
+            <a:schemeClr val="dk1"/>
+          </a:lnRef>
+          <a:fillRef idx="1">
+            <a:schemeClr val="lt1"/>
+          </a:fillRef>
+          <a:effectRef idx="0">
+            <a:schemeClr val="dk1"/>
+          </a:effectRef>
+          <a:fontRef idx="minor">
+            <a:schemeClr val="dk1"/>
+          </a:fontRef>
+        </p:style>
+        <p:txBody>
+          <a:bodyPr rtlCol="0" anchor="ctr"/>
+          <a:lstStyle/>
+          <a:p>
+            <a:pPr algn="ctr"/>
+            <a:r>
+              <a:rPr lang="en-AU" sz="1600" dirty="0"/>
+              <a:t>Sensor Hub FL</a:t>
+            </a:r>
+          </a:p>
+        </p:txBody>
+      </p:sp>
+      <p:sp>
+        <p:nvSpPr>
+          <p:cNvPr id="38" name="Oval 37">
+            <a:extLst>
+              <a:ext uri="{FF2B5EF4-FFF2-40B4-BE49-F238E27FC236}">
+                <a16:creationId xmlns:a16="http://schemas.microsoft.com/office/drawing/2014/main" id="{5FAB88CF-334D-49D2-B548-5B5CF7DCAD7A}"/>
+              </a:ext>
+            </a:extLst>
+          </p:cNvPr>
+          <p:cNvSpPr/>
+          <p:nvPr/>
+        </p:nvSpPr>
+        <p:spPr>
+          <a:xfrm>
+            <a:off x="459941" y="2750126"/>
+            <a:ext cx="1565564" cy="1011382"/>
+          </a:xfrm>
+          <a:prstGeom prst="ellipse">
+            <a:avLst/>
+          </a:prstGeom>
+        </p:spPr>
+        <p:style>
+          <a:lnRef idx="2">
+            <a:schemeClr val="dk1"/>
+          </a:lnRef>
+          <a:fillRef idx="1">
+            <a:schemeClr val="lt1"/>
+          </a:fillRef>
+          <a:effectRef idx="0">
+            <a:schemeClr val="dk1"/>
+          </a:effectRef>
+          <a:fontRef idx="minor">
+            <a:schemeClr val="dk1"/>
+          </a:fontRef>
+        </p:style>
+        <p:txBody>
+          <a:bodyPr rtlCol="0" anchor="ctr"/>
+          <a:lstStyle/>
+          <a:p>
+            <a:pPr algn="ctr"/>
+            <a:r>
+              <a:rPr lang="en-AU" sz="1600" dirty="0"/>
+              <a:t>Sensor Hub FR</a:t>
+            </a:r>
+          </a:p>
+        </p:txBody>
+      </p:sp>
+      <p:sp>
+        <p:nvSpPr>
+          <p:cNvPr id="39" name="Oval 38">
+            <a:extLst>
+              <a:ext uri="{FF2B5EF4-FFF2-40B4-BE49-F238E27FC236}">
+                <a16:creationId xmlns:a16="http://schemas.microsoft.com/office/drawing/2014/main" id="{47A696F9-4FA6-4CE3-B594-921092E67A0A}"/>
+              </a:ext>
+            </a:extLst>
+          </p:cNvPr>
+          <p:cNvSpPr/>
+          <p:nvPr/>
+        </p:nvSpPr>
+        <p:spPr>
+          <a:xfrm>
+            <a:off x="11937710" y="4592781"/>
+            <a:ext cx="1565564" cy="1011382"/>
+          </a:xfrm>
+          <a:prstGeom prst="ellipse">
+            <a:avLst/>
+          </a:prstGeom>
+        </p:spPr>
+        <p:style>
+          <a:lnRef idx="2">
+            <a:schemeClr val="dk1"/>
+          </a:lnRef>
+          <a:fillRef idx="1">
+            <a:schemeClr val="lt1"/>
+          </a:fillRef>
+          <a:effectRef idx="0">
+            <a:schemeClr val="dk1"/>
+          </a:effectRef>
+          <a:fontRef idx="minor">
+            <a:schemeClr val="dk1"/>
+          </a:fontRef>
+        </p:style>
+        <p:txBody>
+          <a:bodyPr rtlCol="0" anchor="ctr"/>
+          <a:lstStyle/>
+          <a:p>
+            <a:pPr algn="ctr"/>
+            <a:r>
+              <a:rPr lang="en-AU" sz="1600" dirty="0"/>
+              <a:t>Sensor Hub RL</a:t>
+            </a:r>
+          </a:p>
+        </p:txBody>
+      </p:sp>
+      <p:sp>
+        <p:nvSpPr>
+          <p:cNvPr id="40" name="Oval 39">
+            <a:extLst>
+              <a:ext uri="{FF2B5EF4-FFF2-40B4-BE49-F238E27FC236}">
+                <a16:creationId xmlns:a16="http://schemas.microsoft.com/office/drawing/2014/main" id="{FE55B84D-2517-482B-A510-0C068FE0403B}"/>
+              </a:ext>
+            </a:extLst>
+          </p:cNvPr>
+          <p:cNvSpPr/>
+          <p:nvPr/>
+        </p:nvSpPr>
+        <p:spPr>
+          <a:xfrm>
+            <a:off x="11937710" y="2486890"/>
+            <a:ext cx="1565564" cy="1011382"/>
+          </a:xfrm>
+          <a:prstGeom prst="ellipse">
+            <a:avLst/>
+          </a:prstGeom>
+        </p:spPr>
+        <p:style>
+          <a:lnRef idx="2">
+            <a:schemeClr val="dk1"/>
+          </a:lnRef>
+          <a:fillRef idx="1">
+            <a:schemeClr val="lt1"/>
+          </a:fillRef>
+          <a:effectRef idx="0">
+            <a:schemeClr val="dk1"/>
+          </a:effectRef>
+          <a:fontRef idx="minor">
+            <a:schemeClr val="dk1"/>
+          </a:fontRef>
+        </p:style>
+        <p:txBody>
+          <a:bodyPr rtlCol="0" anchor="ctr"/>
+          <a:lstStyle/>
+          <a:p>
+            <a:pPr algn="ctr"/>
+            <a:r>
+              <a:rPr lang="en-AU" sz="1600" dirty="0"/>
+              <a:t>Sensor Hub RR</a:t>
+            </a:r>
+          </a:p>
+        </p:txBody>
+      </p:sp>
+      <p:cxnSp>
+        <p:nvCxnSpPr>
+          <p:cNvPr id="42" name="Straight Connector 41">
+            <a:extLst>
+              <a:ext uri="{FF2B5EF4-FFF2-40B4-BE49-F238E27FC236}">
+                <a16:creationId xmlns:a16="http://schemas.microsoft.com/office/drawing/2014/main" id="{C8E3CC95-A4F4-43E0-82C5-722F357D97B4}"/>
+              </a:ext>
+            </a:extLst>
+          </p:cNvPr>
+          <p:cNvCxnSpPr>
+            <a:cxnSpLocks/>
+            <a:endCxn id="44" idx="0"/>
+          </p:cNvCxnSpPr>
+          <p:nvPr/>
+        </p:nvCxnSpPr>
+        <p:spPr>
+          <a:xfrm>
+            <a:off x="5581215" y="678872"/>
+            <a:ext cx="0" cy="9072540"/>
+          </a:xfrm>
+          <a:prstGeom prst="line">
+            <a:avLst/>
+          </a:prstGeom>
+          <a:ln w="28575" cap="flat" cmpd="sng" algn="ctr">
+            <a:solidFill>
+              <a:schemeClr val="accent2"/>
+            </a:solidFill>
+            <a:prstDash val="dash"/>
+            <a:round/>
+            <a:headEnd type="none" w="med" len="med"/>
+            <a:tailEnd type="none" w="med" len="med"/>
+          </a:ln>
+        </p:spPr>
+        <p:style>
+          <a:lnRef idx="0">
+            <a:scrgbClr r="0" g="0" b="0"/>
+          </a:lnRef>
+          <a:fillRef idx="0">
+            <a:scrgbClr r="0" g="0" b="0"/>
+          </a:fillRef>
+          <a:effectRef idx="0">
+            <a:scrgbClr r="0" g="0" b="0"/>
+          </a:effectRef>
+          <a:fontRef idx="minor">
+            <a:schemeClr val="tx1"/>
+          </a:fontRef>
+        </p:style>
+      </p:cxnSp>
+      <p:sp>
+        <p:nvSpPr>
+          <p:cNvPr id="44" name="TextBox 43">
+            <a:extLst>
+              <a:ext uri="{FF2B5EF4-FFF2-40B4-BE49-F238E27FC236}">
+                <a16:creationId xmlns:a16="http://schemas.microsoft.com/office/drawing/2014/main" id="{4E50D6C1-F698-4370-BCF2-A1C1ECEAEB04}"/>
+              </a:ext>
+            </a:extLst>
+          </p:cNvPr>
+          <p:cNvSpPr txBox="1"/>
+          <p:nvPr/>
+        </p:nvSpPr>
+        <p:spPr>
+          <a:xfrm>
+            <a:off x="5124359" y="9751412"/>
+            <a:ext cx="913712" cy="369332"/>
+          </a:xfrm>
+          <a:prstGeom prst="rect">
+            <a:avLst/>
+          </a:prstGeom>
+          <a:noFill/>
+        </p:spPr>
+        <p:txBody>
+          <a:bodyPr wrap="none" rtlCol="0">
+            <a:spAutoFit/>
+          </a:bodyPr>
+          <a:lstStyle/>
+          <a:p>
+            <a:r>
+              <a:rPr lang="en-AU" dirty="0"/>
+              <a:t>Firewall</a:t>
+            </a:r>
+          </a:p>
+        </p:txBody>
+      </p:sp>
+      <p:cxnSp>
+        <p:nvCxnSpPr>
+          <p:cNvPr id="46" name="Straight Connector 45">
+            <a:extLst>
+              <a:ext uri="{FF2B5EF4-FFF2-40B4-BE49-F238E27FC236}">
+                <a16:creationId xmlns:a16="http://schemas.microsoft.com/office/drawing/2014/main" id="{90F53B9D-45BA-43C2-BC16-DCE4CF0C265B}"/>
+              </a:ext>
+            </a:extLst>
+          </p:cNvPr>
+          <p:cNvCxnSpPr>
+            <a:cxnSpLocks/>
+            <a:stCxn id="31" idx="4"/>
+          </p:cNvCxnSpPr>
+          <p:nvPr/>
+        </p:nvCxnSpPr>
+        <p:spPr>
+          <a:xfrm>
+            <a:off x="8334519" y="2133600"/>
+            <a:ext cx="924502" cy="1295400"/>
+          </a:xfrm>
+          <a:prstGeom prst="line">
+            <a:avLst/>
+          </a:prstGeom>
+        </p:spPr>
+        <p:style>
+          <a:lnRef idx="1">
+            <a:schemeClr val="dk1"/>
+          </a:lnRef>
+          <a:fillRef idx="0">
+            <a:schemeClr val="dk1"/>
+          </a:fillRef>
+          <a:effectRef idx="0">
+            <a:schemeClr val="dk1"/>
+          </a:effectRef>
+          <a:fontRef idx="minor">
+            <a:schemeClr val="tx1"/>
+          </a:fontRef>
+        </p:style>
+      </p:cxnSp>
+      <p:cxnSp>
+        <p:nvCxnSpPr>
+          <p:cNvPr id="52" name="Straight Connector 51">
+            <a:extLst>
+              <a:ext uri="{FF2B5EF4-FFF2-40B4-BE49-F238E27FC236}">
+                <a16:creationId xmlns:a16="http://schemas.microsoft.com/office/drawing/2014/main" id="{B3B43902-9D6E-4817-B895-41F43F6C7C3D}"/>
+              </a:ext>
+            </a:extLst>
+          </p:cNvPr>
+          <p:cNvCxnSpPr>
+            <a:stCxn id="40" idx="2"/>
+          </p:cNvCxnSpPr>
+          <p:nvPr/>
+        </p:nvCxnSpPr>
+        <p:spPr>
+          <a:xfrm flipH="1">
+            <a:off x="10437811" y="2992581"/>
+            <a:ext cx="1499899" cy="768927"/>
+          </a:xfrm>
+          <a:prstGeom prst="line">
+            <a:avLst/>
+          </a:prstGeom>
+        </p:spPr>
+        <p:style>
+          <a:lnRef idx="1">
+            <a:schemeClr val="dk1"/>
+          </a:lnRef>
+          <a:fillRef idx="0">
+            <a:schemeClr val="dk1"/>
+          </a:fillRef>
+          <a:effectRef idx="0">
+            <a:schemeClr val="dk1"/>
+          </a:effectRef>
+          <a:fontRef idx="minor">
+            <a:schemeClr val="tx1"/>
+          </a:fontRef>
+        </p:style>
+      </p:cxnSp>
+      <p:cxnSp>
+        <p:nvCxnSpPr>
+          <p:cNvPr id="54" name="Straight Connector 53">
+            <a:extLst>
+              <a:ext uri="{FF2B5EF4-FFF2-40B4-BE49-F238E27FC236}">
+                <a16:creationId xmlns:a16="http://schemas.microsoft.com/office/drawing/2014/main" id="{E97F0E99-0A9B-49E6-A33B-9AA94919DBEA}"/>
+              </a:ext>
+            </a:extLst>
+          </p:cNvPr>
+          <p:cNvCxnSpPr>
+            <a:stCxn id="39" idx="2"/>
+          </p:cNvCxnSpPr>
+          <p:nvPr/>
+        </p:nvCxnSpPr>
+        <p:spPr>
+          <a:xfrm flipH="1" flipV="1">
+            <a:off x="10475261" y="4256809"/>
+            <a:ext cx="1462449" cy="841663"/>
+          </a:xfrm>
+          <a:prstGeom prst="line">
+            <a:avLst/>
+          </a:prstGeom>
+        </p:spPr>
+        <p:style>
+          <a:lnRef idx="1">
+            <a:schemeClr val="dk1"/>
+          </a:lnRef>
+          <a:fillRef idx="0">
+            <a:schemeClr val="dk1"/>
+          </a:fillRef>
+          <a:effectRef idx="0">
+            <a:schemeClr val="dk1"/>
+          </a:effectRef>
+          <a:fontRef idx="minor">
+            <a:schemeClr val="tx1"/>
+          </a:fontRef>
+        </p:style>
+      </p:cxnSp>
+      <p:sp>
+        <p:nvSpPr>
+          <p:cNvPr id="55" name="Oval 54">
+            <a:extLst>
+              <a:ext uri="{FF2B5EF4-FFF2-40B4-BE49-F238E27FC236}">
+                <a16:creationId xmlns:a16="http://schemas.microsoft.com/office/drawing/2014/main" id="{F6C3E1DF-90D2-4137-BE04-BA4A6A8493CC}"/>
+              </a:ext>
+            </a:extLst>
+          </p:cNvPr>
+          <p:cNvSpPr/>
+          <p:nvPr/>
+        </p:nvSpPr>
+        <p:spPr>
+          <a:xfrm>
+            <a:off x="6054436" y="4447309"/>
+            <a:ext cx="1565564" cy="1011382"/>
+          </a:xfrm>
+          <a:prstGeom prst="ellipse">
+            <a:avLst/>
+          </a:prstGeom>
+          <a:solidFill>
+            <a:schemeClr val="bg2"/>
+          </a:solidFill>
+        </p:spPr>
+        <p:style>
+          <a:lnRef idx="2">
+            <a:schemeClr val="dk1"/>
+          </a:lnRef>
+          <a:fillRef idx="1">
+            <a:schemeClr val="lt1"/>
+          </a:fillRef>
+          <a:effectRef idx="0">
+            <a:schemeClr val="dk1"/>
+          </a:effectRef>
+          <a:fontRef idx="minor">
+            <a:schemeClr val="dk1"/>
+          </a:fontRef>
+        </p:style>
+        <p:txBody>
+          <a:bodyPr rtlCol="0" anchor="ctr"/>
+          <a:lstStyle/>
+          <a:p>
+            <a:pPr algn="ctr"/>
+            <a:r>
+              <a:rPr lang="en-AU" sz="1600" dirty="0"/>
+              <a:t>Motor Cool Left</a:t>
+            </a:r>
+          </a:p>
+        </p:txBody>
+      </p:sp>
+      <p:sp>
+        <p:nvSpPr>
+          <p:cNvPr id="56" name="Oval 55">
+            <a:extLst>
+              <a:ext uri="{FF2B5EF4-FFF2-40B4-BE49-F238E27FC236}">
+                <a16:creationId xmlns:a16="http://schemas.microsoft.com/office/drawing/2014/main" id="{7580796B-0803-44DC-BE56-7E83E6ED8D30}"/>
+              </a:ext>
+            </a:extLst>
+          </p:cNvPr>
+          <p:cNvSpPr/>
+          <p:nvPr/>
+        </p:nvSpPr>
+        <p:spPr>
+          <a:xfrm>
+            <a:off x="7187620" y="5581433"/>
+            <a:ext cx="1565564" cy="1011382"/>
+          </a:xfrm>
+          <a:prstGeom prst="ellipse">
+            <a:avLst/>
+          </a:prstGeom>
+          <a:solidFill>
+            <a:schemeClr val="bg2"/>
+          </a:solidFill>
+        </p:spPr>
+        <p:style>
+          <a:lnRef idx="2">
+            <a:schemeClr val="dk1"/>
+          </a:lnRef>
+          <a:fillRef idx="1">
+            <a:schemeClr val="lt1"/>
+          </a:fillRef>
+          <a:effectRef idx="0">
+            <a:schemeClr val="dk1"/>
+          </a:effectRef>
+          <a:fontRef idx="minor">
+            <a:schemeClr val="dk1"/>
+          </a:fontRef>
+        </p:style>
+        <p:txBody>
+          <a:bodyPr rtlCol="0" anchor="ctr"/>
+          <a:lstStyle/>
+          <a:p>
+            <a:pPr algn="ctr"/>
+            <a:r>
+              <a:rPr lang="en-AU" sz="1600" dirty="0"/>
+              <a:t>Motor Cool Right</a:t>
+            </a:r>
+          </a:p>
+        </p:txBody>
+      </p:sp>
+      <p:cxnSp>
+        <p:nvCxnSpPr>
+          <p:cNvPr id="59" name="Straight Connector 58">
+            <a:extLst>
+              <a:ext uri="{FF2B5EF4-FFF2-40B4-BE49-F238E27FC236}">
+                <a16:creationId xmlns:a16="http://schemas.microsoft.com/office/drawing/2014/main" id="{BDD850CA-F78B-45FE-B624-8AD25E39EFC3}"/>
+              </a:ext>
+            </a:extLst>
+          </p:cNvPr>
+          <p:cNvCxnSpPr>
+            <a:stCxn id="55" idx="7"/>
+          </p:cNvCxnSpPr>
+          <p:nvPr/>
+        </p:nvCxnSpPr>
+        <p:spPr>
+          <a:xfrm flipV="1">
+            <a:off x="7390728" y="4256809"/>
+            <a:ext cx="1374291" cy="338613"/>
+          </a:xfrm>
+          <a:prstGeom prst="line">
+            <a:avLst/>
+          </a:prstGeom>
+        </p:spPr>
+        <p:style>
+          <a:lnRef idx="1">
+            <a:schemeClr val="dk1"/>
+          </a:lnRef>
+          <a:fillRef idx="0">
+            <a:schemeClr val="dk1"/>
+          </a:fillRef>
+          <a:effectRef idx="0">
+            <a:schemeClr val="dk1"/>
+          </a:effectRef>
+          <a:fontRef idx="minor">
+            <a:schemeClr val="tx1"/>
+          </a:fontRef>
+        </p:style>
+      </p:cxnSp>
+      <p:cxnSp>
+        <p:nvCxnSpPr>
+          <p:cNvPr id="61" name="Straight Connector 60">
+            <a:extLst>
+              <a:ext uri="{FF2B5EF4-FFF2-40B4-BE49-F238E27FC236}">
+                <a16:creationId xmlns:a16="http://schemas.microsoft.com/office/drawing/2014/main" id="{9F166677-BFC7-4C3C-8422-761A1A070E31}"/>
+              </a:ext>
+            </a:extLst>
+          </p:cNvPr>
+          <p:cNvCxnSpPr>
+            <a:stCxn id="56" idx="7"/>
+          </p:cNvCxnSpPr>
+          <p:nvPr/>
+        </p:nvCxnSpPr>
+        <p:spPr>
+          <a:xfrm flipV="1">
+            <a:off x="8523912" y="4641272"/>
+            <a:ext cx="613014" cy="1088274"/>
+          </a:xfrm>
+          <a:prstGeom prst="line">
+            <a:avLst/>
+          </a:prstGeom>
+        </p:spPr>
+        <p:style>
+          <a:lnRef idx="1">
+            <a:schemeClr val="dk1"/>
+          </a:lnRef>
+          <a:fillRef idx="0">
+            <a:schemeClr val="dk1"/>
+          </a:fillRef>
+          <a:effectRef idx="0">
+            <a:schemeClr val="dk1"/>
+          </a:effectRef>
+          <a:fontRef idx="minor">
+            <a:schemeClr val="tx1"/>
+          </a:fontRef>
+        </p:style>
+      </p:cxnSp>
+      <p:cxnSp>
+        <p:nvCxnSpPr>
+          <p:cNvPr id="63" name="Straight Connector 62">
+            <a:extLst>
+              <a:ext uri="{FF2B5EF4-FFF2-40B4-BE49-F238E27FC236}">
+                <a16:creationId xmlns:a16="http://schemas.microsoft.com/office/drawing/2014/main" id="{A77A6B16-F22D-4886-B2D9-D702D77CC1B5}"/>
+              </a:ext>
+            </a:extLst>
+          </p:cNvPr>
+          <p:cNvCxnSpPr>
+            <a:stCxn id="9" idx="0"/>
+            <a:endCxn id="4" idx="2"/>
+          </p:cNvCxnSpPr>
+          <p:nvPr/>
+        </p:nvCxnSpPr>
+        <p:spPr>
+          <a:xfrm flipV="1">
+            <a:off x="3602181" y="4641272"/>
+            <a:ext cx="1" cy="1288472"/>
+          </a:xfrm>
+          <a:prstGeom prst="line">
+            <a:avLst/>
+          </a:prstGeom>
+        </p:spPr>
+        <p:style>
+          <a:lnRef idx="1">
+            <a:schemeClr val="dk1"/>
+          </a:lnRef>
+          <a:fillRef idx="0">
+            <a:schemeClr val="dk1"/>
+          </a:fillRef>
+          <a:effectRef idx="0">
+            <a:schemeClr val="dk1"/>
+          </a:effectRef>
+          <a:fontRef idx="minor">
+            <a:schemeClr val="tx1"/>
+          </a:fontRef>
+        </p:style>
+      </p:cxnSp>
+      <p:cxnSp>
+        <p:nvCxnSpPr>
+          <p:cNvPr id="65" name="Straight Connector 64">
+            <a:extLst>
+              <a:ext uri="{FF2B5EF4-FFF2-40B4-BE49-F238E27FC236}">
+                <a16:creationId xmlns:a16="http://schemas.microsoft.com/office/drawing/2014/main" id="{1C663DB1-AE2C-4976-A6EA-4C085AF6078E}"/>
+              </a:ext>
+            </a:extLst>
+          </p:cNvPr>
+          <p:cNvCxnSpPr>
+            <a:cxnSpLocks/>
+            <a:stCxn id="37" idx="7"/>
+          </p:cNvCxnSpPr>
+          <p:nvPr/>
+        </p:nvCxnSpPr>
+        <p:spPr>
+          <a:xfrm flipV="1">
+            <a:off x="1796233" y="4426115"/>
+            <a:ext cx="940834" cy="578015"/>
+          </a:xfrm>
+          <a:prstGeom prst="line">
+            <a:avLst/>
+          </a:prstGeom>
+        </p:spPr>
+        <p:style>
+          <a:lnRef idx="1">
+            <a:schemeClr val="dk1"/>
+          </a:lnRef>
+          <a:fillRef idx="0">
+            <a:schemeClr val="dk1"/>
+          </a:fillRef>
+          <a:effectRef idx="0">
+            <a:schemeClr val="dk1"/>
+          </a:effectRef>
+          <a:fontRef idx="minor">
+            <a:schemeClr val="tx1"/>
+          </a:fontRef>
+        </p:style>
+      </p:cxnSp>
+      <p:cxnSp>
+        <p:nvCxnSpPr>
+          <p:cNvPr id="67" name="Straight Connector 66">
+            <a:extLst>
+              <a:ext uri="{FF2B5EF4-FFF2-40B4-BE49-F238E27FC236}">
+                <a16:creationId xmlns:a16="http://schemas.microsoft.com/office/drawing/2014/main" id="{C45F57C3-F9E2-4B3E-83C5-18AE7E4E7365}"/>
+              </a:ext>
+            </a:extLst>
+          </p:cNvPr>
+          <p:cNvCxnSpPr>
+            <a:cxnSpLocks/>
+            <a:stCxn id="38" idx="6"/>
+          </p:cNvCxnSpPr>
+          <p:nvPr/>
+        </p:nvCxnSpPr>
+        <p:spPr>
+          <a:xfrm>
+            <a:off x="2025505" y="3255817"/>
+            <a:ext cx="746991" cy="370198"/>
+          </a:xfrm>
+          <a:prstGeom prst="line">
+            <a:avLst/>
+          </a:prstGeom>
+        </p:spPr>
+        <p:style>
+          <a:lnRef idx="1">
+            <a:schemeClr val="dk1"/>
+          </a:lnRef>
+          <a:fillRef idx="0">
+            <a:schemeClr val="dk1"/>
+          </a:fillRef>
+          <a:effectRef idx="0">
+            <a:schemeClr val="dk1"/>
+          </a:effectRef>
+          <a:fontRef idx="minor">
+            <a:schemeClr val="tx1"/>
+          </a:fontRef>
+        </p:style>
+      </p:cxnSp>
+      <p:cxnSp>
+        <p:nvCxnSpPr>
+          <p:cNvPr id="71" name="Straight Connector 70">
+            <a:extLst>
+              <a:ext uri="{FF2B5EF4-FFF2-40B4-BE49-F238E27FC236}">
+                <a16:creationId xmlns:a16="http://schemas.microsoft.com/office/drawing/2014/main" id="{BA0423FD-649D-40E6-A727-29FC6537F64D}"/>
+              </a:ext>
+            </a:extLst>
+          </p:cNvPr>
+          <p:cNvCxnSpPr>
+            <a:stCxn id="4" idx="0"/>
+            <a:endCxn id="8" idx="4"/>
+          </p:cNvCxnSpPr>
+          <p:nvPr/>
+        </p:nvCxnSpPr>
+        <p:spPr>
+          <a:xfrm flipH="1" flipV="1">
+            <a:off x="3598860" y="2133600"/>
+            <a:ext cx="3322" cy="1288472"/>
+          </a:xfrm>
+          <a:prstGeom prst="line">
+            <a:avLst/>
+          </a:prstGeom>
+        </p:spPr>
+        <p:style>
+          <a:lnRef idx="1">
+            <a:schemeClr val="dk1"/>
+          </a:lnRef>
+          <a:fillRef idx="0">
+            <a:schemeClr val="dk1"/>
+          </a:fillRef>
+          <a:effectRef idx="0">
+            <a:schemeClr val="dk1"/>
+          </a:effectRef>
+          <a:fontRef idx="minor">
+            <a:schemeClr val="tx1"/>
+          </a:fontRef>
+        </p:style>
+      </p:cxnSp>
+      <p:sp>
+        <p:nvSpPr>
+          <p:cNvPr id="75" name="TextBox 74">
+            <a:extLst>
+              <a:ext uri="{FF2B5EF4-FFF2-40B4-BE49-F238E27FC236}">
+                <a16:creationId xmlns:a16="http://schemas.microsoft.com/office/drawing/2014/main" id="{C58CC260-54A1-4790-960D-FF8BE18988FD}"/>
+              </a:ext>
+            </a:extLst>
+          </p:cNvPr>
+          <p:cNvSpPr txBox="1"/>
+          <p:nvPr/>
+        </p:nvSpPr>
+        <p:spPr>
+          <a:xfrm>
+            <a:off x="5140724" y="309540"/>
+            <a:ext cx="913712" cy="369332"/>
+          </a:xfrm>
+          <a:prstGeom prst="rect">
+            <a:avLst/>
+          </a:prstGeom>
+          <a:noFill/>
+        </p:spPr>
+        <p:txBody>
+          <a:bodyPr wrap="none" rtlCol="0">
+            <a:spAutoFit/>
+          </a:bodyPr>
+          <a:lstStyle/>
+          <a:p>
+            <a:r>
+              <a:rPr lang="en-AU" dirty="0"/>
+              <a:t>Firewall</a:t>
             </a:r>
           </a:p>
         </p:txBody>
@@ -4928,4 +8344,260 @@
     </a:ext>
   </a:extLst>
 </a:theme>
+</file>
+
+<file path=customXml/item1.xml><?xml version="1.0" encoding="utf-8"?>
+<?mso-contentType ?>
+<FormTemplates xmlns="http://schemas.microsoft.com/sharepoint/v3/contenttype/forms">
+  <Display>DocumentLibraryForm</Display>
+  <Edit>DocumentLibraryForm</Edit>
+  <New>DocumentLibraryForm</New>
+</FormTemplates>
+</file>
+
+<file path=customXml/item2.xml><?xml version="1.0" encoding="utf-8"?>
+<p:properties xmlns:p="http://schemas.microsoft.com/office/2006/metadata/properties" xmlns:xsi="http://www.w3.org/2001/XMLSchema-instance" xmlns:pc="http://schemas.microsoft.com/office/infopath/2007/PartnerControls">
+  <documentManagement/>
+</p:properties>
+</file>
+
+<file path=customXml/item3.xml><?xml version="1.0" encoding="utf-8"?>
+<ct:contentTypeSchema xmlns:ct="http://schemas.microsoft.com/office/2006/metadata/contentType" xmlns:ma="http://schemas.microsoft.com/office/2006/metadata/properties/metaAttributes" ct:_="" ma:_="" ma:contentTypeName="Document" ma:contentTypeID="0x0101005B2269C321D291428214E3B7BAB1F930" ma:contentTypeVersion="9" ma:contentTypeDescription="Create a new document." ma:contentTypeScope="" ma:versionID="a93c0451cc2ae517b3967a74ba83d88c">
+  <xsd:schema xmlns:xsd="http://www.w3.org/2001/XMLSchema" xmlns:xs="http://www.w3.org/2001/XMLSchema" xmlns:p="http://schemas.microsoft.com/office/2006/metadata/properties" xmlns:ns3="7841b51d-04ee-418e-97fd-c74c15e24a8e" xmlns:ns4="76347074-7300-44db-ab6c-c25fe4f0b6a8" targetNamespace="http://schemas.microsoft.com/office/2006/metadata/properties" ma:root="true" ma:fieldsID="63b6006672839523f351c366fd9635ec" ns3:_="" ns4:_="">
+    <xsd:import namespace="7841b51d-04ee-418e-97fd-c74c15e24a8e"/>
+    <xsd:import namespace="76347074-7300-44db-ab6c-c25fe4f0b6a8"/>
+    <xsd:element name="properties">
+      <xsd:complexType>
+        <xsd:sequence>
+          <xsd:element name="documentManagement">
+            <xsd:complexType>
+              <xsd:all>
+                <xsd:element ref="ns3:MediaServiceMetadata" minOccurs="0"/>
+                <xsd:element ref="ns3:MediaServiceFastMetadata" minOccurs="0"/>
+                <xsd:element ref="ns3:MediaServiceAutoTags" minOccurs="0"/>
+                <xsd:element ref="ns3:MediaServiceOCR" minOccurs="0"/>
+                <xsd:element ref="ns3:MediaServiceGenerationTime" minOccurs="0"/>
+                <xsd:element ref="ns3:MediaServiceEventHashCode" minOccurs="0"/>
+                <xsd:element ref="ns4:SharedWithUsers" minOccurs="0"/>
+                <xsd:element ref="ns4:SharedWithDetails" minOccurs="0"/>
+                <xsd:element ref="ns4:SharingHintHash" minOccurs="0"/>
+              </xsd:all>
+            </xsd:complexType>
+          </xsd:element>
+        </xsd:sequence>
+      </xsd:complexType>
+    </xsd:element>
+  </xsd:schema>
+  <xsd:schema xmlns:xsd="http://www.w3.org/2001/XMLSchema" xmlns:xs="http://www.w3.org/2001/XMLSchema" xmlns:dms="http://schemas.microsoft.com/office/2006/documentManagement/types" xmlns:pc="http://schemas.microsoft.com/office/infopath/2007/PartnerControls" targetNamespace="7841b51d-04ee-418e-97fd-c74c15e24a8e" elementFormDefault="qualified">
+    <xsd:import namespace="http://schemas.microsoft.com/office/2006/documentManagement/types"/>
+    <xsd:import namespace="http://schemas.microsoft.com/office/infopath/2007/PartnerControls"/>
+    <xsd:element name="MediaServiceMetadata" ma:index="8" nillable="true" ma:displayName="MediaServiceMetadata" ma:hidden="true" ma:internalName="MediaServiceMetadata" ma:readOnly="true">
+      <xsd:simpleType>
+        <xsd:restriction base="dms:Note"/>
+      </xsd:simpleType>
+    </xsd:element>
+    <xsd:element name="MediaServiceFastMetadata" ma:index="9" nillable="true" ma:displayName="MediaServiceFastMetadata" ma:hidden="true" ma:internalName="MediaServiceFastMetadata" ma:readOnly="true">
+      <xsd:simpleType>
+        <xsd:restriction base="dms:Note"/>
+      </xsd:simpleType>
+    </xsd:element>
+    <xsd:element name="MediaServiceAutoTags" ma:index="10" nillable="true" ma:displayName="Tags" ma:internalName="MediaServiceAutoTags" ma:readOnly="true">
+      <xsd:simpleType>
+        <xsd:restriction base="dms:Text"/>
+      </xsd:simpleType>
+    </xsd:element>
+    <xsd:element name="MediaServiceOCR" ma:index="11" nillable="true" ma:displayName="Extracted Text" ma:internalName="MediaServiceOCR" ma:readOnly="true">
+      <xsd:simpleType>
+        <xsd:restriction base="dms:Note">
+          <xsd:maxLength value="255"/>
+        </xsd:restriction>
+      </xsd:simpleType>
+    </xsd:element>
+    <xsd:element name="MediaServiceGenerationTime" ma:index="12" nillable="true" ma:displayName="MediaServiceGenerationTime" ma:hidden="true" ma:internalName="MediaServiceGenerationTime" ma:readOnly="true">
+      <xsd:simpleType>
+        <xsd:restriction base="dms:Text"/>
+      </xsd:simpleType>
+    </xsd:element>
+    <xsd:element name="MediaServiceEventHashCode" ma:index="13" nillable="true" ma:displayName="MediaServiceEventHashCode" ma:hidden="true" ma:internalName="MediaServiceEventHashCode" ma:readOnly="true">
+      <xsd:simpleType>
+        <xsd:restriction base="dms:Text"/>
+      </xsd:simpleType>
+    </xsd:element>
+  </xsd:schema>
+  <xsd:schema xmlns:xsd="http://www.w3.org/2001/XMLSchema" xmlns:xs="http://www.w3.org/2001/XMLSchema" xmlns:dms="http://schemas.microsoft.com/office/2006/documentManagement/types" xmlns:pc="http://schemas.microsoft.com/office/infopath/2007/PartnerControls" targetNamespace="76347074-7300-44db-ab6c-c25fe4f0b6a8" elementFormDefault="qualified">
+    <xsd:import namespace="http://schemas.microsoft.com/office/2006/documentManagement/types"/>
+    <xsd:import namespace="http://schemas.microsoft.com/office/infopath/2007/PartnerControls"/>
+    <xsd:element name="SharedWithUsers" ma:index="14" nillable="true" ma:displayName="Shared With" ma:internalName="SharedWithUsers" ma:readOnly="true">
+      <xsd:complexType>
+        <xsd:complexContent>
+          <xsd:extension base="dms:UserMulti">
+            <xsd:sequence>
+              <xsd:element name="UserInfo" minOccurs="0" maxOccurs="unbounded">
+                <xsd:complexType>
+                  <xsd:sequence>
+                    <xsd:element name="DisplayName" type="xsd:string" minOccurs="0"/>
+                    <xsd:element name="AccountId" type="dms:UserId" minOccurs="0" nillable="true"/>
+                    <xsd:element name="AccountType" type="xsd:string" minOccurs="0"/>
+                  </xsd:sequence>
+                </xsd:complexType>
+              </xsd:element>
+            </xsd:sequence>
+          </xsd:extension>
+        </xsd:complexContent>
+      </xsd:complexType>
+    </xsd:element>
+    <xsd:element name="SharedWithDetails" ma:index="15" nillable="true" ma:displayName="Shared With Details" ma:internalName="SharedWithDetails" ma:readOnly="true">
+      <xsd:simpleType>
+        <xsd:restriction base="dms:Note">
+          <xsd:maxLength value="255"/>
+        </xsd:restriction>
+      </xsd:simpleType>
+    </xsd:element>
+    <xsd:element name="SharingHintHash" ma:index="16" nillable="true" ma:displayName="Sharing Hint Hash" ma:hidden="true" ma:internalName="SharingHintHash" ma:readOnly="true">
+      <xsd:simpleType>
+        <xsd:restriction base="dms:Text"/>
+      </xsd:simpleType>
+    </xsd:element>
+  </xsd:schema>
+  <xsd:schema xmlns="http://schemas.openxmlformats.org/package/2006/metadata/core-properties" xmlns:xsd="http://www.w3.org/2001/XMLSchema" xmlns:xsi="http://www.w3.org/2001/XMLSchema-instance" xmlns:dc="http://purl.org/dc/elements/1.1/" xmlns:dcterms="http://purl.org/dc/terms/" xmlns:odoc="http://schemas.microsoft.com/internal/obd" targetNamespace="http://schemas.openxmlformats.org/package/2006/metadata/core-properties" elementFormDefault="qualified" attributeFormDefault="unqualified" blockDefault="#all">
+    <xsd:import namespace="http://purl.org/dc/elements/1.1/" schemaLocation="http://dublincore.org/schemas/xmls/qdc/2003/04/02/dc.xsd"/>
+    <xsd:import namespace="http://purl.org/dc/terms/" schemaLocation="http://dublincore.org/schemas/xmls/qdc/2003/04/02/dcterms.xsd"/>
+    <xsd:element name="coreProperties" type="CT_coreProperties"/>
+    <xsd:complexType name="CT_coreProperties">
+      <xsd:all>
+        <xsd:element ref="dc:creator" minOccurs="0" maxOccurs="1"/>
+        <xsd:element ref="dcterms:created" minOccurs="0" maxOccurs="1"/>
+        <xsd:element ref="dc:identifier" minOccurs="0" maxOccurs="1"/>
+        <xsd:element name="contentType" minOccurs="0" maxOccurs="1" type="xsd:string" ma:index="0" ma:displayName="Content Type"/>
+        <xsd:element ref="dc:title" minOccurs="0" maxOccurs="1" ma:index="4" ma:displayName="Title"/>
+        <xsd:element ref="dc:subject" minOccurs="0" maxOccurs="1"/>
+        <xsd:element ref="dc:description" minOccurs="0" maxOccurs="1"/>
+        <xsd:element name="keywords" minOccurs="0" maxOccurs="1" type="xsd:string"/>
+        <xsd:element ref="dc:language" minOccurs="0" maxOccurs="1"/>
+        <xsd:element name="category" minOccurs="0" maxOccurs="1" type="xsd:string"/>
+        <xsd:element name="version" minOccurs="0" maxOccurs="1" type="xsd:string"/>
+        <xsd:element name="revision" minOccurs="0" maxOccurs="1" type="xsd:string">
+          <xsd:annotation>
+            <xsd:documentation>
+                        This value indicates the number of saves or revisions. The application is responsible for updating this value after each revision.
+                    </xsd:documentation>
+          </xsd:annotation>
+        </xsd:element>
+        <xsd:element name="lastModifiedBy" minOccurs="0" maxOccurs="1" type="xsd:string"/>
+        <xsd:element ref="dcterms:modified" minOccurs="0" maxOccurs="1"/>
+        <xsd:element name="contentStatus" minOccurs="0" maxOccurs="1" type="xsd:string"/>
+      </xsd:all>
+    </xsd:complexType>
+  </xsd:schema>
+  <xs:schema xmlns:pc="http://schemas.microsoft.com/office/infopath/2007/PartnerControls" xmlns:xs="http://www.w3.org/2001/XMLSchema" targetNamespace="http://schemas.microsoft.com/office/infopath/2007/PartnerControls" elementFormDefault="qualified" attributeFormDefault="unqualified">
+    <xs:element name="Person">
+      <xs:complexType>
+        <xs:sequence>
+          <xs:element ref="pc:DisplayName" minOccurs="0"/>
+          <xs:element ref="pc:AccountId" minOccurs="0"/>
+          <xs:element ref="pc:AccountType" minOccurs="0"/>
+        </xs:sequence>
+      </xs:complexType>
+    </xs:element>
+    <xs:element name="DisplayName" type="xs:string"/>
+    <xs:element name="AccountId" type="xs:string"/>
+    <xs:element name="AccountType" type="xs:string"/>
+    <xs:element name="BDCAssociatedEntity">
+      <xs:complexType>
+        <xs:sequence>
+          <xs:element ref="pc:BDCEntity" minOccurs="0" maxOccurs="unbounded"/>
+        </xs:sequence>
+        <xs:attribute ref="pc:EntityNamespace"/>
+        <xs:attribute ref="pc:EntityName"/>
+        <xs:attribute ref="pc:SystemInstanceName"/>
+        <xs:attribute ref="pc:AssociationName"/>
+      </xs:complexType>
+    </xs:element>
+    <xs:attribute name="EntityNamespace" type="xs:string"/>
+    <xs:attribute name="EntityName" type="xs:string"/>
+    <xs:attribute name="SystemInstanceName" type="xs:string"/>
+    <xs:attribute name="AssociationName" type="xs:string"/>
+    <xs:element name="BDCEntity">
+      <xs:complexType>
+        <xs:sequence>
+          <xs:element ref="pc:EntityDisplayName" minOccurs="0"/>
+          <xs:element ref="pc:EntityInstanceReference" minOccurs="0"/>
+          <xs:element ref="pc:EntityId1" minOccurs="0"/>
+          <xs:element ref="pc:EntityId2" minOccurs="0"/>
+          <xs:element ref="pc:EntityId3" minOccurs="0"/>
+          <xs:element ref="pc:EntityId4" minOccurs="0"/>
+          <xs:element ref="pc:EntityId5" minOccurs="0"/>
+        </xs:sequence>
+      </xs:complexType>
+    </xs:element>
+    <xs:element name="EntityDisplayName" type="xs:string"/>
+    <xs:element name="EntityInstanceReference" type="xs:string"/>
+    <xs:element name="EntityId1" type="xs:string"/>
+    <xs:element name="EntityId2" type="xs:string"/>
+    <xs:element name="EntityId3" type="xs:string"/>
+    <xs:element name="EntityId4" type="xs:string"/>
+    <xs:element name="EntityId5" type="xs:string"/>
+    <xs:element name="Terms">
+      <xs:complexType>
+        <xs:sequence>
+          <xs:element ref="pc:TermInfo" minOccurs="0" maxOccurs="unbounded"/>
+        </xs:sequence>
+      </xs:complexType>
+    </xs:element>
+    <xs:element name="TermInfo">
+      <xs:complexType>
+        <xs:sequence>
+          <xs:element ref="pc:TermName" minOccurs="0"/>
+          <xs:element ref="pc:TermId" minOccurs="0"/>
+        </xs:sequence>
+      </xs:complexType>
+    </xs:element>
+    <xs:element name="TermName" type="xs:string"/>
+    <xs:element name="TermId" type="xs:string"/>
+  </xs:schema>
+</ct:contentTypeSchema>
+</file>
+
+<file path=customXml/itemProps1.xml><?xml version="1.0" encoding="utf-8"?>
+<ds:datastoreItem xmlns:ds="http://schemas.openxmlformats.org/officeDocument/2006/customXml" ds:itemID="{B8F7EE57-2C50-4DB8-B3C7-4ADE0AEB952A}">
+  <ds:schemaRefs>
+    <ds:schemaRef ds:uri="http://schemas.microsoft.com/sharepoint/v3/contenttype/forms"/>
+  </ds:schemaRefs>
+</ds:datastoreItem>
+</file>
+
+<file path=customXml/itemProps2.xml><?xml version="1.0" encoding="utf-8"?>
+<ds:datastoreItem xmlns:ds="http://schemas.openxmlformats.org/officeDocument/2006/customXml" ds:itemID="{FDFEBF57-AC8F-4876-A025-109D8EF1BD50}">
+  <ds:schemaRefs>
+    <ds:schemaRef ds:uri="http://purl.org/dc/dcmitype/"/>
+    <ds:schemaRef ds:uri="http://schemas.microsoft.com/office/2006/documentManagement/types"/>
+    <ds:schemaRef ds:uri="http://purl.org/dc/terms/"/>
+    <ds:schemaRef ds:uri="http://schemas.microsoft.com/office/infopath/2007/PartnerControls"/>
+    <ds:schemaRef ds:uri="http://schemas.openxmlformats.org/package/2006/metadata/core-properties"/>
+    <ds:schemaRef ds:uri="7841b51d-04ee-418e-97fd-c74c15e24a8e"/>
+    <ds:schemaRef ds:uri="http://purl.org/dc/elements/1.1/"/>
+    <ds:schemaRef ds:uri="76347074-7300-44db-ab6c-c25fe4f0b6a8"/>
+    <ds:schemaRef ds:uri="http://schemas.microsoft.com/office/2006/metadata/properties"/>
+    <ds:schemaRef ds:uri="http://www.w3.org/XML/1998/namespace"/>
+  </ds:schemaRefs>
+</ds:datastoreItem>
+</file>
+
+<file path=customXml/itemProps3.xml><?xml version="1.0" encoding="utf-8"?>
+<ds:datastoreItem xmlns:ds="http://schemas.openxmlformats.org/officeDocument/2006/customXml" ds:itemID="{EA6F5A3C-422F-492F-A461-C6E196406B2D}">
+  <ds:schemaRefs>
+    <ds:schemaRef ds:uri="http://schemas.microsoft.com/office/2006/metadata/contentType"/>
+    <ds:schemaRef ds:uri="http://schemas.microsoft.com/office/2006/metadata/properties/metaAttributes"/>
+    <ds:schemaRef ds:uri="http://www.w3.org/2001/XMLSchema"/>
+    <ds:schemaRef ds:uri="http://schemas.microsoft.com/office/2006/metadata/properties"/>
+    <ds:schemaRef ds:uri="7841b51d-04ee-418e-97fd-c74c15e24a8e"/>
+    <ds:schemaRef ds:uri="76347074-7300-44db-ab6c-c25fe4f0b6a8"/>
+    <ds:schemaRef ds:uri="http://schemas.microsoft.com/office/2006/documentManagement/types"/>
+    <ds:schemaRef ds:uri="http://schemas.microsoft.com/office/infopath/2007/PartnerControls"/>
+    <ds:schemaRef ds:uri="http://schemas.openxmlformats.org/package/2006/metadata/core-properties"/>
+    <ds:schemaRef ds:uri="http://purl.org/dc/elements/1.1/"/>
+    <ds:schemaRef ds:uri="http://purl.org/dc/terms/"/>
+    <ds:schemaRef ds:uri="http://schemas.microsoft.com/internal/obd"/>
+  </ds:schemaRefs>
+</ds:datastoreItem>
 </file>